--- a/Slides/Lecture05 - Dependency Injection, Unit Testing EF.pptx
+++ b/Slides/Lecture05 - Dependency Injection, Unit Testing EF.pptx
@@ -5,10 +5,10 @@
     <p:sldMasterId id="2147484082" r:id="rId4"/>
   </p:sldMasterIdLst>
   <p:notesMasterIdLst>
-    <p:notesMasterId r:id="rId28"/>
+    <p:notesMasterId r:id="rId30"/>
   </p:notesMasterIdLst>
   <p:handoutMasterIdLst>
-    <p:handoutMasterId r:id="rId29"/>
+    <p:handoutMasterId r:id="rId31"/>
   </p:handoutMasterIdLst>
   <p:sldIdLst>
     <p:sldId id="880" r:id="rId5"/>
@@ -16,24 +16,26 @@
     <p:sldId id="881" r:id="rId7"/>
     <p:sldId id="882" r:id="rId8"/>
     <p:sldId id="884" r:id="rId9"/>
-    <p:sldId id="885" r:id="rId10"/>
-    <p:sldId id="891" r:id="rId11"/>
-    <p:sldId id="892" r:id="rId12"/>
-    <p:sldId id="893" r:id="rId13"/>
-    <p:sldId id="894" r:id="rId14"/>
-    <p:sldId id="895" r:id="rId15"/>
-    <p:sldId id="897" r:id="rId16"/>
-    <p:sldId id="906" r:id="rId17"/>
-    <p:sldId id="886" r:id="rId18"/>
-    <p:sldId id="887" r:id="rId19"/>
-    <p:sldId id="888" r:id="rId20"/>
-    <p:sldId id="889" r:id="rId21"/>
-    <p:sldId id="890" r:id="rId22"/>
-    <p:sldId id="899" r:id="rId23"/>
-    <p:sldId id="900" r:id="rId24"/>
-    <p:sldId id="907" r:id="rId25"/>
-    <p:sldId id="902" r:id="rId26"/>
-    <p:sldId id="905" r:id="rId27"/>
+    <p:sldId id="909" r:id="rId10"/>
+    <p:sldId id="885" r:id="rId11"/>
+    <p:sldId id="891" r:id="rId12"/>
+    <p:sldId id="892" r:id="rId13"/>
+    <p:sldId id="893" r:id="rId14"/>
+    <p:sldId id="894" r:id="rId15"/>
+    <p:sldId id="895" r:id="rId16"/>
+    <p:sldId id="897" r:id="rId17"/>
+    <p:sldId id="908" r:id="rId18"/>
+    <p:sldId id="906" r:id="rId19"/>
+    <p:sldId id="886" r:id="rId20"/>
+    <p:sldId id="887" r:id="rId21"/>
+    <p:sldId id="888" r:id="rId22"/>
+    <p:sldId id="889" r:id="rId23"/>
+    <p:sldId id="890" r:id="rId24"/>
+    <p:sldId id="899" r:id="rId25"/>
+    <p:sldId id="900" r:id="rId26"/>
+    <p:sldId id="907" r:id="rId27"/>
+    <p:sldId id="902" r:id="rId28"/>
+    <p:sldId id="905" r:id="rId29"/>
   </p:sldIdLst>
   <p:sldSz cx="9326563" cy="6994525"/>
   <p:notesSz cx="6858000" cy="9144000"/>
@@ -142,6 +144,7 @@
             <p14:sldId id="881"/>
             <p14:sldId id="882"/>
             <p14:sldId id="884"/>
+            <p14:sldId id="909"/>
             <p14:sldId id="885"/>
             <p14:sldId id="891"/>
             <p14:sldId id="892"/>
@@ -149,6 +152,7 @@
             <p14:sldId id="894"/>
             <p14:sldId id="895"/>
             <p14:sldId id="897"/>
+            <p14:sldId id="908"/>
             <p14:sldId id="906"/>
             <p14:sldId id="886"/>
             <p14:sldId id="887"/>
@@ -374,7 +378,7 @@
               <a:rPr lang="en-US" smtClean="0">
                 <a:latin typeface="Segoe UI" pitchFamily="34" charset="0"/>
               </a:rPr>
-              <a:t>9/18/2018</a:t>
+              <a:t>9/27/2018</a:t>
             </a:fld>
             <a:endParaRPr lang="en-US" dirty="0">
               <a:latin typeface="Segoe UI" pitchFamily="34" charset="0"/>
@@ -697,7 +701,7 @@
             <a:fld id="{D51B1278-D92B-4AF3-A9C1-71DD298190CE}" type="datetimeFigureOut">
               <a:rPr lang="en-US" smtClean="0"/>
               <a:pPr/>
-              <a:t>9/18/2018</a:t>
+              <a:t>9/27/2018</a:t>
             </a:fld>
             <a:endParaRPr lang="en-US" dirty="0"/>
           </a:p>
@@ -4558,7 +4562,12 @@
             <p:ph type="title"/>
           </p:nvPr>
         </p:nvSpPr>
-        <p:spPr/>
+        <p:spPr>
+          <a:xfrm>
+            <a:off x="273050" y="1211262"/>
+            <a:ext cx="5486400" cy="2743200"/>
+          </a:xfrm>
+        </p:spPr>
         <p:txBody>
           <a:bodyPr/>
           <a:lstStyle/>
@@ -4575,15 +4584,15 @@
               <a:rPr lang="en-US" sz="4400" dirty="0"/>
             </a:br>
             <a:r>
-              <a:rPr lang="en-US" sz="4400" dirty="0"/>
+              <a:rPr lang="en-US" sz="4000" dirty="0"/>
               <a:t>Dependency Injection</a:t>
             </a:r>
             <a:br>
-              <a:rPr lang="en-US" sz="4400" dirty="0"/>
+              <a:rPr lang="en-US" sz="4000" dirty="0"/>
             </a:br>
             <a:r>
-              <a:rPr lang="en-US" sz="4400" dirty="0"/>
-              <a:t>Unit Testing EF</a:t>
+              <a:rPr lang="en-US" sz="4000" dirty="0"/>
+              <a:t>Testing Entity Framework</a:t>
             </a:r>
             <a:endParaRPr lang="en-US" sz="2800" dirty="0"/>
           </a:p>
@@ -4725,6 +4734,725 @@
             </a:r>
             <a:r>
               <a:rPr lang="da-DK" dirty="0"/>
+              <a:t> II</a:t>
+            </a:r>
+          </a:p>
+        </p:txBody>
+      </p:sp>
+      <p:sp>
+        <p:nvSpPr>
+          <p:cNvPr id="3" name="Rectangle 2"/>
+          <p:cNvSpPr/>
+          <p:nvPr/>
+        </p:nvSpPr>
+        <p:spPr>
+          <a:xfrm>
+            <a:off x="182770" y="1394165"/>
+            <a:ext cx="8778144" cy="3970318"/>
+          </a:xfrm>
+          <a:prstGeom prst="rect">
+            <a:avLst/>
+          </a:prstGeom>
+        </p:spPr>
+        <p:txBody>
+          <a:bodyPr wrap="square">
+            <a:spAutoFit/>
+          </a:bodyPr>
+          <a:lstStyle/>
+          <a:p>
+            <a:r>
+              <a:rPr lang="en-US" dirty="0">
+                <a:solidFill>
+                  <a:srgbClr val="0000FF"/>
+                </a:solidFill>
+                <a:latin typeface="Consolas" panose="020B0609020204030204" pitchFamily="49" charset="0"/>
+              </a:rPr>
+              <a:t>public</a:t>
+            </a:r>
+            <a:r>
+              <a:rPr lang="en-US" dirty="0">
+                <a:solidFill>
+                  <a:srgbClr val="000000"/>
+                </a:solidFill>
+                <a:latin typeface="Consolas" panose="020B0609020204030204" pitchFamily="49" charset="0"/>
+              </a:rPr>
+              <a:t> </a:t>
+            </a:r>
+            <a:r>
+              <a:rPr lang="en-US" dirty="0">
+                <a:solidFill>
+                  <a:srgbClr val="0000FF"/>
+                </a:solidFill>
+                <a:latin typeface="Consolas" panose="020B0609020204030204" pitchFamily="49" charset="0"/>
+              </a:rPr>
+              <a:t>class</a:t>
+            </a:r>
+            <a:r>
+              <a:rPr lang="en-US" dirty="0">
+                <a:solidFill>
+                  <a:srgbClr val="000000"/>
+                </a:solidFill>
+                <a:latin typeface="Consolas" panose="020B0609020204030204" pitchFamily="49" charset="0"/>
+              </a:rPr>
+              <a:t> </a:t>
+            </a:r>
+            <a:r>
+              <a:rPr lang="en-US" dirty="0">
+                <a:solidFill>
+                  <a:srgbClr val="2B91AF"/>
+                </a:solidFill>
+                <a:latin typeface="Consolas" panose="020B0609020204030204" pitchFamily="49" charset="0"/>
+              </a:rPr>
+              <a:t>Worker</a:t>
+            </a:r>
+            <a:r>
+              <a:rPr lang="en-US" dirty="0">
+                <a:solidFill>
+                  <a:srgbClr val="000000"/>
+                </a:solidFill>
+                <a:latin typeface="Consolas" panose="020B0609020204030204" pitchFamily="49" charset="0"/>
+              </a:rPr>
+              <a:t> : </a:t>
+            </a:r>
+            <a:r>
+              <a:rPr lang="en-US" dirty="0" err="1">
+                <a:solidFill>
+                  <a:srgbClr val="2B91AF"/>
+                </a:solidFill>
+                <a:latin typeface="Consolas" panose="020B0609020204030204" pitchFamily="49" charset="0"/>
+              </a:rPr>
+              <a:t>IServiceSetter</a:t>
+            </a:r>
+            <a:r>
+              <a:rPr lang="en-US" dirty="0">
+                <a:solidFill>
+                  <a:srgbClr val="000000"/>
+                </a:solidFill>
+                <a:latin typeface="Consolas" panose="020B0609020204030204" pitchFamily="49" charset="0"/>
+              </a:rPr>
+              <a:t>&lt;</a:t>
+            </a:r>
+            <a:r>
+              <a:rPr lang="en-US" dirty="0" err="1">
+                <a:solidFill>
+                  <a:srgbClr val="2B91AF"/>
+                </a:solidFill>
+                <a:latin typeface="Consolas" panose="020B0609020204030204" pitchFamily="49" charset="0"/>
+              </a:rPr>
+              <a:t>IFooService</a:t>
+            </a:r>
+            <a:r>
+              <a:rPr lang="en-US" dirty="0">
+                <a:solidFill>
+                  <a:srgbClr val="000000"/>
+                </a:solidFill>
+                <a:latin typeface="Consolas" panose="020B0609020204030204" pitchFamily="49" charset="0"/>
+              </a:rPr>
+              <a:t>&gt;</a:t>
+            </a:r>
+          </a:p>
+          <a:p>
+            <a:r>
+              <a:rPr lang="da-DK" dirty="0">
+                <a:solidFill>
+                  <a:srgbClr val="000000"/>
+                </a:solidFill>
+                <a:latin typeface="Consolas" panose="020B0609020204030204" pitchFamily="49" charset="0"/>
+              </a:rPr>
+              <a:t>{</a:t>
+            </a:r>
+          </a:p>
+          <a:p>
+            <a:r>
+              <a:rPr lang="da-DK" dirty="0">
+                <a:solidFill>
+                  <a:srgbClr val="000000"/>
+                </a:solidFill>
+                <a:latin typeface="Consolas" panose="020B0609020204030204" pitchFamily="49" charset="0"/>
+              </a:rPr>
+              <a:t>    </a:t>
+            </a:r>
+            <a:r>
+              <a:rPr lang="da-DK" dirty="0">
+                <a:solidFill>
+                  <a:srgbClr val="0000FF"/>
+                </a:solidFill>
+                <a:latin typeface="Consolas" panose="020B0609020204030204" pitchFamily="49" charset="0"/>
+              </a:rPr>
+              <a:t>private</a:t>
+            </a:r>
+            <a:r>
+              <a:rPr lang="da-DK" dirty="0">
+                <a:solidFill>
+                  <a:srgbClr val="000000"/>
+                </a:solidFill>
+                <a:latin typeface="Consolas" panose="020B0609020204030204" pitchFamily="49" charset="0"/>
+              </a:rPr>
+              <a:t> </a:t>
+            </a:r>
+            <a:r>
+              <a:rPr lang="da-DK" dirty="0" err="1">
+                <a:solidFill>
+                  <a:srgbClr val="2B91AF"/>
+                </a:solidFill>
+                <a:latin typeface="Consolas" panose="020B0609020204030204" pitchFamily="49" charset="0"/>
+              </a:rPr>
+              <a:t>IFooService</a:t>
+            </a:r>
+            <a:r>
+              <a:rPr lang="da-DK" dirty="0">
+                <a:solidFill>
+                  <a:srgbClr val="000000"/>
+                </a:solidFill>
+                <a:latin typeface="Consolas" panose="020B0609020204030204" pitchFamily="49" charset="0"/>
+              </a:rPr>
+              <a:t> _service;</a:t>
+            </a:r>
+          </a:p>
+          <a:p>
+            <a:endParaRPr lang="da-DK" dirty="0">
+              <a:solidFill>
+                <a:srgbClr val="000000"/>
+              </a:solidFill>
+              <a:latin typeface="Consolas" panose="020B0609020204030204" pitchFamily="49" charset="0"/>
+            </a:endParaRPr>
+          </a:p>
+          <a:p>
+            <a:r>
+              <a:rPr lang="da-DK" dirty="0">
+                <a:solidFill>
+                  <a:srgbClr val="000000"/>
+                </a:solidFill>
+                <a:latin typeface="Consolas" panose="020B0609020204030204" pitchFamily="49" charset="0"/>
+              </a:rPr>
+              <a:t>    </a:t>
+            </a:r>
+            <a:r>
+              <a:rPr lang="da-DK" dirty="0">
+                <a:solidFill>
+                  <a:srgbClr val="0000FF"/>
+                </a:solidFill>
+                <a:latin typeface="Consolas" panose="020B0609020204030204" pitchFamily="49" charset="0"/>
+              </a:rPr>
+              <a:t>public</a:t>
+            </a:r>
+            <a:r>
+              <a:rPr lang="da-DK" dirty="0">
+                <a:solidFill>
+                  <a:srgbClr val="000000"/>
+                </a:solidFill>
+                <a:latin typeface="Consolas" panose="020B0609020204030204" pitchFamily="49" charset="0"/>
+              </a:rPr>
+              <a:t> </a:t>
+            </a:r>
+            <a:r>
+              <a:rPr lang="da-DK" dirty="0" err="1">
+                <a:solidFill>
+                  <a:srgbClr val="0000FF"/>
+                </a:solidFill>
+                <a:latin typeface="Consolas" panose="020B0609020204030204" pitchFamily="49" charset="0"/>
+              </a:rPr>
+              <a:t>void</a:t>
+            </a:r>
+            <a:r>
+              <a:rPr lang="da-DK" dirty="0">
+                <a:solidFill>
+                  <a:srgbClr val="000000"/>
+                </a:solidFill>
+                <a:latin typeface="Consolas" panose="020B0609020204030204" pitchFamily="49" charset="0"/>
+              </a:rPr>
+              <a:t> </a:t>
+            </a:r>
+            <a:r>
+              <a:rPr lang="da-DK" dirty="0" err="1">
+                <a:solidFill>
+                  <a:srgbClr val="000000"/>
+                </a:solidFill>
+                <a:latin typeface="Consolas" panose="020B0609020204030204" pitchFamily="49" charset="0"/>
+              </a:rPr>
+              <a:t>SetService</a:t>
+            </a:r>
+            <a:r>
+              <a:rPr lang="da-DK" dirty="0">
+                <a:solidFill>
+                  <a:srgbClr val="000000"/>
+                </a:solidFill>
+                <a:latin typeface="Consolas" panose="020B0609020204030204" pitchFamily="49" charset="0"/>
+              </a:rPr>
+              <a:t>(</a:t>
+            </a:r>
+            <a:r>
+              <a:rPr lang="da-DK" dirty="0" err="1">
+                <a:solidFill>
+                  <a:srgbClr val="2B91AF"/>
+                </a:solidFill>
+                <a:latin typeface="Consolas" panose="020B0609020204030204" pitchFamily="49" charset="0"/>
+              </a:rPr>
+              <a:t>IFooService</a:t>
+            </a:r>
+            <a:r>
+              <a:rPr lang="da-DK" dirty="0">
+                <a:solidFill>
+                  <a:srgbClr val="000000"/>
+                </a:solidFill>
+                <a:latin typeface="Consolas" panose="020B0609020204030204" pitchFamily="49" charset="0"/>
+              </a:rPr>
+              <a:t> service)</a:t>
+            </a:r>
+          </a:p>
+          <a:p>
+            <a:r>
+              <a:rPr lang="da-DK" dirty="0">
+                <a:solidFill>
+                  <a:srgbClr val="000000"/>
+                </a:solidFill>
+                <a:latin typeface="Consolas" panose="020B0609020204030204" pitchFamily="49" charset="0"/>
+              </a:rPr>
+              <a:t>    {</a:t>
+            </a:r>
+          </a:p>
+          <a:p>
+            <a:r>
+              <a:rPr lang="da-DK" dirty="0">
+                <a:solidFill>
+                  <a:srgbClr val="000000"/>
+                </a:solidFill>
+                <a:latin typeface="Consolas" panose="020B0609020204030204" pitchFamily="49" charset="0"/>
+              </a:rPr>
+              <a:t>        _service = service;</a:t>
+            </a:r>
+          </a:p>
+          <a:p>
+            <a:r>
+              <a:rPr lang="da-DK" dirty="0">
+                <a:solidFill>
+                  <a:srgbClr val="000000"/>
+                </a:solidFill>
+                <a:latin typeface="Consolas" panose="020B0609020204030204" pitchFamily="49" charset="0"/>
+              </a:rPr>
+              <a:t>    }</a:t>
+            </a:r>
+          </a:p>
+          <a:p>
+            <a:endParaRPr lang="da-DK" dirty="0">
+              <a:solidFill>
+                <a:srgbClr val="000000"/>
+              </a:solidFill>
+              <a:latin typeface="Consolas" panose="020B0609020204030204" pitchFamily="49" charset="0"/>
+            </a:endParaRPr>
+          </a:p>
+          <a:p>
+            <a:r>
+              <a:rPr lang="en-US" dirty="0">
+                <a:solidFill>
+                  <a:srgbClr val="000000"/>
+                </a:solidFill>
+                <a:latin typeface="Consolas" panose="020B0609020204030204" pitchFamily="49" charset="0"/>
+              </a:rPr>
+              <a:t>    </a:t>
+            </a:r>
+            <a:r>
+              <a:rPr lang="en-US" dirty="0">
+                <a:solidFill>
+                  <a:srgbClr val="0000FF"/>
+                </a:solidFill>
+                <a:latin typeface="Consolas" panose="020B0609020204030204" pitchFamily="49" charset="0"/>
+              </a:rPr>
+              <a:t>public</a:t>
+            </a:r>
+            <a:r>
+              <a:rPr lang="en-US" dirty="0">
+                <a:solidFill>
+                  <a:srgbClr val="000000"/>
+                </a:solidFill>
+                <a:latin typeface="Consolas" panose="020B0609020204030204" pitchFamily="49" charset="0"/>
+              </a:rPr>
+              <a:t> </a:t>
+            </a:r>
+            <a:r>
+              <a:rPr lang="en-US" dirty="0">
+                <a:solidFill>
+                  <a:srgbClr val="0000FF"/>
+                </a:solidFill>
+                <a:latin typeface="Consolas" panose="020B0609020204030204" pitchFamily="49" charset="0"/>
+              </a:rPr>
+              <a:t>void</a:t>
+            </a:r>
+            <a:r>
+              <a:rPr lang="en-US" dirty="0">
+                <a:solidFill>
+                  <a:srgbClr val="000000"/>
+                </a:solidFill>
+                <a:latin typeface="Consolas" panose="020B0609020204030204" pitchFamily="49" charset="0"/>
+              </a:rPr>
+              <a:t> </a:t>
+            </a:r>
+            <a:r>
+              <a:rPr lang="en-US" dirty="0" err="1">
+                <a:solidFill>
+                  <a:srgbClr val="000000"/>
+                </a:solidFill>
+                <a:latin typeface="Consolas" panose="020B0609020204030204" pitchFamily="49" charset="0"/>
+              </a:rPr>
+              <a:t>DoWork</a:t>
+            </a:r>
+            <a:r>
+              <a:rPr lang="en-US" dirty="0">
+                <a:solidFill>
+                  <a:srgbClr val="000000"/>
+                </a:solidFill>
+                <a:latin typeface="Consolas" panose="020B0609020204030204" pitchFamily="49" charset="0"/>
+              </a:rPr>
+              <a:t>(</a:t>
+            </a:r>
+            <a:r>
+              <a:rPr lang="en-US" dirty="0" err="1">
+                <a:solidFill>
+                  <a:srgbClr val="2B91AF"/>
+                </a:solidFill>
+                <a:latin typeface="Consolas" panose="020B0609020204030204" pitchFamily="49" charset="0"/>
+              </a:rPr>
+              <a:t>FooDto</a:t>
+            </a:r>
+            <a:r>
+              <a:rPr lang="en-US" dirty="0">
+                <a:solidFill>
+                  <a:srgbClr val="000000"/>
+                </a:solidFill>
+                <a:latin typeface="Consolas" panose="020B0609020204030204" pitchFamily="49" charset="0"/>
+              </a:rPr>
+              <a:t> </a:t>
+            </a:r>
+            <a:r>
+              <a:rPr lang="en-US" dirty="0" err="1">
+                <a:solidFill>
+                  <a:srgbClr val="000000"/>
+                </a:solidFill>
+                <a:latin typeface="Consolas" panose="020B0609020204030204" pitchFamily="49" charset="0"/>
+              </a:rPr>
+              <a:t>fooDto</a:t>
+            </a:r>
+            <a:r>
+              <a:rPr lang="en-US" dirty="0">
+                <a:solidFill>
+                  <a:srgbClr val="000000"/>
+                </a:solidFill>
+                <a:latin typeface="Consolas" panose="020B0609020204030204" pitchFamily="49" charset="0"/>
+              </a:rPr>
+              <a:t>)</a:t>
+            </a:r>
+          </a:p>
+          <a:p>
+            <a:r>
+              <a:rPr lang="da-DK" dirty="0">
+                <a:solidFill>
+                  <a:srgbClr val="000000"/>
+                </a:solidFill>
+                <a:latin typeface="Consolas" panose="020B0609020204030204" pitchFamily="49" charset="0"/>
+              </a:rPr>
+              <a:t>    {</a:t>
+            </a:r>
+          </a:p>
+          <a:p>
+            <a:r>
+              <a:rPr lang="da-DK" dirty="0">
+                <a:solidFill>
+                  <a:srgbClr val="000000"/>
+                </a:solidFill>
+                <a:latin typeface="Consolas" panose="020B0609020204030204" pitchFamily="49" charset="0"/>
+              </a:rPr>
+              <a:t>        </a:t>
+            </a:r>
+            <a:r>
+              <a:rPr lang="da-DK" dirty="0">
+                <a:solidFill>
+                  <a:srgbClr val="008000"/>
+                </a:solidFill>
+                <a:latin typeface="Consolas" panose="020B0609020204030204" pitchFamily="49" charset="0"/>
+              </a:rPr>
+              <a:t>// </a:t>
+            </a:r>
+            <a:r>
+              <a:rPr lang="da-DK" dirty="0" err="1">
+                <a:solidFill>
+                  <a:srgbClr val="008000"/>
+                </a:solidFill>
+                <a:latin typeface="Consolas" panose="020B0609020204030204" pitchFamily="49" charset="0"/>
+              </a:rPr>
+              <a:t>Implementation</a:t>
+            </a:r>
+            <a:endParaRPr lang="da-DK" dirty="0">
+              <a:solidFill>
+                <a:srgbClr val="000000"/>
+              </a:solidFill>
+              <a:latin typeface="Consolas" panose="020B0609020204030204" pitchFamily="49" charset="0"/>
+            </a:endParaRPr>
+          </a:p>
+          <a:p>
+            <a:r>
+              <a:rPr lang="da-DK" dirty="0">
+                <a:solidFill>
+                  <a:srgbClr val="000000"/>
+                </a:solidFill>
+                <a:latin typeface="Consolas" panose="020B0609020204030204" pitchFamily="49" charset="0"/>
+              </a:rPr>
+              <a:t>    }</a:t>
+            </a:r>
+          </a:p>
+          <a:p>
+            <a:r>
+              <a:rPr lang="da-DK" dirty="0">
+                <a:solidFill>
+                  <a:srgbClr val="000000"/>
+                </a:solidFill>
+                <a:latin typeface="Consolas" panose="020B0609020204030204" pitchFamily="49" charset="0"/>
+              </a:rPr>
+              <a:t>}</a:t>
+            </a:r>
+            <a:endParaRPr lang="da-DK" dirty="0"/>
+          </a:p>
+        </p:txBody>
+      </p:sp>
+      <p:sp>
+        <p:nvSpPr>
+          <p:cNvPr id="4" name="Speech Bubble: Rectangle 3"/>
+          <p:cNvSpPr/>
+          <p:nvPr/>
+        </p:nvSpPr>
+        <p:spPr bwMode="auto">
+          <a:xfrm>
+            <a:off x="6309183" y="295275"/>
+            <a:ext cx="2925620" cy="636870"/>
+          </a:xfrm>
+          <a:prstGeom prst="wedgeRectCallout">
+            <a:avLst>
+              <a:gd name="adj1" fmla="val -99187"/>
+              <a:gd name="adj2" fmla="val 131235"/>
+            </a:avLst>
+          </a:prstGeom>
+          <a:solidFill>
+            <a:srgbClr val="68217A"/>
+          </a:solidFill>
+          <a:ln>
+            <a:noFill/>
+            <a:headEnd type="none" w="med" len="med"/>
+            <a:tailEnd type="none" w="med" len="med"/>
+          </a:ln>
+          <a:effectLst/>
+        </p:spPr>
+        <p:style>
+          <a:lnRef idx="1">
+            <a:schemeClr val="accent2"/>
+          </a:lnRef>
+          <a:fillRef idx="3">
+            <a:schemeClr val="accent2"/>
+          </a:fillRef>
+          <a:effectRef idx="2">
+            <a:schemeClr val="accent2"/>
+          </a:effectRef>
+          <a:fontRef idx="minor">
+            <a:schemeClr val="lt1"/>
+          </a:fontRef>
+        </p:style>
+        <p:txBody>
+          <a:bodyPr rot="0" spcFirstLastPara="0" vertOverflow="overflow" horzOverflow="overflow" vert="horz" wrap="square" lIns="182880" tIns="146304" rIns="182880" bIns="146304" numCol="1" spcCol="0" rtlCol="0" fromWordArt="0" anchor="t" anchorCtr="0" forceAA="0" compatLnSpc="1">
+            <a:prstTxWarp prst="textNoShape">
+              <a:avLst/>
+            </a:prstTxWarp>
+            <a:noAutofit/>
+          </a:bodyPr>
+          <a:lstStyle/>
+          <a:p>
+            <a:pPr algn="ctr" defTabSz="932472" fontAlgn="base">
+              <a:lnSpc>
+                <a:spcPct val="90000"/>
+              </a:lnSpc>
+              <a:spcBef>
+                <a:spcPct val="0"/>
+              </a:spcBef>
+              <a:spcAft>
+                <a:spcPct val="0"/>
+              </a:spcAft>
+            </a:pPr>
+            <a:r>
+              <a:rPr lang="da-DK" sz="2400" dirty="0">
+                <a:gradFill>
+                  <a:gsLst>
+                    <a:gs pos="0">
+                      <a:srgbClr val="FFFFFF"/>
+                    </a:gs>
+                    <a:gs pos="100000">
+                      <a:srgbClr val="FFFFFF"/>
+                    </a:gs>
+                  </a:gsLst>
+                  <a:lin ang="5400000" scaled="0"/>
+                </a:gradFill>
+                <a:ea typeface="Segoe UI" pitchFamily="34" charset="0"/>
+                <a:cs typeface="Segoe UI" pitchFamily="34" charset="0"/>
+              </a:rPr>
+              <a:t>Interface</a:t>
+            </a:r>
+          </a:p>
+        </p:txBody>
+      </p:sp>
+      <p:sp>
+        <p:nvSpPr>
+          <p:cNvPr id="5" name="Speech Bubble: Rectangle 4"/>
+          <p:cNvSpPr/>
+          <p:nvPr/>
+        </p:nvSpPr>
+        <p:spPr bwMode="auto">
+          <a:xfrm>
+            <a:off x="5669110" y="4107404"/>
+            <a:ext cx="2925620" cy="914390"/>
+          </a:xfrm>
+          <a:prstGeom prst="wedgeRectCallout">
+            <a:avLst>
+              <a:gd name="adj1" fmla="val -104544"/>
+              <a:gd name="adj2" fmla="val -178930"/>
+            </a:avLst>
+          </a:prstGeom>
+          <a:solidFill>
+            <a:srgbClr val="68217A"/>
+          </a:solidFill>
+          <a:ln>
+            <a:noFill/>
+            <a:headEnd type="none" w="med" len="med"/>
+            <a:tailEnd type="none" w="med" len="med"/>
+          </a:ln>
+          <a:effectLst/>
+        </p:spPr>
+        <p:style>
+          <a:lnRef idx="1">
+            <a:schemeClr val="accent2"/>
+          </a:lnRef>
+          <a:fillRef idx="3">
+            <a:schemeClr val="accent2"/>
+          </a:fillRef>
+          <a:effectRef idx="2">
+            <a:schemeClr val="accent2"/>
+          </a:effectRef>
+          <a:fontRef idx="minor">
+            <a:schemeClr val="lt1"/>
+          </a:fontRef>
+        </p:style>
+        <p:txBody>
+          <a:bodyPr rot="0" spcFirstLastPara="0" vertOverflow="overflow" horzOverflow="overflow" vert="horz" wrap="square" lIns="182880" tIns="146304" rIns="182880" bIns="146304" numCol="1" spcCol="0" rtlCol="0" fromWordArt="0" anchor="t" anchorCtr="0" forceAA="0" compatLnSpc="1">
+            <a:prstTxWarp prst="textNoShape">
+              <a:avLst/>
+            </a:prstTxWarp>
+            <a:noAutofit/>
+          </a:bodyPr>
+          <a:lstStyle/>
+          <a:p>
+            <a:pPr algn="ctr" defTabSz="932472" fontAlgn="base">
+              <a:lnSpc>
+                <a:spcPct val="90000"/>
+              </a:lnSpc>
+              <a:spcBef>
+                <a:spcPct val="0"/>
+              </a:spcBef>
+              <a:spcAft>
+                <a:spcPct val="0"/>
+              </a:spcAft>
+            </a:pPr>
+            <a:r>
+              <a:rPr lang="da-DK" sz="2400" dirty="0" err="1">
+                <a:gradFill>
+                  <a:gsLst>
+                    <a:gs pos="0">
+                      <a:srgbClr val="FFFFFF"/>
+                    </a:gs>
+                    <a:gs pos="100000">
+                      <a:srgbClr val="FFFFFF"/>
+                    </a:gs>
+                  </a:gsLst>
+                  <a:lin ang="5400000" scaled="0"/>
+                </a:gradFill>
+                <a:ea typeface="Segoe UI" pitchFamily="34" charset="0"/>
+                <a:cs typeface="Segoe UI" pitchFamily="34" charset="0"/>
+              </a:rPr>
+              <a:t>Implement</a:t>
+            </a:r>
+            <a:r>
+              <a:rPr lang="da-DK" sz="2400" dirty="0">
+                <a:gradFill>
+                  <a:gsLst>
+                    <a:gs pos="0">
+                      <a:srgbClr val="FFFFFF"/>
+                    </a:gs>
+                    <a:gs pos="100000">
+                      <a:srgbClr val="FFFFFF"/>
+                    </a:gs>
+                  </a:gsLst>
+                  <a:lin ang="5400000" scaled="0"/>
+                </a:gradFill>
+                <a:ea typeface="Segoe UI" pitchFamily="34" charset="0"/>
+                <a:cs typeface="Segoe UI" pitchFamily="34" charset="0"/>
+              </a:rPr>
+              <a:t> interface</a:t>
+            </a:r>
+          </a:p>
+        </p:txBody>
+      </p:sp>
+    </p:spTree>
+    <p:extLst>
+      <p:ext uri="{BB962C8B-B14F-4D97-AF65-F5344CB8AC3E}">
+        <p14:creationId xmlns:p14="http://schemas.microsoft.com/office/powerpoint/2010/main" val="735320054"/>
+      </p:ext>
+    </p:extLst>
+  </p:cSld>
+  <p:clrMapOvr>
+    <a:masterClrMapping/>
+  </p:clrMapOvr>
+  <p:transition>
+    <p:fade/>
+  </p:transition>
+</p:sld>
+</file>
+
+<file path=ppt/slides/slide11.xml><?xml version="1.0" encoding="utf-8"?>
+<p:sld xmlns:a="http://schemas.openxmlformats.org/drawingml/2006/main" xmlns:r="http://schemas.openxmlformats.org/officeDocument/2006/relationships" xmlns:p="http://schemas.openxmlformats.org/presentationml/2006/main">
+  <p:cSld>
+    <p:spTree>
+      <p:nvGrpSpPr>
+        <p:cNvPr id="1" name=""/>
+        <p:cNvGrpSpPr/>
+        <p:nvPr/>
+      </p:nvGrpSpPr>
+      <p:grpSpPr>
+        <a:xfrm>
+          <a:off x="0" y="0"/>
+          <a:ext cx="0" cy="0"/>
+          <a:chOff x="0" y="0"/>
+          <a:chExt cx="0" cy="0"/>
+        </a:xfrm>
+      </p:grpSpPr>
+      <p:sp>
+        <p:nvSpPr>
+          <p:cNvPr id="2" name="Title 1"/>
+          <p:cNvSpPr>
+            <a:spLocks noGrp="1"/>
+          </p:cNvSpPr>
+          <p:nvPr>
+            <p:ph type="title"/>
+          </p:nvPr>
+        </p:nvSpPr>
+        <p:spPr/>
+        <p:txBody>
+          <a:bodyPr/>
+          <a:lstStyle/>
+          <a:p>
+            <a:r>
+              <a:rPr lang="da-DK" dirty="0"/>
+              <a:t>Interface </a:t>
+            </a:r>
+            <a:r>
+              <a:rPr lang="da-DK" dirty="0" err="1"/>
+              <a:t>Injection</a:t>
+            </a:r>
+            <a:r>
+              <a:rPr lang="da-DK" dirty="0"/>
               <a:t> III</a:t>
             </a:r>
           </a:p>
@@ -4911,7 +5639,7 @@
 </p:sld>
 </file>
 
-<file path=ppt/slides/slide11.xml><?xml version="1.0" encoding="utf-8"?>
+<file path=ppt/slides/slide12.xml><?xml version="1.0" encoding="utf-8"?>
 <p:sld xmlns:a="http://schemas.openxmlformats.org/drawingml/2006/main" xmlns:r="http://schemas.openxmlformats.org/officeDocument/2006/relationships" xmlns:p="http://schemas.openxmlformats.org/presentationml/2006/main">
   <p:cSld>
     <p:spTree>
@@ -5560,7 +6288,7 @@
 </p:sld>
 </file>
 
-<file path=ppt/slides/slide12.xml><?xml version="1.0" encoding="utf-8"?>
+<file path=ppt/slides/slide13.xml><?xml version="1.0" encoding="utf-8"?>
 <p:sld xmlns:a="http://schemas.openxmlformats.org/drawingml/2006/main" xmlns:r="http://schemas.openxmlformats.org/officeDocument/2006/relationships" xmlns:p="http://schemas.openxmlformats.org/presentationml/2006/main">
   <p:cSld>
     <p:bg>
@@ -6031,7 +6759,323 @@
 </p:sld>
 </file>
 
-<file path=ppt/slides/slide13.xml><?xml version="1.0" encoding="utf-8"?>
+<file path=ppt/slides/slide14.xml><?xml version="1.0" encoding="utf-8"?>
+<p:sld xmlns:a="http://schemas.openxmlformats.org/drawingml/2006/main" xmlns:r="http://schemas.openxmlformats.org/officeDocument/2006/relationships" xmlns:p="http://schemas.openxmlformats.org/presentationml/2006/main">
+  <p:cSld>
+    <p:spTree>
+      <p:nvGrpSpPr>
+        <p:cNvPr id="1" name=""/>
+        <p:cNvGrpSpPr/>
+        <p:nvPr/>
+      </p:nvGrpSpPr>
+      <p:grpSpPr>
+        <a:xfrm>
+          <a:off x="0" y="0"/>
+          <a:ext cx="0" cy="0"/>
+          <a:chOff x="0" y="0"/>
+          <a:chExt cx="0" cy="0"/>
+        </a:xfrm>
+      </p:grpSpPr>
+      <p:sp>
+        <p:nvSpPr>
+          <p:cNvPr id="2" name="Title 1">
+            <a:extLst>
+              <a:ext uri="{FF2B5EF4-FFF2-40B4-BE49-F238E27FC236}">
+                <a16:creationId xmlns:a16="http://schemas.microsoft.com/office/drawing/2014/main" id="{8F7E62E2-8E43-4D5A-B217-A6A6A64A75D6}"/>
+              </a:ext>
+            </a:extLst>
+          </p:cNvPr>
+          <p:cNvSpPr>
+            <a:spLocks noGrp="1"/>
+          </p:cNvSpPr>
+          <p:nvPr>
+            <p:ph type="title"/>
+          </p:nvPr>
+        </p:nvSpPr>
+        <p:spPr/>
+        <p:txBody>
+          <a:bodyPr/>
+          <a:lstStyle/>
+          <a:p>
+            <a:r>
+              <a:rPr lang="da-DK" dirty="0"/>
+              <a:t>IoC Container</a:t>
+            </a:r>
+            <a:endParaRPr lang="en-DK" dirty="0"/>
+          </a:p>
+        </p:txBody>
+      </p:sp>
+      <p:sp>
+        <p:nvSpPr>
+          <p:cNvPr id="3" name="Rectangle 2">
+            <a:extLst>
+              <a:ext uri="{FF2B5EF4-FFF2-40B4-BE49-F238E27FC236}">
+                <a16:creationId xmlns:a16="http://schemas.microsoft.com/office/drawing/2014/main" id="{B81DBC5C-6F6A-497A-AFBC-33C3A973156B}"/>
+              </a:ext>
+            </a:extLst>
+          </p:cNvPr>
+          <p:cNvSpPr/>
+          <p:nvPr/>
+        </p:nvSpPr>
+        <p:spPr>
+          <a:xfrm>
+            <a:off x="548525" y="3501946"/>
+            <a:ext cx="7955193" cy="2031325"/>
+          </a:xfrm>
+          <a:prstGeom prst="rect">
+            <a:avLst/>
+          </a:prstGeom>
+        </p:spPr>
+        <p:txBody>
+          <a:bodyPr wrap="square">
+            <a:spAutoFit/>
+          </a:bodyPr>
+          <a:lstStyle/>
+          <a:p>
+            <a:r>
+              <a:rPr lang="da-DK" dirty="0">
+                <a:solidFill>
+                  <a:srgbClr val="2B91AF"/>
+                </a:solidFill>
+                <a:latin typeface="Consolas" panose="020B0609020204030204" pitchFamily="49" charset="0"/>
+              </a:rPr>
+              <a:t>IServiceCollection</a:t>
+            </a:r>
+            <a:r>
+              <a:rPr lang="da-DK" dirty="0">
+                <a:solidFill>
+                  <a:srgbClr val="000000"/>
+                </a:solidFill>
+                <a:latin typeface="Consolas" panose="020B0609020204030204" pitchFamily="49" charset="0"/>
+              </a:rPr>
+              <a:t> services = </a:t>
+            </a:r>
+            <a:r>
+              <a:rPr lang="da-DK" dirty="0">
+                <a:solidFill>
+                  <a:srgbClr val="0000FF"/>
+                </a:solidFill>
+                <a:latin typeface="Consolas" panose="020B0609020204030204" pitchFamily="49" charset="0"/>
+              </a:rPr>
+              <a:t>new</a:t>
+            </a:r>
+            <a:r>
+              <a:rPr lang="da-DK" dirty="0">
+                <a:solidFill>
+                  <a:srgbClr val="000000"/>
+                </a:solidFill>
+                <a:latin typeface="Consolas" panose="020B0609020204030204" pitchFamily="49" charset="0"/>
+              </a:rPr>
+              <a:t> </a:t>
+            </a:r>
+            <a:r>
+              <a:rPr lang="da-DK" dirty="0">
+                <a:solidFill>
+                  <a:srgbClr val="2B91AF"/>
+                </a:solidFill>
+                <a:latin typeface="Consolas" panose="020B0609020204030204" pitchFamily="49" charset="0"/>
+              </a:rPr>
+              <a:t>ServiceCollection</a:t>
+            </a:r>
+            <a:r>
+              <a:rPr lang="da-DK" dirty="0">
+                <a:solidFill>
+                  <a:srgbClr val="000000"/>
+                </a:solidFill>
+                <a:latin typeface="Consolas" panose="020B0609020204030204" pitchFamily="49" charset="0"/>
+              </a:rPr>
+              <a:t>();</a:t>
+            </a:r>
+          </a:p>
+          <a:p>
+            <a:endParaRPr lang="en-DK" dirty="0">
+              <a:solidFill>
+                <a:srgbClr val="000000"/>
+              </a:solidFill>
+              <a:latin typeface="Consolas" panose="020B0609020204030204" pitchFamily="49" charset="0"/>
+            </a:endParaRPr>
+          </a:p>
+          <a:p>
+            <a:r>
+              <a:rPr lang="da-DK" dirty="0">
+                <a:solidFill>
+                  <a:srgbClr val="000000"/>
+                </a:solidFill>
+                <a:latin typeface="Consolas" panose="020B0609020204030204" pitchFamily="49" charset="0"/>
+              </a:rPr>
+              <a:t>services.AddScoped&lt;</a:t>
+            </a:r>
+            <a:r>
+              <a:rPr lang="da-DK" dirty="0">
+                <a:solidFill>
+                  <a:srgbClr val="2B91AF"/>
+                </a:solidFill>
+                <a:latin typeface="Consolas" panose="020B0609020204030204" pitchFamily="49" charset="0"/>
+              </a:rPr>
+              <a:t>IService</a:t>
+            </a:r>
+            <a:r>
+              <a:rPr lang="da-DK" dirty="0">
+                <a:solidFill>
+                  <a:srgbClr val="000000"/>
+                </a:solidFill>
+                <a:latin typeface="Consolas" panose="020B0609020204030204" pitchFamily="49" charset="0"/>
+              </a:rPr>
+              <a:t>, </a:t>
+            </a:r>
+            <a:r>
+              <a:rPr lang="da-DK" dirty="0">
+                <a:solidFill>
+                  <a:srgbClr val="2B91AF"/>
+                </a:solidFill>
+                <a:latin typeface="Consolas" panose="020B0609020204030204" pitchFamily="49" charset="0"/>
+              </a:rPr>
+              <a:t>Service</a:t>
+            </a:r>
+            <a:r>
+              <a:rPr lang="da-DK" dirty="0">
+                <a:solidFill>
+                  <a:srgbClr val="000000"/>
+                </a:solidFill>
+                <a:latin typeface="Consolas" panose="020B0609020204030204" pitchFamily="49" charset="0"/>
+              </a:rPr>
+              <a:t>&gt;();</a:t>
+            </a:r>
+          </a:p>
+          <a:p>
+            <a:endParaRPr lang="en-DK" dirty="0">
+              <a:solidFill>
+                <a:srgbClr val="000000"/>
+              </a:solidFill>
+              <a:latin typeface="Consolas" panose="020B0609020204030204" pitchFamily="49" charset="0"/>
+            </a:endParaRPr>
+          </a:p>
+          <a:p>
+            <a:r>
+              <a:rPr lang="da-DK" dirty="0">
+                <a:solidFill>
+                  <a:srgbClr val="0000FF"/>
+                </a:solidFill>
+                <a:latin typeface="Consolas" panose="020B0609020204030204" pitchFamily="49" charset="0"/>
+              </a:rPr>
+              <a:t>var</a:t>
+            </a:r>
+            <a:r>
+              <a:rPr lang="da-DK" dirty="0">
+                <a:solidFill>
+                  <a:srgbClr val="000000"/>
+                </a:solidFill>
+                <a:latin typeface="Consolas" panose="020B0609020204030204" pitchFamily="49" charset="0"/>
+              </a:rPr>
+              <a:t> provider = services.BuildServiceProvider();</a:t>
+            </a:r>
+          </a:p>
+          <a:p>
+            <a:endParaRPr lang="en-DK" dirty="0">
+              <a:solidFill>
+                <a:srgbClr val="000000"/>
+              </a:solidFill>
+              <a:latin typeface="Consolas" panose="020B0609020204030204" pitchFamily="49" charset="0"/>
+            </a:endParaRPr>
+          </a:p>
+          <a:p>
+            <a:r>
+              <a:rPr lang="da-DK" dirty="0">
+                <a:solidFill>
+                  <a:srgbClr val="0000FF"/>
+                </a:solidFill>
+                <a:latin typeface="Consolas" panose="020B0609020204030204" pitchFamily="49" charset="0"/>
+              </a:rPr>
+              <a:t>var</a:t>
+            </a:r>
+            <a:r>
+              <a:rPr lang="da-DK" dirty="0">
+                <a:solidFill>
+                  <a:srgbClr val="000000"/>
+                </a:solidFill>
+                <a:latin typeface="Consolas" panose="020B0609020204030204" pitchFamily="49" charset="0"/>
+              </a:rPr>
+              <a:t> service = provider.GetRequiredService&lt;</a:t>
+            </a:r>
+            <a:r>
+              <a:rPr lang="da-DK" dirty="0">
+                <a:solidFill>
+                  <a:srgbClr val="2B91AF"/>
+                </a:solidFill>
+                <a:latin typeface="Consolas" panose="020B0609020204030204" pitchFamily="49" charset="0"/>
+              </a:rPr>
+              <a:t>IService</a:t>
+            </a:r>
+            <a:r>
+              <a:rPr lang="da-DK" dirty="0">
+                <a:solidFill>
+                  <a:srgbClr val="000000"/>
+                </a:solidFill>
+                <a:latin typeface="Consolas" panose="020B0609020204030204" pitchFamily="49" charset="0"/>
+              </a:rPr>
+              <a:t>&gt;();</a:t>
+            </a:r>
+            <a:endParaRPr lang="en-DK" dirty="0"/>
+          </a:p>
+        </p:txBody>
+      </p:sp>
+      <p:sp>
+        <p:nvSpPr>
+          <p:cNvPr id="4" name="Rectangle 3">
+            <a:extLst>
+              <a:ext uri="{FF2B5EF4-FFF2-40B4-BE49-F238E27FC236}">
+                <a16:creationId xmlns:a16="http://schemas.microsoft.com/office/drawing/2014/main" id="{FCE0943A-0F53-4762-879D-AA58E70DD17B}"/>
+              </a:ext>
+            </a:extLst>
+          </p:cNvPr>
+          <p:cNvSpPr/>
+          <p:nvPr/>
+        </p:nvSpPr>
+        <p:spPr>
+          <a:xfrm>
+            <a:off x="548525" y="1650604"/>
+            <a:ext cx="8046633" cy="369332"/>
+          </a:xfrm>
+          <a:prstGeom prst="rect">
+            <a:avLst/>
+          </a:prstGeom>
+        </p:spPr>
+        <p:txBody>
+          <a:bodyPr wrap="square">
+            <a:spAutoFit/>
+          </a:bodyPr>
+          <a:lstStyle/>
+          <a:p>
+            <a:r>
+              <a:rPr lang="da-DK" dirty="0">
+                <a:solidFill>
+                  <a:srgbClr val="000000"/>
+                </a:solidFill>
+                <a:latin typeface="Consolas" panose="020B0609020204030204" pitchFamily="49" charset="0"/>
+              </a:rPr>
+              <a:t>PM&gt; Install-Package Microsoft.Extensions.DependencyInjection</a:t>
+            </a:r>
+            <a:endParaRPr lang="en-DK" dirty="0"/>
+          </a:p>
+        </p:txBody>
+      </p:sp>
+    </p:spTree>
+    <p:extLst>
+      <p:ext uri="{BB962C8B-B14F-4D97-AF65-F5344CB8AC3E}">
+        <p14:creationId xmlns:p14="http://schemas.microsoft.com/office/powerpoint/2010/main" val="4042235087"/>
+      </p:ext>
+    </p:extLst>
+  </p:cSld>
+  <p:clrMapOvr>
+    <a:masterClrMapping/>
+  </p:clrMapOvr>
+  <p:transition>
+    <p:fade/>
+  </p:transition>
+</p:sld>
+</file>
+
+<file path=ppt/slides/slide15.xml><?xml version="1.0" encoding="utf-8"?>
 <p:sld xmlns:a="http://schemas.openxmlformats.org/drawingml/2006/main" xmlns:r="http://schemas.openxmlformats.org/officeDocument/2006/relationships" xmlns:p="http://schemas.openxmlformats.org/presentationml/2006/main">
   <p:cSld>
     <p:spTree>
@@ -6139,7 +7183,7 @@
 </p:sld>
 </file>
 
-<file path=ppt/slides/slide14.xml><?xml version="1.0" encoding="utf-8"?>
+<file path=ppt/slides/slide16.xml><?xml version="1.0" encoding="utf-8"?>
 <p:sld xmlns:a="http://schemas.openxmlformats.org/drawingml/2006/main" xmlns:r="http://schemas.openxmlformats.org/officeDocument/2006/relationships" xmlns:p="http://schemas.openxmlformats.org/presentationml/2006/main">
   <p:cSld>
     <p:bg>
@@ -6185,7 +7229,7 @@
                   <a:schemeClr val="bg1"/>
                 </a:solidFill>
               </a:rPr>
-              <a:t>Best Practices</a:t>
+              <a:t>Unit Testing Best Practices</a:t>
             </a:r>
           </a:p>
         </p:txBody>
@@ -6372,7 +7416,7 @@
         </p:nvSpPr>
         <p:spPr bwMode="auto">
           <a:xfrm>
-            <a:off x="5669110" y="2217116"/>
+            <a:off x="5851988" y="1577043"/>
             <a:ext cx="2834609" cy="1463024"/>
           </a:xfrm>
           <a:prstGeom prst="rect">
@@ -6514,6 +7558,70 @@
           </a:p>
         </p:txBody>
       </p:sp>
+      <p:sp>
+        <p:nvSpPr>
+          <p:cNvPr id="7" name="Rectangle 6">
+            <a:extLst>
+              <a:ext uri="{FF2B5EF4-FFF2-40B4-BE49-F238E27FC236}">
+                <a16:creationId xmlns:a16="http://schemas.microsoft.com/office/drawing/2014/main" id="{971E23FE-EF5D-4803-B5C8-E80B127C33A9}"/>
+              </a:ext>
+            </a:extLst>
+          </p:cNvPr>
+          <p:cNvSpPr/>
+          <p:nvPr/>
+        </p:nvSpPr>
+        <p:spPr bwMode="auto">
+          <a:xfrm>
+            <a:off x="5211915" y="3771579"/>
+            <a:ext cx="2172811" cy="731512"/>
+          </a:xfrm>
+          <a:prstGeom prst="rect">
+            <a:avLst/>
+          </a:prstGeom>
+          <a:solidFill>
+            <a:srgbClr val="BA141A"/>
+          </a:solidFill>
+          <a:ln>
+            <a:noFill/>
+            <a:headEnd type="none" w="med" len="med"/>
+            <a:tailEnd type="none" w="med" len="med"/>
+          </a:ln>
+          <a:effectLst/>
+        </p:spPr>
+        <p:style>
+          <a:lnRef idx="1">
+            <a:schemeClr val="accent2"/>
+          </a:lnRef>
+          <a:fillRef idx="3">
+            <a:schemeClr val="accent2"/>
+          </a:fillRef>
+          <a:effectRef idx="2">
+            <a:schemeClr val="accent2"/>
+          </a:effectRef>
+          <a:fontRef idx="minor">
+            <a:schemeClr val="lt1"/>
+          </a:fontRef>
+        </p:style>
+        <p:txBody>
+          <a:bodyPr rot="0" spcFirstLastPara="0" vertOverflow="overflow" horzOverflow="overflow" vert="horz" wrap="square" lIns="182880" tIns="146304" rIns="182880" bIns="146304" numCol="1" spcCol="0" rtlCol="0" fromWordArt="0" anchor="t" anchorCtr="0" forceAA="0" compatLnSpc="1">
+            <a:prstTxWarp prst="textNoShape">
+              <a:avLst/>
+            </a:prstTxWarp>
+            <a:noAutofit/>
+          </a:bodyPr>
+          <a:lstStyle/>
+          <a:p>
+            <a:r>
+              <a:rPr lang="da-DK" sz="2400" dirty="0">
+                <a:solidFill>
+                  <a:schemeClr val="bg1"/>
+                </a:solidFill>
+              </a:rPr>
+              <a:t>Atomic tests</a:t>
+            </a:r>
+          </a:p>
+        </p:txBody>
+      </p:sp>
     </p:spTree>
     <p:extLst>
       <p:ext uri="{BB962C8B-B14F-4D97-AF65-F5344CB8AC3E}">
@@ -6530,7 +7638,7 @@
 </p:sld>
 </file>
 
-<file path=ppt/slides/slide15.xml><?xml version="1.0" encoding="utf-8"?>
+<file path=ppt/slides/slide17.xml><?xml version="1.0" encoding="utf-8"?>
 <p:sld xmlns:a="http://schemas.openxmlformats.org/drawingml/2006/main" xmlns:r="http://schemas.openxmlformats.org/officeDocument/2006/relationships" xmlns:p="http://schemas.openxmlformats.org/presentationml/2006/main">
   <p:cSld>
     <p:spTree>
@@ -6922,7 +8030,7 @@
 </p:sld>
 </file>
 
-<file path=ppt/slides/slide16.xml><?xml version="1.0" encoding="utf-8"?>
+<file path=ppt/slides/slide18.xml><?xml version="1.0" encoding="utf-8"?>
 <p:sld xmlns:a="http://schemas.openxmlformats.org/drawingml/2006/main" xmlns:r="http://schemas.openxmlformats.org/officeDocument/2006/relationships" xmlns:p="http://schemas.openxmlformats.org/presentationml/2006/main">
   <p:cSld>
     <p:spTree>
@@ -7523,7 +8631,7 @@
 </p:sld>
 </file>
 
-<file path=ppt/slides/slide17.xml><?xml version="1.0" encoding="utf-8"?>
+<file path=ppt/slides/slide19.xml><?xml version="1.0" encoding="utf-8"?>
 <p:sld xmlns:a="http://schemas.openxmlformats.org/drawingml/2006/main" xmlns:r="http://schemas.openxmlformats.org/officeDocument/2006/relationships" xmlns:p="http://schemas.openxmlformats.org/presentationml/2006/main">
   <p:cSld>
     <p:spTree>
@@ -8347,946 +9455,6 @@
     <p:extLst>
       <p:ext uri="{BB962C8B-B14F-4D97-AF65-F5344CB8AC3E}">
         <p14:creationId xmlns:p14="http://schemas.microsoft.com/office/powerpoint/2010/main" val="3544514694"/>
-      </p:ext>
-    </p:extLst>
-  </p:cSld>
-  <p:clrMapOvr>
-    <a:masterClrMapping/>
-  </p:clrMapOvr>
-  <p:transition>
-    <p:fade/>
-  </p:transition>
-</p:sld>
-</file>
-
-<file path=ppt/slides/slide18.xml><?xml version="1.0" encoding="utf-8"?>
-<p:sld xmlns:a="http://schemas.openxmlformats.org/drawingml/2006/main" xmlns:r="http://schemas.openxmlformats.org/officeDocument/2006/relationships" xmlns:p="http://schemas.openxmlformats.org/presentationml/2006/main">
-  <p:cSld>
-    <p:spTree>
-      <p:nvGrpSpPr>
-        <p:cNvPr id="1" name=""/>
-        <p:cNvGrpSpPr/>
-        <p:nvPr/>
-      </p:nvGrpSpPr>
-      <p:grpSpPr>
-        <a:xfrm>
-          <a:off x="0" y="0"/>
-          <a:ext cx="0" cy="0"/>
-          <a:chOff x="0" y="0"/>
-          <a:chExt cx="0" cy="0"/>
-        </a:xfrm>
-      </p:grpSpPr>
-      <p:sp>
-        <p:nvSpPr>
-          <p:cNvPr id="3" name="Title 2"/>
-          <p:cNvSpPr>
-            <a:spLocks noGrp="1"/>
-          </p:cNvSpPr>
-          <p:nvPr>
-            <p:ph type="title"/>
-          </p:nvPr>
-        </p:nvSpPr>
-        <p:spPr/>
-        <p:txBody>
-          <a:bodyPr/>
-          <a:lstStyle/>
-          <a:p>
-            <a:r>
-              <a:rPr lang="da-DK" dirty="0" err="1"/>
-              <a:t>Mock</a:t>
-            </a:r>
-            <a:r>
-              <a:rPr lang="da-DK" dirty="0"/>
-              <a:t> </a:t>
-            </a:r>
-            <a:r>
-              <a:rPr lang="da-DK" dirty="0" err="1"/>
-              <a:t>testing</a:t>
-            </a:r>
-            <a:r>
-              <a:rPr lang="da-DK" dirty="0"/>
-              <a:t> II</a:t>
-            </a:r>
-          </a:p>
-        </p:txBody>
-      </p:sp>
-      <p:sp>
-        <p:nvSpPr>
-          <p:cNvPr id="4" name="Rectangle 3"/>
-          <p:cNvSpPr/>
-          <p:nvPr/>
-        </p:nvSpPr>
-        <p:spPr>
-          <a:xfrm>
-            <a:off x="228651" y="1577043"/>
-            <a:ext cx="8869261" cy="4524315"/>
-          </a:xfrm>
-          <a:prstGeom prst="rect">
-            <a:avLst/>
-          </a:prstGeom>
-        </p:spPr>
-        <p:txBody>
-          <a:bodyPr wrap="square">
-            <a:spAutoFit/>
-          </a:bodyPr>
-          <a:lstStyle/>
-          <a:p>
-            <a:r>
-              <a:rPr lang="da-DK" dirty="0">
-                <a:solidFill>
-                  <a:srgbClr val="0000FF"/>
-                </a:solidFill>
-                <a:latin typeface="Consolas" panose="020B0609020204030204" pitchFamily="49" charset="0"/>
-              </a:rPr>
-              <a:t>public</a:t>
-            </a:r>
-            <a:r>
-              <a:rPr lang="da-DK" dirty="0">
-                <a:solidFill>
-                  <a:srgbClr val="000000"/>
-                </a:solidFill>
-                <a:latin typeface="Consolas" panose="020B0609020204030204" pitchFamily="49" charset="0"/>
-              </a:rPr>
-              <a:t> </a:t>
-            </a:r>
-            <a:r>
-              <a:rPr lang="da-DK" dirty="0">
-                <a:solidFill>
-                  <a:srgbClr val="0000FF"/>
-                </a:solidFill>
-                <a:latin typeface="Consolas" panose="020B0609020204030204" pitchFamily="49" charset="0"/>
-              </a:rPr>
-              <a:t>class</a:t>
-            </a:r>
-            <a:r>
-              <a:rPr lang="da-DK" dirty="0">
-                <a:solidFill>
-                  <a:srgbClr val="000000"/>
-                </a:solidFill>
-                <a:latin typeface="Consolas" panose="020B0609020204030204" pitchFamily="49" charset="0"/>
-              </a:rPr>
-              <a:t> </a:t>
-            </a:r>
-            <a:r>
-              <a:rPr lang="da-DK" dirty="0" err="1">
-                <a:solidFill>
-                  <a:srgbClr val="2B91AF"/>
-                </a:solidFill>
-                <a:latin typeface="Consolas" panose="020B0609020204030204" pitchFamily="49" charset="0"/>
-              </a:rPr>
-              <a:t>WorkerTests</a:t>
-            </a:r>
-            <a:endParaRPr lang="da-DK" dirty="0">
-              <a:solidFill>
-                <a:srgbClr val="000000"/>
-              </a:solidFill>
-              <a:latin typeface="Consolas" panose="020B0609020204030204" pitchFamily="49" charset="0"/>
-            </a:endParaRPr>
-          </a:p>
-          <a:p>
-            <a:r>
-              <a:rPr lang="da-DK" dirty="0">
-                <a:solidFill>
-                  <a:srgbClr val="000000"/>
-                </a:solidFill>
-                <a:latin typeface="Consolas" panose="020B0609020204030204" pitchFamily="49" charset="0"/>
-              </a:rPr>
-              <a:t>{</a:t>
-            </a:r>
-          </a:p>
-          <a:p>
-            <a:r>
-              <a:rPr lang="da-DK" dirty="0">
-                <a:solidFill>
-                  <a:srgbClr val="000000"/>
-                </a:solidFill>
-                <a:latin typeface="Consolas" panose="020B0609020204030204" pitchFamily="49" charset="0"/>
-              </a:rPr>
-              <a:t>    [</a:t>
-            </a:r>
-            <a:r>
-              <a:rPr lang="da-DK" dirty="0" err="1">
-                <a:solidFill>
-                  <a:srgbClr val="2B91AF"/>
-                </a:solidFill>
-                <a:latin typeface="Consolas" panose="020B0609020204030204" pitchFamily="49" charset="0"/>
-              </a:rPr>
-              <a:t>Fact</a:t>
-            </a:r>
-            <a:r>
-              <a:rPr lang="da-DK" dirty="0">
-                <a:solidFill>
-                  <a:srgbClr val="000000"/>
-                </a:solidFill>
-                <a:latin typeface="Consolas" panose="020B0609020204030204" pitchFamily="49" charset="0"/>
-              </a:rPr>
-              <a:t>]</a:t>
-            </a:r>
-          </a:p>
-          <a:p>
-            <a:r>
-              <a:rPr lang="en-US" dirty="0">
-                <a:solidFill>
-                  <a:srgbClr val="000000"/>
-                </a:solidFill>
-                <a:latin typeface="Consolas" panose="020B0609020204030204" pitchFamily="49" charset="0"/>
-              </a:rPr>
-              <a:t>    </a:t>
-            </a:r>
-            <a:r>
-              <a:rPr lang="en-US" dirty="0">
-                <a:solidFill>
-                  <a:srgbClr val="0000FF"/>
-                </a:solidFill>
-                <a:latin typeface="Consolas" panose="020B0609020204030204" pitchFamily="49" charset="0"/>
-              </a:rPr>
-              <a:t>public</a:t>
-            </a:r>
-            <a:r>
-              <a:rPr lang="en-US" dirty="0">
-                <a:solidFill>
-                  <a:srgbClr val="000000"/>
-                </a:solidFill>
-                <a:latin typeface="Consolas" panose="020B0609020204030204" pitchFamily="49" charset="0"/>
-              </a:rPr>
-              <a:t> </a:t>
-            </a:r>
-            <a:r>
-              <a:rPr lang="en-US" dirty="0">
-                <a:solidFill>
-                  <a:srgbClr val="0000FF"/>
-                </a:solidFill>
-                <a:latin typeface="Consolas" panose="020B0609020204030204" pitchFamily="49" charset="0"/>
-              </a:rPr>
-              <a:t>void</a:t>
-            </a:r>
-            <a:r>
-              <a:rPr lang="en-US" dirty="0">
-                <a:solidFill>
-                  <a:srgbClr val="000000"/>
-                </a:solidFill>
-                <a:latin typeface="Consolas" panose="020B0609020204030204" pitchFamily="49" charset="0"/>
-              </a:rPr>
-              <a:t> </a:t>
-            </a:r>
-            <a:r>
-              <a:rPr lang="en-US" dirty="0" err="1">
-                <a:solidFill>
-                  <a:srgbClr val="000000"/>
-                </a:solidFill>
-                <a:latin typeface="Consolas" panose="020B0609020204030204" pitchFamily="49" charset="0"/>
-              </a:rPr>
-              <a:t>DoWork_when_IFooService_Update_true_returns_true</a:t>
-            </a:r>
-            <a:r>
-              <a:rPr lang="en-US" dirty="0">
-                <a:solidFill>
-                  <a:srgbClr val="000000"/>
-                </a:solidFill>
-                <a:latin typeface="Consolas" panose="020B0609020204030204" pitchFamily="49" charset="0"/>
-              </a:rPr>
-              <a:t>()</a:t>
-            </a:r>
-          </a:p>
-          <a:p>
-            <a:r>
-              <a:rPr lang="da-DK" dirty="0">
-                <a:solidFill>
-                  <a:srgbClr val="000000"/>
-                </a:solidFill>
-                <a:latin typeface="Consolas" panose="020B0609020204030204" pitchFamily="49" charset="0"/>
-              </a:rPr>
-              <a:t>    {</a:t>
-            </a:r>
-          </a:p>
-          <a:p>
-            <a:r>
-              <a:rPr lang="en-US" dirty="0">
-                <a:solidFill>
-                  <a:srgbClr val="000000"/>
-                </a:solidFill>
-                <a:latin typeface="Consolas" panose="020B0609020204030204" pitchFamily="49" charset="0"/>
-              </a:rPr>
-              <a:t>        </a:t>
-            </a:r>
-            <a:r>
-              <a:rPr lang="en-US" dirty="0" err="1">
-                <a:solidFill>
-                  <a:srgbClr val="0000FF"/>
-                </a:solidFill>
-                <a:latin typeface="Consolas" panose="020B0609020204030204" pitchFamily="49" charset="0"/>
-              </a:rPr>
-              <a:t>var</a:t>
-            </a:r>
-            <a:r>
-              <a:rPr lang="en-US" dirty="0">
-                <a:solidFill>
-                  <a:srgbClr val="000000"/>
-                </a:solidFill>
-                <a:latin typeface="Consolas" panose="020B0609020204030204" pitchFamily="49" charset="0"/>
-              </a:rPr>
-              <a:t> mock = </a:t>
-            </a:r>
-            <a:r>
-              <a:rPr lang="en-US" dirty="0">
-                <a:solidFill>
-                  <a:srgbClr val="0000FF"/>
-                </a:solidFill>
-                <a:latin typeface="Consolas" panose="020B0609020204030204" pitchFamily="49" charset="0"/>
-              </a:rPr>
-              <a:t>new</a:t>
-            </a:r>
-            <a:r>
-              <a:rPr lang="en-US" dirty="0">
-                <a:solidFill>
-                  <a:srgbClr val="000000"/>
-                </a:solidFill>
-                <a:latin typeface="Consolas" panose="020B0609020204030204" pitchFamily="49" charset="0"/>
-              </a:rPr>
-              <a:t> </a:t>
-            </a:r>
-            <a:r>
-              <a:rPr lang="en-US" dirty="0">
-                <a:solidFill>
-                  <a:srgbClr val="2B91AF"/>
-                </a:solidFill>
-                <a:latin typeface="Consolas" panose="020B0609020204030204" pitchFamily="49" charset="0"/>
-              </a:rPr>
-              <a:t>Mock</a:t>
-            </a:r>
-            <a:r>
-              <a:rPr lang="en-US" dirty="0">
-                <a:solidFill>
-                  <a:srgbClr val="000000"/>
-                </a:solidFill>
-                <a:latin typeface="Consolas" panose="020B0609020204030204" pitchFamily="49" charset="0"/>
-              </a:rPr>
-              <a:t>&lt;</a:t>
-            </a:r>
-            <a:r>
-              <a:rPr lang="en-US" dirty="0" err="1">
-                <a:solidFill>
-                  <a:srgbClr val="2B91AF"/>
-                </a:solidFill>
-                <a:latin typeface="Consolas" panose="020B0609020204030204" pitchFamily="49" charset="0"/>
-              </a:rPr>
-              <a:t>IFooService</a:t>
-            </a:r>
-            <a:r>
-              <a:rPr lang="en-US" dirty="0">
-                <a:solidFill>
-                  <a:srgbClr val="000000"/>
-                </a:solidFill>
-                <a:latin typeface="Consolas" panose="020B0609020204030204" pitchFamily="49" charset="0"/>
-              </a:rPr>
-              <a:t>&gt;();</a:t>
-            </a:r>
-          </a:p>
-          <a:p>
-            <a:r>
-              <a:rPr lang="en-US" dirty="0">
-                <a:solidFill>
-                  <a:srgbClr val="000000"/>
-                </a:solidFill>
-                <a:latin typeface="Consolas" panose="020B0609020204030204" pitchFamily="49" charset="0"/>
-              </a:rPr>
-              <a:t>        </a:t>
-            </a:r>
-            <a:r>
-              <a:rPr lang="en-US" dirty="0" err="1">
-                <a:solidFill>
-                  <a:srgbClr val="000000"/>
-                </a:solidFill>
-                <a:latin typeface="Consolas" panose="020B0609020204030204" pitchFamily="49" charset="0"/>
-              </a:rPr>
-              <a:t>mock.Setup</a:t>
-            </a:r>
-            <a:r>
-              <a:rPr lang="en-US" dirty="0">
-                <a:solidFill>
-                  <a:srgbClr val="000000"/>
-                </a:solidFill>
-                <a:latin typeface="Consolas" panose="020B0609020204030204" pitchFamily="49" charset="0"/>
-              </a:rPr>
-              <a:t>(m =&gt; </a:t>
-            </a:r>
-            <a:r>
-              <a:rPr lang="en-US" dirty="0" err="1">
-                <a:solidFill>
-                  <a:srgbClr val="000000"/>
-                </a:solidFill>
-                <a:latin typeface="Consolas" panose="020B0609020204030204" pitchFamily="49" charset="0"/>
-              </a:rPr>
-              <a:t>m.Update</a:t>
-            </a:r>
-            <a:r>
-              <a:rPr lang="en-US" dirty="0">
-                <a:solidFill>
-                  <a:srgbClr val="000000"/>
-                </a:solidFill>
-                <a:latin typeface="Consolas" panose="020B0609020204030204" pitchFamily="49" charset="0"/>
-              </a:rPr>
-              <a:t>(</a:t>
-            </a:r>
-            <a:r>
-              <a:rPr lang="en-US" dirty="0" err="1">
-                <a:solidFill>
-                  <a:srgbClr val="2B91AF"/>
-                </a:solidFill>
-                <a:latin typeface="Consolas" panose="020B0609020204030204" pitchFamily="49" charset="0"/>
-              </a:rPr>
-              <a:t>It</a:t>
-            </a:r>
-            <a:r>
-              <a:rPr lang="en-US" dirty="0" err="1">
-                <a:solidFill>
-                  <a:srgbClr val="000000"/>
-                </a:solidFill>
-                <a:latin typeface="Consolas" panose="020B0609020204030204" pitchFamily="49" charset="0"/>
-              </a:rPr>
-              <a:t>.IsAny</a:t>
-            </a:r>
-            <a:r>
-              <a:rPr lang="en-US" dirty="0">
-                <a:solidFill>
-                  <a:srgbClr val="000000"/>
-                </a:solidFill>
-                <a:latin typeface="Consolas" panose="020B0609020204030204" pitchFamily="49" charset="0"/>
-              </a:rPr>
-              <a:t>&lt;</a:t>
-            </a:r>
-            <a:r>
-              <a:rPr lang="en-US" dirty="0">
-                <a:solidFill>
-                  <a:srgbClr val="2B91AF"/>
-                </a:solidFill>
-                <a:latin typeface="Consolas" panose="020B0609020204030204" pitchFamily="49" charset="0"/>
-              </a:rPr>
-              <a:t>Foo</a:t>
-            </a:r>
-            <a:r>
-              <a:rPr lang="en-US" dirty="0">
-                <a:solidFill>
-                  <a:srgbClr val="000000"/>
-                </a:solidFill>
-                <a:latin typeface="Consolas" panose="020B0609020204030204" pitchFamily="49" charset="0"/>
-              </a:rPr>
-              <a:t>&gt;())).Returns(</a:t>
-            </a:r>
-            <a:r>
-              <a:rPr lang="en-US" dirty="0">
-                <a:solidFill>
-                  <a:srgbClr val="0000FF"/>
-                </a:solidFill>
-                <a:latin typeface="Consolas" panose="020B0609020204030204" pitchFamily="49" charset="0"/>
-              </a:rPr>
-              <a:t>true</a:t>
-            </a:r>
-            <a:r>
-              <a:rPr lang="en-US" dirty="0">
-                <a:solidFill>
-                  <a:srgbClr val="000000"/>
-                </a:solidFill>
-                <a:latin typeface="Consolas" panose="020B0609020204030204" pitchFamily="49" charset="0"/>
-              </a:rPr>
-              <a:t>);</a:t>
-            </a:r>
-          </a:p>
-          <a:p>
-            <a:endParaRPr lang="da-DK" dirty="0">
-              <a:solidFill>
-                <a:srgbClr val="000000"/>
-              </a:solidFill>
-              <a:latin typeface="Consolas" panose="020B0609020204030204" pitchFamily="49" charset="0"/>
-            </a:endParaRPr>
-          </a:p>
-          <a:p>
-            <a:r>
-              <a:rPr lang="en-US" dirty="0">
-                <a:solidFill>
-                  <a:srgbClr val="000000"/>
-                </a:solidFill>
-                <a:latin typeface="Consolas" panose="020B0609020204030204" pitchFamily="49" charset="0"/>
-              </a:rPr>
-              <a:t>        </a:t>
-            </a:r>
-            <a:r>
-              <a:rPr lang="en-US" dirty="0">
-                <a:solidFill>
-                  <a:srgbClr val="0000FF"/>
-                </a:solidFill>
-                <a:latin typeface="Consolas" panose="020B0609020204030204" pitchFamily="49" charset="0"/>
-              </a:rPr>
-              <a:t>using</a:t>
-            </a:r>
-            <a:r>
-              <a:rPr lang="en-US" dirty="0">
-                <a:solidFill>
-                  <a:srgbClr val="000000"/>
-                </a:solidFill>
-                <a:latin typeface="Consolas" panose="020B0609020204030204" pitchFamily="49" charset="0"/>
-              </a:rPr>
-              <a:t> (</a:t>
-            </a:r>
-            <a:r>
-              <a:rPr lang="en-US" dirty="0" err="1">
-                <a:solidFill>
-                  <a:srgbClr val="0000FF"/>
-                </a:solidFill>
-                <a:latin typeface="Consolas" panose="020B0609020204030204" pitchFamily="49" charset="0"/>
-              </a:rPr>
-              <a:t>var</a:t>
-            </a:r>
-            <a:r>
-              <a:rPr lang="en-US" dirty="0">
-                <a:solidFill>
-                  <a:srgbClr val="000000"/>
-                </a:solidFill>
-                <a:latin typeface="Consolas" panose="020B0609020204030204" pitchFamily="49" charset="0"/>
-              </a:rPr>
-              <a:t> worker = </a:t>
-            </a:r>
-            <a:r>
-              <a:rPr lang="en-US" dirty="0">
-                <a:solidFill>
-                  <a:srgbClr val="0000FF"/>
-                </a:solidFill>
-                <a:latin typeface="Consolas" panose="020B0609020204030204" pitchFamily="49" charset="0"/>
-              </a:rPr>
-              <a:t>new</a:t>
-            </a:r>
-            <a:r>
-              <a:rPr lang="en-US" dirty="0">
-                <a:solidFill>
-                  <a:srgbClr val="000000"/>
-                </a:solidFill>
-                <a:latin typeface="Consolas" panose="020B0609020204030204" pitchFamily="49" charset="0"/>
-              </a:rPr>
-              <a:t> </a:t>
-            </a:r>
-            <a:r>
-              <a:rPr lang="en-US" dirty="0">
-                <a:solidFill>
-                  <a:srgbClr val="2B91AF"/>
-                </a:solidFill>
-                <a:latin typeface="Consolas" panose="020B0609020204030204" pitchFamily="49" charset="0"/>
-              </a:rPr>
-              <a:t>Worker</a:t>
-            </a:r>
-            <a:r>
-              <a:rPr lang="en-US" dirty="0">
-                <a:solidFill>
-                  <a:srgbClr val="000000"/>
-                </a:solidFill>
-                <a:latin typeface="Consolas" panose="020B0609020204030204" pitchFamily="49" charset="0"/>
-              </a:rPr>
-              <a:t>(</a:t>
-            </a:r>
-            <a:r>
-              <a:rPr lang="da-DK" dirty="0" err="1">
-                <a:solidFill>
-                  <a:srgbClr val="000000"/>
-                </a:solidFill>
-                <a:latin typeface="Consolas" panose="020B0609020204030204" pitchFamily="49" charset="0"/>
-              </a:rPr>
-              <a:t>mock.Object</a:t>
-            </a:r>
-            <a:r>
-              <a:rPr lang="en-US" dirty="0">
-                <a:solidFill>
-                  <a:srgbClr val="000000"/>
-                </a:solidFill>
-                <a:latin typeface="Consolas" panose="020B0609020204030204" pitchFamily="49" charset="0"/>
-              </a:rPr>
-              <a:t>))</a:t>
-            </a:r>
-          </a:p>
-          <a:p>
-            <a:r>
-              <a:rPr lang="da-DK" dirty="0">
-                <a:solidFill>
-                  <a:srgbClr val="000000"/>
-                </a:solidFill>
-                <a:latin typeface="Consolas" panose="020B0609020204030204" pitchFamily="49" charset="0"/>
-              </a:rPr>
-              <a:t>        {</a:t>
-            </a:r>
-          </a:p>
-          <a:p>
-            <a:r>
-              <a:rPr lang="en-US" dirty="0">
-                <a:solidFill>
-                  <a:srgbClr val="000000"/>
-                </a:solidFill>
-                <a:latin typeface="Consolas" panose="020B0609020204030204" pitchFamily="49" charset="0"/>
-              </a:rPr>
-              <a:t>            </a:t>
-            </a:r>
-            <a:r>
-              <a:rPr lang="en-US" dirty="0" err="1">
-                <a:solidFill>
-                  <a:srgbClr val="0000FF"/>
-                </a:solidFill>
-                <a:latin typeface="Consolas" panose="020B0609020204030204" pitchFamily="49" charset="0"/>
-              </a:rPr>
-              <a:t>var</a:t>
-            </a:r>
-            <a:r>
-              <a:rPr lang="en-US" dirty="0">
-                <a:solidFill>
-                  <a:srgbClr val="000000"/>
-                </a:solidFill>
-                <a:latin typeface="Consolas" panose="020B0609020204030204" pitchFamily="49" charset="0"/>
-              </a:rPr>
-              <a:t> result = </a:t>
-            </a:r>
-            <a:r>
-              <a:rPr lang="en-US" dirty="0" err="1">
-                <a:solidFill>
-                  <a:srgbClr val="000000"/>
-                </a:solidFill>
-                <a:latin typeface="Consolas" panose="020B0609020204030204" pitchFamily="49" charset="0"/>
-              </a:rPr>
-              <a:t>worker.DoWork</a:t>
-            </a:r>
-            <a:r>
-              <a:rPr lang="en-US" dirty="0">
-                <a:solidFill>
-                  <a:srgbClr val="000000"/>
-                </a:solidFill>
-                <a:latin typeface="Consolas" panose="020B0609020204030204" pitchFamily="49" charset="0"/>
-              </a:rPr>
-              <a:t>(</a:t>
-            </a:r>
-            <a:r>
-              <a:rPr lang="en-US" dirty="0">
-                <a:solidFill>
-                  <a:srgbClr val="0000FF"/>
-                </a:solidFill>
-                <a:latin typeface="Consolas" panose="020B0609020204030204" pitchFamily="49" charset="0"/>
-              </a:rPr>
-              <a:t>new</a:t>
-            </a:r>
-            <a:r>
-              <a:rPr lang="en-US" dirty="0">
-                <a:solidFill>
-                  <a:srgbClr val="000000"/>
-                </a:solidFill>
-                <a:latin typeface="Consolas" panose="020B0609020204030204" pitchFamily="49" charset="0"/>
-              </a:rPr>
-              <a:t> </a:t>
-            </a:r>
-            <a:r>
-              <a:rPr lang="en-US" dirty="0" err="1">
-                <a:solidFill>
-                  <a:srgbClr val="2B91AF"/>
-                </a:solidFill>
-                <a:latin typeface="Consolas" panose="020B0609020204030204" pitchFamily="49" charset="0"/>
-              </a:rPr>
-              <a:t>FooDto</a:t>
-            </a:r>
-            <a:r>
-              <a:rPr lang="en-US" dirty="0">
-                <a:solidFill>
-                  <a:srgbClr val="000000"/>
-                </a:solidFill>
-                <a:latin typeface="Consolas" panose="020B0609020204030204" pitchFamily="49" charset="0"/>
-              </a:rPr>
-              <a:t>());</a:t>
-            </a:r>
-          </a:p>
-          <a:p>
-            <a:endParaRPr lang="da-DK" dirty="0">
-              <a:solidFill>
-                <a:srgbClr val="000000"/>
-              </a:solidFill>
-              <a:latin typeface="Consolas" panose="020B0609020204030204" pitchFamily="49" charset="0"/>
-            </a:endParaRPr>
-          </a:p>
-          <a:p>
-            <a:r>
-              <a:rPr lang="da-DK" dirty="0">
-                <a:solidFill>
-                  <a:srgbClr val="000000"/>
-                </a:solidFill>
-                <a:latin typeface="Consolas" panose="020B0609020204030204" pitchFamily="49" charset="0"/>
-              </a:rPr>
-              <a:t>            </a:t>
-            </a:r>
-            <a:r>
-              <a:rPr lang="da-DK" dirty="0" err="1">
-                <a:solidFill>
-                  <a:srgbClr val="2B91AF"/>
-                </a:solidFill>
-                <a:latin typeface="Consolas" panose="020B0609020204030204" pitchFamily="49" charset="0"/>
-              </a:rPr>
-              <a:t>Assert</a:t>
-            </a:r>
-            <a:r>
-              <a:rPr lang="da-DK" dirty="0" err="1">
-                <a:solidFill>
-                  <a:srgbClr val="000000"/>
-                </a:solidFill>
-                <a:latin typeface="Consolas" panose="020B0609020204030204" pitchFamily="49" charset="0"/>
-              </a:rPr>
-              <a:t>.True</a:t>
-            </a:r>
-            <a:r>
-              <a:rPr lang="da-DK" dirty="0">
-                <a:solidFill>
-                  <a:srgbClr val="000000"/>
-                </a:solidFill>
-                <a:latin typeface="Consolas" panose="020B0609020204030204" pitchFamily="49" charset="0"/>
-              </a:rPr>
-              <a:t>(</a:t>
-            </a:r>
-            <a:r>
-              <a:rPr lang="da-DK" dirty="0" err="1">
-                <a:solidFill>
-                  <a:srgbClr val="000000"/>
-                </a:solidFill>
-                <a:latin typeface="Consolas" panose="020B0609020204030204" pitchFamily="49" charset="0"/>
-              </a:rPr>
-              <a:t>result</a:t>
-            </a:r>
-            <a:r>
-              <a:rPr lang="da-DK" dirty="0">
-                <a:solidFill>
-                  <a:srgbClr val="000000"/>
-                </a:solidFill>
-                <a:latin typeface="Consolas" panose="020B0609020204030204" pitchFamily="49" charset="0"/>
-              </a:rPr>
-              <a:t>);</a:t>
-            </a:r>
-          </a:p>
-          <a:p>
-            <a:r>
-              <a:rPr lang="da-DK" dirty="0">
-                <a:solidFill>
-                  <a:srgbClr val="000000"/>
-                </a:solidFill>
-                <a:latin typeface="Consolas" panose="020B0609020204030204" pitchFamily="49" charset="0"/>
-              </a:rPr>
-              <a:t>        }</a:t>
-            </a:r>
-          </a:p>
-          <a:p>
-            <a:r>
-              <a:rPr lang="da-DK" dirty="0">
-                <a:solidFill>
-                  <a:srgbClr val="000000"/>
-                </a:solidFill>
-                <a:latin typeface="Consolas" panose="020B0609020204030204" pitchFamily="49" charset="0"/>
-              </a:rPr>
-              <a:t>    }</a:t>
-            </a:r>
-          </a:p>
-          <a:p>
-            <a:r>
-              <a:rPr lang="da-DK" dirty="0">
-                <a:solidFill>
-                  <a:srgbClr val="000000"/>
-                </a:solidFill>
-                <a:latin typeface="Consolas" panose="020B0609020204030204" pitchFamily="49" charset="0"/>
-              </a:rPr>
-              <a:t>}</a:t>
-            </a:r>
-            <a:endParaRPr lang="da-DK" dirty="0"/>
-          </a:p>
-        </p:txBody>
-      </p:sp>
-      <p:sp>
-        <p:nvSpPr>
-          <p:cNvPr id="5" name="Speech Bubble: Rectangle 4"/>
-          <p:cNvSpPr/>
-          <p:nvPr/>
-        </p:nvSpPr>
-        <p:spPr bwMode="auto">
-          <a:xfrm>
-            <a:off x="5669110" y="463935"/>
-            <a:ext cx="3291376" cy="640074"/>
-          </a:xfrm>
-          <a:prstGeom prst="wedgeRectCallout">
-            <a:avLst>
-              <a:gd name="adj1" fmla="val -46540"/>
-              <a:gd name="adj2" fmla="val 388778"/>
-            </a:avLst>
-          </a:prstGeom>
-          <a:solidFill>
-            <a:srgbClr val="68217A"/>
-          </a:solidFill>
-          <a:ln>
-            <a:noFill/>
-            <a:headEnd type="none" w="med" len="med"/>
-            <a:tailEnd type="none" w="med" len="med"/>
-          </a:ln>
-          <a:effectLst/>
-        </p:spPr>
-        <p:style>
-          <a:lnRef idx="1">
-            <a:schemeClr val="accent2"/>
-          </a:lnRef>
-          <a:fillRef idx="3">
-            <a:schemeClr val="accent2"/>
-          </a:fillRef>
-          <a:effectRef idx="2">
-            <a:schemeClr val="accent2"/>
-          </a:effectRef>
-          <a:fontRef idx="minor">
-            <a:schemeClr val="lt1"/>
-          </a:fontRef>
-        </p:style>
-        <p:txBody>
-          <a:bodyPr rot="0" spcFirstLastPara="0" vertOverflow="overflow" horzOverflow="overflow" vert="horz" wrap="square" lIns="182880" tIns="146304" rIns="182880" bIns="146304" numCol="1" spcCol="0" rtlCol="0" fromWordArt="0" anchor="t" anchorCtr="0" forceAA="0" compatLnSpc="1">
-            <a:prstTxWarp prst="textNoShape">
-              <a:avLst/>
-            </a:prstTxWarp>
-            <a:noAutofit/>
-          </a:bodyPr>
-          <a:lstStyle/>
-          <a:p>
-            <a:pPr algn="ctr" defTabSz="932472" fontAlgn="base">
-              <a:lnSpc>
-                <a:spcPct val="90000"/>
-              </a:lnSpc>
-              <a:spcBef>
-                <a:spcPct val="0"/>
-              </a:spcBef>
-              <a:spcAft>
-                <a:spcPct val="0"/>
-              </a:spcAft>
-            </a:pPr>
-            <a:r>
-              <a:rPr lang="da-DK" sz="2400" dirty="0" err="1">
-                <a:gradFill>
-                  <a:gsLst>
-                    <a:gs pos="0">
-                      <a:srgbClr val="FFFFFF"/>
-                    </a:gs>
-                    <a:gs pos="100000">
-                      <a:srgbClr val="FFFFFF"/>
-                    </a:gs>
-                  </a:gsLst>
-                  <a:lin ang="5400000" scaled="0"/>
-                </a:gradFill>
-                <a:ea typeface="Segoe UI" pitchFamily="34" charset="0"/>
-                <a:cs typeface="Segoe UI" pitchFamily="34" charset="0"/>
-              </a:rPr>
-              <a:t>Configure</a:t>
-            </a:r>
-            <a:r>
-              <a:rPr lang="da-DK" sz="2400" dirty="0">
-                <a:gradFill>
-                  <a:gsLst>
-                    <a:gs pos="0">
-                      <a:srgbClr val="FFFFFF"/>
-                    </a:gs>
-                    <a:gs pos="100000">
-                      <a:srgbClr val="FFFFFF"/>
-                    </a:gs>
-                  </a:gsLst>
-                  <a:lin ang="5400000" scaled="0"/>
-                </a:gradFill>
-                <a:ea typeface="Segoe UI" pitchFamily="34" charset="0"/>
-                <a:cs typeface="Segoe UI" pitchFamily="34" charset="0"/>
-              </a:rPr>
-              <a:t> the </a:t>
-            </a:r>
-            <a:r>
-              <a:rPr lang="da-DK" sz="2400" dirty="0" err="1">
-                <a:gradFill>
-                  <a:gsLst>
-                    <a:gs pos="0">
-                      <a:srgbClr val="FFFFFF"/>
-                    </a:gs>
-                    <a:gs pos="100000">
-                      <a:srgbClr val="FFFFFF"/>
-                    </a:gs>
-                  </a:gsLst>
-                  <a:lin ang="5400000" scaled="0"/>
-                </a:gradFill>
-                <a:ea typeface="Segoe UI" pitchFamily="34" charset="0"/>
-                <a:cs typeface="Segoe UI" pitchFamily="34" charset="0"/>
-              </a:rPr>
-              <a:t>mock</a:t>
-            </a:r>
-            <a:endParaRPr lang="da-DK" sz="2400" dirty="0">
-              <a:gradFill>
-                <a:gsLst>
-                  <a:gs pos="0">
-                    <a:srgbClr val="FFFFFF"/>
-                  </a:gs>
-                  <a:gs pos="100000">
-                    <a:srgbClr val="FFFFFF"/>
-                  </a:gs>
-                </a:gsLst>
-                <a:lin ang="5400000" scaled="0"/>
-              </a:gradFill>
-              <a:ea typeface="Segoe UI" pitchFamily="34" charset="0"/>
-              <a:cs typeface="Segoe UI" pitchFamily="34" charset="0"/>
-            </a:endParaRPr>
-          </a:p>
-        </p:txBody>
-      </p:sp>
-    </p:spTree>
-    <p:extLst>
-      <p:ext uri="{BB962C8B-B14F-4D97-AF65-F5344CB8AC3E}">
-        <p14:creationId xmlns:p14="http://schemas.microsoft.com/office/powerpoint/2010/main" val="1723436954"/>
-      </p:ext>
-    </p:extLst>
-  </p:cSld>
-  <p:clrMapOvr>
-    <a:masterClrMapping/>
-  </p:clrMapOvr>
-  <p:transition>
-    <p:fade/>
-  </p:transition>
-</p:sld>
-</file>
-
-<file path=ppt/slides/slide19.xml><?xml version="1.0" encoding="utf-8"?>
-<p:sld xmlns:a="http://schemas.openxmlformats.org/drawingml/2006/main" xmlns:r="http://schemas.openxmlformats.org/officeDocument/2006/relationships" xmlns:p="http://schemas.openxmlformats.org/presentationml/2006/main">
-  <p:cSld>
-    <p:spTree>
-      <p:nvGrpSpPr>
-        <p:cNvPr id="1" name=""/>
-        <p:cNvGrpSpPr/>
-        <p:nvPr/>
-      </p:nvGrpSpPr>
-      <p:grpSpPr>
-        <a:xfrm>
-          <a:off x="0" y="0"/>
-          <a:ext cx="0" cy="0"/>
-          <a:chOff x="0" y="0"/>
-          <a:chExt cx="0" cy="0"/>
-        </a:xfrm>
-      </p:grpSpPr>
-      <p:sp>
-        <p:nvSpPr>
-          <p:cNvPr id="4" name="Title 3"/>
-          <p:cNvSpPr>
-            <a:spLocks noGrp="1"/>
-          </p:cNvSpPr>
-          <p:nvPr>
-            <p:ph type="title"/>
-          </p:nvPr>
-        </p:nvSpPr>
-        <p:spPr/>
-        <p:txBody>
-          <a:bodyPr/>
-          <a:lstStyle/>
-          <a:p>
-            <a:r>
-              <a:rPr lang="da-DK" dirty="0"/>
-              <a:t>Demo</a:t>
-            </a:r>
-          </a:p>
-        </p:txBody>
-      </p:sp>
-    </p:spTree>
-    <p:extLst>
-      <p:ext uri="{BB962C8B-B14F-4D97-AF65-F5344CB8AC3E}">
-        <p14:creationId xmlns:p14="http://schemas.microsoft.com/office/powerpoint/2010/main" val="3099204126"/>
       </p:ext>
     </p:extLst>
   </p:cSld>
@@ -9424,6 +9592,946 @@
           <a:p>
             <a:r>
               <a:rPr lang="da-DK" dirty="0" err="1"/>
+              <a:t>Mock</a:t>
+            </a:r>
+            <a:r>
+              <a:rPr lang="da-DK" dirty="0"/>
+              <a:t> </a:t>
+            </a:r>
+            <a:r>
+              <a:rPr lang="da-DK" dirty="0" err="1"/>
+              <a:t>testing</a:t>
+            </a:r>
+            <a:r>
+              <a:rPr lang="da-DK" dirty="0"/>
+              <a:t> II</a:t>
+            </a:r>
+          </a:p>
+        </p:txBody>
+      </p:sp>
+      <p:sp>
+        <p:nvSpPr>
+          <p:cNvPr id="4" name="Rectangle 3"/>
+          <p:cNvSpPr/>
+          <p:nvPr/>
+        </p:nvSpPr>
+        <p:spPr>
+          <a:xfrm>
+            <a:off x="228651" y="1577043"/>
+            <a:ext cx="8869261" cy="4524315"/>
+          </a:xfrm>
+          <a:prstGeom prst="rect">
+            <a:avLst/>
+          </a:prstGeom>
+        </p:spPr>
+        <p:txBody>
+          <a:bodyPr wrap="square">
+            <a:spAutoFit/>
+          </a:bodyPr>
+          <a:lstStyle/>
+          <a:p>
+            <a:r>
+              <a:rPr lang="da-DK" dirty="0">
+                <a:solidFill>
+                  <a:srgbClr val="0000FF"/>
+                </a:solidFill>
+                <a:latin typeface="Consolas" panose="020B0609020204030204" pitchFamily="49" charset="0"/>
+              </a:rPr>
+              <a:t>public</a:t>
+            </a:r>
+            <a:r>
+              <a:rPr lang="da-DK" dirty="0">
+                <a:solidFill>
+                  <a:srgbClr val="000000"/>
+                </a:solidFill>
+                <a:latin typeface="Consolas" panose="020B0609020204030204" pitchFamily="49" charset="0"/>
+              </a:rPr>
+              <a:t> </a:t>
+            </a:r>
+            <a:r>
+              <a:rPr lang="da-DK" dirty="0">
+                <a:solidFill>
+                  <a:srgbClr val="0000FF"/>
+                </a:solidFill>
+                <a:latin typeface="Consolas" panose="020B0609020204030204" pitchFamily="49" charset="0"/>
+              </a:rPr>
+              <a:t>class</a:t>
+            </a:r>
+            <a:r>
+              <a:rPr lang="da-DK" dirty="0">
+                <a:solidFill>
+                  <a:srgbClr val="000000"/>
+                </a:solidFill>
+                <a:latin typeface="Consolas" panose="020B0609020204030204" pitchFamily="49" charset="0"/>
+              </a:rPr>
+              <a:t> </a:t>
+            </a:r>
+            <a:r>
+              <a:rPr lang="da-DK" dirty="0" err="1">
+                <a:solidFill>
+                  <a:srgbClr val="2B91AF"/>
+                </a:solidFill>
+                <a:latin typeface="Consolas" panose="020B0609020204030204" pitchFamily="49" charset="0"/>
+              </a:rPr>
+              <a:t>WorkerTests</a:t>
+            </a:r>
+            <a:endParaRPr lang="da-DK" dirty="0">
+              <a:solidFill>
+                <a:srgbClr val="000000"/>
+              </a:solidFill>
+              <a:latin typeface="Consolas" panose="020B0609020204030204" pitchFamily="49" charset="0"/>
+            </a:endParaRPr>
+          </a:p>
+          <a:p>
+            <a:r>
+              <a:rPr lang="da-DK" dirty="0">
+                <a:solidFill>
+                  <a:srgbClr val="000000"/>
+                </a:solidFill>
+                <a:latin typeface="Consolas" panose="020B0609020204030204" pitchFamily="49" charset="0"/>
+              </a:rPr>
+              <a:t>{</a:t>
+            </a:r>
+          </a:p>
+          <a:p>
+            <a:r>
+              <a:rPr lang="da-DK" dirty="0">
+                <a:solidFill>
+                  <a:srgbClr val="000000"/>
+                </a:solidFill>
+                <a:latin typeface="Consolas" panose="020B0609020204030204" pitchFamily="49" charset="0"/>
+              </a:rPr>
+              <a:t>    [</a:t>
+            </a:r>
+            <a:r>
+              <a:rPr lang="da-DK" dirty="0" err="1">
+                <a:solidFill>
+                  <a:srgbClr val="2B91AF"/>
+                </a:solidFill>
+                <a:latin typeface="Consolas" panose="020B0609020204030204" pitchFamily="49" charset="0"/>
+              </a:rPr>
+              <a:t>Fact</a:t>
+            </a:r>
+            <a:r>
+              <a:rPr lang="da-DK" dirty="0">
+                <a:solidFill>
+                  <a:srgbClr val="000000"/>
+                </a:solidFill>
+                <a:latin typeface="Consolas" panose="020B0609020204030204" pitchFamily="49" charset="0"/>
+              </a:rPr>
+              <a:t>]</a:t>
+            </a:r>
+          </a:p>
+          <a:p>
+            <a:r>
+              <a:rPr lang="en-US" dirty="0">
+                <a:solidFill>
+                  <a:srgbClr val="000000"/>
+                </a:solidFill>
+                <a:latin typeface="Consolas" panose="020B0609020204030204" pitchFamily="49" charset="0"/>
+              </a:rPr>
+              <a:t>    </a:t>
+            </a:r>
+            <a:r>
+              <a:rPr lang="en-US" dirty="0">
+                <a:solidFill>
+                  <a:srgbClr val="0000FF"/>
+                </a:solidFill>
+                <a:latin typeface="Consolas" panose="020B0609020204030204" pitchFamily="49" charset="0"/>
+              </a:rPr>
+              <a:t>public</a:t>
+            </a:r>
+            <a:r>
+              <a:rPr lang="en-US" dirty="0">
+                <a:solidFill>
+                  <a:srgbClr val="000000"/>
+                </a:solidFill>
+                <a:latin typeface="Consolas" panose="020B0609020204030204" pitchFamily="49" charset="0"/>
+              </a:rPr>
+              <a:t> </a:t>
+            </a:r>
+            <a:r>
+              <a:rPr lang="en-US" dirty="0">
+                <a:solidFill>
+                  <a:srgbClr val="0000FF"/>
+                </a:solidFill>
+                <a:latin typeface="Consolas" panose="020B0609020204030204" pitchFamily="49" charset="0"/>
+              </a:rPr>
+              <a:t>void</a:t>
+            </a:r>
+            <a:r>
+              <a:rPr lang="en-US" dirty="0">
+                <a:solidFill>
+                  <a:srgbClr val="000000"/>
+                </a:solidFill>
+                <a:latin typeface="Consolas" panose="020B0609020204030204" pitchFamily="49" charset="0"/>
+              </a:rPr>
+              <a:t> </a:t>
+            </a:r>
+            <a:r>
+              <a:rPr lang="en-US" dirty="0" err="1">
+                <a:solidFill>
+                  <a:srgbClr val="000000"/>
+                </a:solidFill>
+                <a:latin typeface="Consolas" panose="020B0609020204030204" pitchFamily="49" charset="0"/>
+              </a:rPr>
+              <a:t>DoWork_when_IFooService_Update_true_returns_true</a:t>
+            </a:r>
+            <a:r>
+              <a:rPr lang="en-US" dirty="0">
+                <a:solidFill>
+                  <a:srgbClr val="000000"/>
+                </a:solidFill>
+                <a:latin typeface="Consolas" panose="020B0609020204030204" pitchFamily="49" charset="0"/>
+              </a:rPr>
+              <a:t>()</a:t>
+            </a:r>
+          </a:p>
+          <a:p>
+            <a:r>
+              <a:rPr lang="da-DK" dirty="0">
+                <a:solidFill>
+                  <a:srgbClr val="000000"/>
+                </a:solidFill>
+                <a:latin typeface="Consolas" panose="020B0609020204030204" pitchFamily="49" charset="0"/>
+              </a:rPr>
+              <a:t>    {</a:t>
+            </a:r>
+          </a:p>
+          <a:p>
+            <a:r>
+              <a:rPr lang="en-US" dirty="0">
+                <a:solidFill>
+                  <a:srgbClr val="000000"/>
+                </a:solidFill>
+                <a:latin typeface="Consolas" panose="020B0609020204030204" pitchFamily="49" charset="0"/>
+              </a:rPr>
+              <a:t>        </a:t>
+            </a:r>
+            <a:r>
+              <a:rPr lang="en-US" dirty="0" err="1">
+                <a:solidFill>
+                  <a:srgbClr val="0000FF"/>
+                </a:solidFill>
+                <a:latin typeface="Consolas" panose="020B0609020204030204" pitchFamily="49" charset="0"/>
+              </a:rPr>
+              <a:t>var</a:t>
+            </a:r>
+            <a:r>
+              <a:rPr lang="en-US" dirty="0">
+                <a:solidFill>
+                  <a:srgbClr val="000000"/>
+                </a:solidFill>
+                <a:latin typeface="Consolas" panose="020B0609020204030204" pitchFamily="49" charset="0"/>
+              </a:rPr>
+              <a:t> mock = </a:t>
+            </a:r>
+            <a:r>
+              <a:rPr lang="en-US" dirty="0">
+                <a:solidFill>
+                  <a:srgbClr val="0000FF"/>
+                </a:solidFill>
+                <a:latin typeface="Consolas" panose="020B0609020204030204" pitchFamily="49" charset="0"/>
+              </a:rPr>
+              <a:t>new</a:t>
+            </a:r>
+            <a:r>
+              <a:rPr lang="en-US" dirty="0">
+                <a:solidFill>
+                  <a:srgbClr val="000000"/>
+                </a:solidFill>
+                <a:latin typeface="Consolas" panose="020B0609020204030204" pitchFamily="49" charset="0"/>
+              </a:rPr>
+              <a:t> </a:t>
+            </a:r>
+            <a:r>
+              <a:rPr lang="en-US" dirty="0">
+                <a:solidFill>
+                  <a:srgbClr val="2B91AF"/>
+                </a:solidFill>
+                <a:latin typeface="Consolas" panose="020B0609020204030204" pitchFamily="49" charset="0"/>
+              </a:rPr>
+              <a:t>Mock</a:t>
+            </a:r>
+            <a:r>
+              <a:rPr lang="en-US" dirty="0">
+                <a:solidFill>
+                  <a:srgbClr val="000000"/>
+                </a:solidFill>
+                <a:latin typeface="Consolas" panose="020B0609020204030204" pitchFamily="49" charset="0"/>
+              </a:rPr>
+              <a:t>&lt;</a:t>
+            </a:r>
+            <a:r>
+              <a:rPr lang="en-US" dirty="0" err="1">
+                <a:solidFill>
+                  <a:srgbClr val="2B91AF"/>
+                </a:solidFill>
+                <a:latin typeface="Consolas" panose="020B0609020204030204" pitchFamily="49" charset="0"/>
+              </a:rPr>
+              <a:t>IFooService</a:t>
+            </a:r>
+            <a:r>
+              <a:rPr lang="en-US" dirty="0">
+                <a:solidFill>
+                  <a:srgbClr val="000000"/>
+                </a:solidFill>
+                <a:latin typeface="Consolas" panose="020B0609020204030204" pitchFamily="49" charset="0"/>
+              </a:rPr>
+              <a:t>&gt;();</a:t>
+            </a:r>
+          </a:p>
+          <a:p>
+            <a:r>
+              <a:rPr lang="en-US" dirty="0">
+                <a:solidFill>
+                  <a:srgbClr val="000000"/>
+                </a:solidFill>
+                <a:latin typeface="Consolas" panose="020B0609020204030204" pitchFamily="49" charset="0"/>
+              </a:rPr>
+              <a:t>        </a:t>
+            </a:r>
+            <a:r>
+              <a:rPr lang="en-US" dirty="0" err="1">
+                <a:solidFill>
+                  <a:srgbClr val="000000"/>
+                </a:solidFill>
+                <a:latin typeface="Consolas" panose="020B0609020204030204" pitchFamily="49" charset="0"/>
+              </a:rPr>
+              <a:t>mock.Setup</a:t>
+            </a:r>
+            <a:r>
+              <a:rPr lang="en-US" dirty="0">
+                <a:solidFill>
+                  <a:srgbClr val="000000"/>
+                </a:solidFill>
+                <a:latin typeface="Consolas" panose="020B0609020204030204" pitchFamily="49" charset="0"/>
+              </a:rPr>
+              <a:t>(m =&gt; </a:t>
+            </a:r>
+            <a:r>
+              <a:rPr lang="en-US" dirty="0" err="1">
+                <a:solidFill>
+                  <a:srgbClr val="000000"/>
+                </a:solidFill>
+                <a:latin typeface="Consolas" panose="020B0609020204030204" pitchFamily="49" charset="0"/>
+              </a:rPr>
+              <a:t>m.Update</a:t>
+            </a:r>
+            <a:r>
+              <a:rPr lang="en-US" dirty="0">
+                <a:solidFill>
+                  <a:srgbClr val="000000"/>
+                </a:solidFill>
+                <a:latin typeface="Consolas" panose="020B0609020204030204" pitchFamily="49" charset="0"/>
+              </a:rPr>
+              <a:t>(</a:t>
+            </a:r>
+            <a:r>
+              <a:rPr lang="en-US" dirty="0" err="1">
+                <a:solidFill>
+                  <a:srgbClr val="2B91AF"/>
+                </a:solidFill>
+                <a:latin typeface="Consolas" panose="020B0609020204030204" pitchFamily="49" charset="0"/>
+              </a:rPr>
+              <a:t>It</a:t>
+            </a:r>
+            <a:r>
+              <a:rPr lang="en-US" dirty="0" err="1">
+                <a:solidFill>
+                  <a:srgbClr val="000000"/>
+                </a:solidFill>
+                <a:latin typeface="Consolas" panose="020B0609020204030204" pitchFamily="49" charset="0"/>
+              </a:rPr>
+              <a:t>.IsAny</a:t>
+            </a:r>
+            <a:r>
+              <a:rPr lang="en-US" dirty="0">
+                <a:solidFill>
+                  <a:srgbClr val="000000"/>
+                </a:solidFill>
+                <a:latin typeface="Consolas" panose="020B0609020204030204" pitchFamily="49" charset="0"/>
+              </a:rPr>
+              <a:t>&lt;</a:t>
+            </a:r>
+            <a:r>
+              <a:rPr lang="en-US" dirty="0">
+                <a:solidFill>
+                  <a:srgbClr val="2B91AF"/>
+                </a:solidFill>
+                <a:latin typeface="Consolas" panose="020B0609020204030204" pitchFamily="49" charset="0"/>
+              </a:rPr>
+              <a:t>Foo</a:t>
+            </a:r>
+            <a:r>
+              <a:rPr lang="en-US" dirty="0">
+                <a:solidFill>
+                  <a:srgbClr val="000000"/>
+                </a:solidFill>
+                <a:latin typeface="Consolas" panose="020B0609020204030204" pitchFamily="49" charset="0"/>
+              </a:rPr>
+              <a:t>&gt;())).Returns(</a:t>
+            </a:r>
+            <a:r>
+              <a:rPr lang="en-US" dirty="0">
+                <a:solidFill>
+                  <a:srgbClr val="0000FF"/>
+                </a:solidFill>
+                <a:latin typeface="Consolas" panose="020B0609020204030204" pitchFamily="49" charset="0"/>
+              </a:rPr>
+              <a:t>true</a:t>
+            </a:r>
+            <a:r>
+              <a:rPr lang="en-US" dirty="0">
+                <a:solidFill>
+                  <a:srgbClr val="000000"/>
+                </a:solidFill>
+                <a:latin typeface="Consolas" panose="020B0609020204030204" pitchFamily="49" charset="0"/>
+              </a:rPr>
+              <a:t>);</a:t>
+            </a:r>
+          </a:p>
+          <a:p>
+            <a:endParaRPr lang="da-DK" dirty="0">
+              <a:solidFill>
+                <a:srgbClr val="000000"/>
+              </a:solidFill>
+              <a:latin typeface="Consolas" panose="020B0609020204030204" pitchFamily="49" charset="0"/>
+            </a:endParaRPr>
+          </a:p>
+          <a:p>
+            <a:r>
+              <a:rPr lang="en-US" dirty="0">
+                <a:solidFill>
+                  <a:srgbClr val="000000"/>
+                </a:solidFill>
+                <a:latin typeface="Consolas" panose="020B0609020204030204" pitchFamily="49" charset="0"/>
+              </a:rPr>
+              <a:t>        </a:t>
+            </a:r>
+            <a:r>
+              <a:rPr lang="en-US" dirty="0">
+                <a:solidFill>
+                  <a:srgbClr val="0000FF"/>
+                </a:solidFill>
+                <a:latin typeface="Consolas" panose="020B0609020204030204" pitchFamily="49" charset="0"/>
+              </a:rPr>
+              <a:t>using</a:t>
+            </a:r>
+            <a:r>
+              <a:rPr lang="en-US" dirty="0">
+                <a:solidFill>
+                  <a:srgbClr val="000000"/>
+                </a:solidFill>
+                <a:latin typeface="Consolas" panose="020B0609020204030204" pitchFamily="49" charset="0"/>
+              </a:rPr>
+              <a:t> (</a:t>
+            </a:r>
+            <a:r>
+              <a:rPr lang="en-US" dirty="0" err="1">
+                <a:solidFill>
+                  <a:srgbClr val="0000FF"/>
+                </a:solidFill>
+                <a:latin typeface="Consolas" panose="020B0609020204030204" pitchFamily="49" charset="0"/>
+              </a:rPr>
+              <a:t>var</a:t>
+            </a:r>
+            <a:r>
+              <a:rPr lang="en-US" dirty="0">
+                <a:solidFill>
+                  <a:srgbClr val="000000"/>
+                </a:solidFill>
+                <a:latin typeface="Consolas" panose="020B0609020204030204" pitchFamily="49" charset="0"/>
+              </a:rPr>
+              <a:t> worker = </a:t>
+            </a:r>
+            <a:r>
+              <a:rPr lang="en-US" dirty="0">
+                <a:solidFill>
+                  <a:srgbClr val="0000FF"/>
+                </a:solidFill>
+                <a:latin typeface="Consolas" panose="020B0609020204030204" pitchFamily="49" charset="0"/>
+              </a:rPr>
+              <a:t>new</a:t>
+            </a:r>
+            <a:r>
+              <a:rPr lang="en-US" dirty="0">
+                <a:solidFill>
+                  <a:srgbClr val="000000"/>
+                </a:solidFill>
+                <a:latin typeface="Consolas" panose="020B0609020204030204" pitchFamily="49" charset="0"/>
+              </a:rPr>
+              <a:t> </a:t>
+            </a:r>
+            <a:r>
+              <a:rPr lang="en-US" dirty="0">
+                <a:solidFill>
+                  <a:srgbClr val="2B91AF"/>
+                </a:solidFill>
+                <a:latin typeface="Consolas" panose="020B0609020204030204" pitchFamily="49" charset="0"/>
+              </a:rPr>
+              <a:t>Worker</a:t>
+            </a:r>
+            <a:r>
+              <a:rPr lang="en-US" dirty="0">
+                <a:solidFill>
+                  <a:srgbClr val="000000"/>
+                </a:solidFill>
+                <a:latin typeface="Consolas" panose="020B0609020204030204" pitchFamily="49" charset="0"/>
+              </a:rPr>
+              <a:t>(</a:t>
+            </a:r>
+            <a:r>
+              <a:rPr lang="da-DK" dirty="0" err="1">
+                <a:solidFill>
+                  <a:srgbClr val="000000"/>
+                </a:solidFill>
+                <a:latin typeface="Consolas" panose="020B0609020204030204" pitchFamily="49" charset="0"/>
+              </a:rPr>
+              <a:t>mock.Object</a:t>
+            </a:r>
+            <a:r>
+              <a:rPr lang="en-US" dirty="0">
+                <a:solidFill>
+                  <a:srgbClr val="000000"/>
+                </a:solidFill>
+                <a:latin typeface="Consolas" panose="020B0609020204030204" pitchFamily="49" charset="0"/>
+              </a:rPr>
+              <a:t>))</a:t>
+            </a:r>
+          </a:p>
+          <a:p>
+            <a:r>
+              <a:rPr lang="da-DK" dirty="0">
+                <a:solidFill>
+                  <a:srgbClr val="000000"/>
+                </a:solidFill>
+                <a:latin typeface="Consolas" panose="020B0609020204030204" pitchFamily="49" charset="0"/>
+              </a:rPr>
+              <a:t>        {</a:t>
+            </a:r>
+          </a:p>
+          <a:p>
+            <a:r>
+              <a:rPr lang="en-US" dirty="0">
+                <a:solidFill>
+                  <a:srgbClr val="000000"/>
+                </a:solidFill>
+                <a:latin typeface="Consolas" panose="020B0609020204030204" pitchFamily="49" charset="0"/>
+              </a:rPr>
+              <a:t>            </a:t>
+            </a:r>
+            <a:r>
+              <a:rPr lang="en-US" dirty="0" err="1">
+                <a:solidFill>
+                  <a:srgbClr val="0000FF"/>
+                </a:solidFill>
+                <a:latin typeface="Consolas" panose="020B0609020204030204" pitchFamily="49" charset="0"/>
+              </a:rPr>
+              <a:t>var</a:t>
+            </a:r>
+            <a:r>
+              <a:rPr lang="en-US" dirty="0">
+                <a:solidFill>
+                  <a:srgbClr val="000000"/>
+                </a:solidFill>
+                <a:latin typeface="Consolas" panose="020B0609020204030204" pitchFamily="49" charset="0"/>
+              </a:rPr>
+              <a:t> result = </a:t>
+            </a:r>
+            <a:r>
+              <a:rPr lang="en-US" dirty="0" err="1">
+                <a:solidFill>
+                  <a:srgbClr val="000000"/>
+                </a:solidFill>
+                <a:latin typeface="Consolas" panose="020B0609020204030204" pitchFamily="49" charset="0"/>
+              </a:rPr>
+              <a:t>worker.DoWork</a:t>
+            </a:r>
+            <a:r>
+              <a:rPr lang="en-US" dirty="0">
+                <a:solidFill>
+                  <a:srgbClr val="000000"/>
+                </a:solidFill>
+                <a:latin typeface="Consolas" panose="020B0609020204030204" pitchFamily="49" charset="0"/>
+              </a:rPr>
+              <a:t>(</a:t>
+            </a:r>
+            <a:r>
+              <a:rPr lang="en-US" dirty="0">
+                <a:solidFill>
+                  <a:srgbClr val="0000FF"/>
+                </a:solidFill>
+                <a:latin typeface="Consolas" panose="020B0609020204030204" pitchFamily="49" charset="0"/>
+              </a:rPr>
+              <a:t>new</a:t>
+            </a:r>
+            <a:r>
+              <a:rPr lang="en-US" dirty="0">
+                <a:solidFill>
+                  <a:srgbClr val="000000"/>
+                </a:solidFill>
+                <a:latin typeface="Consolas" panose="020B0609020204030204" pitchFamily="49" charset="0"/>
+              </a:rPr>
+              <a:t> </a:t>
+            </a:r>
+            <a:r>
+              <a:rPr lang="en-US" dirty="0" err="1">
+                <a:solidFill>
+                  <a:srgbClr val="2B91AF"/>
+                </a:solidFill>
+                <a:latin typeface="Consolas" panose="020B0609020204030204" pitchFamily="49" charset="0"/>
+              </a:rPr>
+              <a:t>FooDto</a:t>
+            </a:r>
+            <a:r>
+              <a:rPr lang="en-US" dirty="0">
+                <a:solidFill>
+                  <a:srgbClr val="000000"/>
+                </a:solidFill>
+                <a:latin typeface="Consolas" panose="020B0609020204030204" pitchFamily="49" charset="0"/>
+              </a:rPr>
+              <a:t>());</a:t>
+            </a:r>
+          </a:p>
+          <a:p>
+            <a:endParaRPr lang="da-DK" dirty="0">
+              <a:solidFill>
+                <a:srgbClr val="000000"/>
+              </a:solidFill>
+              <a:latin typeface="Consolas" panose="020B0609020204030204" pitchFamily="49" charset="0"/>
+            </a:endParaRPr>
+          </a:p>
+          <a:p>
+            <a:r>
+              <a:rPr lang="da-DK" dirty="0">
+                <a:solidFill>
+                  <a:srgbClr val="000000"/>
+                </a:solidFill>
+                <a:latin typeface="Consolas" panose="020B0609020204030204" pitchFamily="49" charset="0"/>
+              </a:rPr>
+              <a:t>            </a:t>
+            </a:r>
+            <a:r>
+              <a:rPr lang="da-DK" dirty="0" err="1">
+                <a:solidFill>
+                  <a:srgbClr val="2B91AF"/>
+                </a:solidFill>
+                <a:latin typeface="Consolas" panose="020B0609020204030204" pitchFamily="49" charset="0"/>
+              </a:rPr>
+              <a:t>Assert</a:t>
+            </a:r>
+            <a:r>
+              <a:rPr lang="da-DK" dirty="0" err="1">
+                <a:solidFill>
+                  <a:srgbClr val="000000"/>
+                </a:solidFill>
+                <a:latin typeface="Consolas" panose="020B0609020204030204" pitchFamily="49" charset="0"/>
+              </a:rPr>
+              <a:t>.True</a:t>
+            </a:r>
+            <a:r>
+              <a:rPr lang="da-DK" dirty="0">
+                <a:solidFill>
+                  <a:srgbClr val="000000"/>
+                </a:solidFill>
+                <a:latin typeface="Consolas" panose="020B0609020204030204" pitchFamily="49" charset="0"/>
+              </a:rPr>
+              <a:t>(</a:t>
+            </a:r>
+            <a:r>
+              <a:rPr lang="da-DK" dirty="0" err="1">
+                <a:solidFill>
+                  <a:srgbClr val="000000"/>
+                </a:solidFill>
+                <a:latin typeface="Consolas" panose="020B0609020204030204" pitchFamily="49" charset="0"/>
+              </a:rPr>
+              <a:t>result</a:t>
+            </a:r>
+            <a:r>
+              <a:rPr lang="da-DK" dirty="0">
+                <a:solidFill>
+                  <a:srgbClr val="000000"/>
+                </a:solidFill>
+                <a:latin typeface="Consolas" panose="020B0609020204030204" pitchFamily="49" charset="0"/>
+              </a:rPr>
+              <a:t>);</a:t>
+            </a:r>
+          </a:p>
+          <a:p>
+            <a:r>
+              <a:rPr lang="da-DK" dirty="0">
+                <a:solidFill>
+                  <a:srgbClr val="000000"/>
+                </a:solidFill>
+                <a:latin typeface="Consolas" panose="020B0609020204030204" pitchFamily="49" charset="0"/>
+              </a:rPr>
+              <a:t>        }</a:t>
+            </a:r>
+          </a:p>
+          <a:p>
+            <a:r>
+              <a:rPr lang="da-DK" dirty="0">
+                <a:solidFill>
+                  <a:srgbClr val="000000"/>
+                </a:solidFill>
+                <a:latin typeface="Consolas" panose="020B0609020204030204" pitchFamily="49" charset="0"/>
+              </a:rPr>
+              <a:t>    }</a:t>
+            </a:r>
+          </a:p>
+          <a:p>
+            <a:r>
+              <a:rPr lang="da-DK" dirty="0">
+                <a:solidFill>
+                  <a:srgbClr val="000000"/>
+                </a:solidFill>
+                <a:latin typeface="Consolas" panose="020B0609020204030204" pitchFamily="49" charset="0"/>
+              </a:rPr>
+              <a:t>}</a:t>
+            </a:r>
+            <a:endParaRPr lang="da-DK" dirty="0"/>
+          </a:p>
+        </p:txBody>
+      </p:sp>
+      <p:sp>
+        <p:nvSpPr>
+          <p:cNvPr id="5" name="Speech Bubble: Rectangle 4"/>
+          <p:cNvSpPr/>
+          <p:nvPr/>
+        </p:nvSpPr>
+        <p:spPr bwMode="auto">
+          <a:xfrm>
+            <a:off x="5669110" y="463935"/>
+            <a:ext cx="3291376" cy="640074"/>
+          </a:xfrm>
+          <a:prstGeom prst="wedgeRectCallout">
+            <a:avLst>
+              <a:gd name="adj1" fmla="val -46540"/>
+              <a:gd name="adj2" fmla="val 388778"/>
+            </a:avLst>
+          </a:prstGeom>
+          <a:solidFill>
+            <a:srgbClr val="68217A"/>
+          </a:solidFill>
+          <a:ln>
+            <a:noFill/>
+            <a:headEnd type="none" w="med" len="med"/>
+            <a:tailEnd type="none" w="med" len="med"/>
+          </a:ln>
+          <a:effectLst/>
+        </p:spPr>
+        <p:style>
+          <a:lnRef idx="1">
+            <a:schemeClr val="accent2"/>
+          </a:lnRef>
+          <a:fillRef idx="3">
+            <a:schemeClr val="accent2"/>
+          </a:fillRef>
+          <a:effectRef idx="2">
+            <a:schemeClr val="accent2"/>
+          </a:effectRef>
+          <a:fontRef idx="minor">
+            <a:schemeClr val="lt1"/>
+          </a:fontRef>
+        </p:style>
+        <p:txBody>
+          <a:bodyPr rot="0" spcFirstLastPara="0" vertOverflow="overflow" horzOverflow="overflow" vert="horz" wrap="square" lIns="182880" tIns="146304" rIns="182880" bIns="146304" numCol="1" spcCol="0" rtlCol="0" fromWordArt="0" anchor="t" anchorCtr="0" forceAA="0" compatLnSpc="1">
+            <a:prstTxWarp prst="textNoShape">
+              <a:avLst/>
+            </a:prstTxWarp>
+            <a:noAutofit/>
+          </a:bodyPr>
+          <a:lstStyle/>
+          <a:p>
+            <a:pPr algn="ctr" defTabSz="932472" fontAlgn="base">
+              <a:lnSpc>
+                <a:spcPct val="90000"/>
+              </a:lnSpc>
+              <a:spcBef>
+                <a:spcPct val="0"/>
+              </a:spcBef>
+              <a:spcAft>
+                <a:spcPct val="0"/>
+              </a:spcAft>
+            </a:pPr>
+            <a:r>
+              <a:rPr lang="da-DK" sz="2400" dirty="0" err="1">
+                <a:gradFill>
+                  <a:gsLst>
+                    <a:gs pos="0">
+                      <a:srgbClr val="FFFFFF"/>
+                    </a:gs>
+                    <a:gs pos="100000">
+                      <a:srgbClr val="FFFFFF"/>
+                    </a:gs>
+                  </a:gsLst>
+                  <a:lin ang="5400000" scaled="0"/>
+                </a:gradFill>
+                <a:ea typeface="Segoe UI" pitchFamily="34" charset="0"/>
+                <a:cs typeface="Segoe UI" pitchFamily="34" charset="0"/>
+              </a:rPr>
+              <a:t>Configure</a:t>
+            </a:r>
+            <a:r>
+              <a:rPr lang="da-DK" sz="2400" dirty="0">
+                <a:gradFill>
+                  <a:gsLst>
+                    <a:gs pos="0">
+                      <a:srgbClr val="FFFFFF"/>
+                    </a:gs>
+                    <a:gs pos="100000">
+                      <a:srgbClr val="FFFFFF"/>
+                    </a:gs>
+                  </a:gsLst>
+                  <a:lin ang="5400000" scaled="0"/>
+                </a:gradFill>
+                <a:ea typeface="Segoe UI" pitchFamily="34" charset="0"/>
+                <a:cs typeface="Segoe UI" pitchFamily="34" charset="0"/>
+              </a:rPr>
+              <a:t> the </a:t>
+            </a:r>
+            <a:r>
+              <a:rPr lang="da-DK" sz="2400" dirty="0" err="1">
+                <a:gradFill>
+                  <a:gsLst>
+                    <a:gs pos="0">
+                      <a:srgbClr val="FFFFFF"/>
+                    </a:gs>
+                    <a:gs pos="100000">
+                      <a:srgbClr val="FFFFFF"/>
+                    </a:gs>
+                  </a:gsLst>
+                  <a:lin ang="5400000" scaled="0"/>
+                </a:gradFill>
+                <a:ea typeface="Segoe UI" pitchFamily="34" charset="0"/>
+                <a:cs typeface="Segoe UI" pitchFamily="34" charset="0"/>
+              </a:rPr>
+              <a:t>mock</a:t>
+            </a:r>
+            <a:endParaRPr lang="da-DK" sz="2400" dirty="0">
+              <a:gradFill>
+                <a:gsLst>
+                  <a:gs pos="0">
+                    <a:srgbClr val="FFFFFF"/>
+                  </a:gs>
+                  <a:gs pos="100000">
+                    <a:srgbClr val="FFFFFF"/>
+                  </a:gs>
+                </a:gsLst>
+                <a:lin ang="5400000" scaled="0"/>
+              </a:gradFill>
+              <a:ea typeface="Segoe UI" pitchFamily="34" charset="0"/>
+              <a:cs typeface="Segoe UI" pitchFamily="34" charset="0"/>
+            </a:endParaRPr>
+          </a:p>
+        </p:txBody>
+      </p:sp>
+    </p:spTree>
+    <p:extLst>
+      <p:ext uri="{BB962C8B-B14F-4D97-AF65-F5344CB8AC3E}">
+        <p14:creationId xmlns:p14="http://schemas.microsoft.com/office/powerpoint/2010/main" val="1723436954"/>
+      </p:ext>
+    </p:extLst>
+  </p:cSld>
+  <p:clrMapOvr>
+    <a:masterClrMapping/>
+  </p:clrMapOvr>
+  <p:transition>
+    <p:fade/>
+  </p:transition>
+</p:sld>
+</file>
+
+<file path=ppt/slides/slide21.xml><?xml version="1.0" encoding="utf-8"?>
+<p:sld xmlns:a="http://schemas.openxmlformats.org/drawingml/2006/main" xmlns:r="http://schemas.openxmlformats.org/officeDocument/2006/relationships" xmlns:p="http://schemas.openxmlformats.org/presentationml/2006/main">
+  <p:cSld>
+    <p:spTree>
+      <p:nvGrpSpPr>
+        <p:cNvPr id="1" name=""/>
+        <p:cNvGrpSpPr/>
+        <p:nvPr/>
+      </p:nvGrpSpPr>
+      <p:grpSpPr>
+        <a:xfrm>
+          <a:off x="0" y="0"/>
+          <a:ext cx="0" cy="0"/>
+          <a:chOff x="0" y="0"/>
+          <a:chExt cx="0" cy="0"/>
+        </a:xfrm>
+      </p:grpSpPr>
+      <p:sp>
+        <p:nvSpPr>
+          <p:cNvPr id="4" name="Title 3"/>
+          <p:cNvSpPr>
+            <a:spLocks noGrp="1"/>
+          </p:cNvSpPr>
+          <p:nvPr>
+            <p:ph type="title"/>
+          </p:nvPr>
+        </p:nvSpPr>
+        <p:spPr/>
+        <p:txBody>
+          <a:bodyPr/>
+          <a:lstStyle/>
+          <a:p>
+            <a:r>
+              <a:rPr lang="da-DK" dirty="0"/>
+              <a:t>Demo</a:t>
+            </a:r>
+          </a:p>
+        </p:txBody>
+      </p:sp>
+    </p:spTree>
+    <p:extLst>
+      <p:ext uri="{BB962C8B-B14F-4D97-AF65-F5344CB8AC3E}">
+        <p14:creationId xmlns:p14="http://schemas.microsoft.com/office/powerpoint/2010/main" val="3099204126"/>
+      </p:ext>
+    </p:extLst>
+  </p:cSld>
+  <p:clrMapOvr>
+    <a:masterClrMapping/>
+  </p:clrMapOvr>
+  <p:transition>
+    <p:fade/>
+  </p:transition>
+</p:sld>
+</file>
+
+<file path=ppt/slides/slide22.xml><?xml version="1.0" encoding="utf-8"?>
+<p:sld xmlns:a="http://schemas.openxmlformats.org/drawingml/2006/main" xmlns:r="http://schemas.openxmlformats.org/officeDocument/2006/relationships" xmlns:p="http://schemas.openxmlformats.org/presentationml/2006/main">
+  <p:cSld>
+    <p:spTree>
+      <p:nvGrpSpPr>
+        <p:cNvPr id="1" name=""/>
+        <p:cNvGrpSpPr/>
+        <p:nvPr/>
+      </p:nvGrpSpPr>
+      <p:grpSpPr>
+        <a:xfrm>
+          <a:off x="0" y="0"/>
+          <a:ext cx="0" cy="0"/>
+          <a:chOff x="0" y="0"/>
+          <a:chExt cx="0" cy="0"/>
+        </a:xfrm>
+      </p:grpSpPr>
+      <p:sp>
+        <p:nvSpPr>
+          <p:cNvPr id="3" name="Title 2"/>
+          <p:cNvSpPr>
+            <a:spLocks noGrp="1"/>
+          </p:cNvSpPr>
+          <p:nvPr>
+            <p:ph type="title"/>
+          </p:nvPr>
+        </p:nvSpPr>
+        <p:spPr/>
+        <p:txBody>
+          <a:bodyPr/>
+          <a:lstStyle/>
+          <a:p>
+            <a:r>
+              <a:rPr lang="da-DK" dirty="0" err="1"/>
               <a:t>Testing</a:t>
             </a:r>
             <a:r>
@@ -9460,7 +10568,7 @@
 </p:sld>
 </file>
 
-<file path=ppt/slides/slide21.xml><?xml version="1.0" encoding="utf-8"?>
+<file path=ppt/slides/slide23.xml><?xml version="1.0" encoding="utf-8"?>
 <p:sld xmlns:a="http://schemas.openxmlformats.org/drawingml/2006/main" xmlns:r="http://schemas.openxmlformats.org/officeDocument/2006/relationships" xmlns:p="http://schemas.openxmlformats.org/presentationml/2006/main">
   <p:cSld>
     <p:bg>
@@ -9500,7 +10608,7 @@
         <p:spPr>
           <a:xfrm>
             <a:off x="365648" y="2272796"/>
-            <a:ext cx="8778144" cy="3693319"/>
+            <a:ext cx="8778144" cy="4247317"/>
           </a:xfrm>
           <a:prstGeom prst="rect">
             <a:avLst/>
@@ -9615,13 +10723,13 @@
           </a:p>
           <a:p>
             <a:r>
-              <a:rPr lang="en-US" dirty="0">
-                <a:solidFill>
-                  <a:srgbClr val="000000"/>
-                </a:solidFill>
-                <a:latin typeface="Consolas" panose="020B0609020204030204" pitchFamily="49" charset="0"/>
-              </a:rPr>
-              <a:t>               .</a:t>
+              <a:rPr lang="en-US">
+                <a:solidFill>
+                  <a:srgbClr val="000000"/>
+                </a:solidFill>
+                <a:latin typeface="Consolas" panose="020B0609020204030204" pitchFamily="49" charset="0"/>
+              </a:rPr>
+              <a:t>              .</a:t>
             </a:r>
             <a:r>
               <a:rPr lang="en-US" dirty="0" err="1">
@@ -9687,6 +10795,22 @@
             </a:endParaRPr>
           </a:p>
           <a:p>
+            <a:endParaRPr lang="da-DK" dirty="0">
+              <a:solidFill>
+                <a:srgbClr val="000000"/>
+              </a:solidFill>
+              <a:latin typeface="Consolas" panose="020B0609020204030204" pitchFamily="49" charset="0"/>
+            </a:endParaRPr>
+          </a:p>
+          <a:p>
+            <a:endParaRPr lang="da-DK" dirty="0">
+              <a:solidFill>
+                <a:srgbClr val="000000"/>
+              </a:solidFill>
+              <a:latin typeface="Consolas" panose="020B0609020204030204" pitchFamily="49" charset="0"/>
+            </a:endParaRPr>
+          </a:p>
+          <a:p>
             <a:r>
               <a:rPr lang="en-US" dirty="0">
                 <a:solidFill>
@@ -9705,45 +10829,45 @@
           </a:p>
           <a:p>
             <a:r>
+              <a:rPr lang="en-US" dirty="0">
+                <a:solidFill>
+                  <a:srgbClr val="0000FF"/>
+                </a:solidFill>
+                <a:latin typeface="Consolas" panose="020B0609020204030204" pitchFamily="49" charset="0"/>
+              </a:rPr>
+              <a:t>var</a:t>
+            </a:r>
+            <a:r>
+              <a:rPr lang="en-US" dirty="0">
+                <a:solidFill>
+                  <a:srgbClr val="000000"/>
+                </a:solidFill>
+                <a:latin typeface="Consolas" panose="020B0609020204030204" pitchFamily="49" charset="0"/>
+              </a:rPr>
+              <a:t> connection = </a:t>
+            </a:r>
+            <a:r>
+              <a:rPr lang="en-US" dirty="0">
+                <a:solidFill>
+                  <a:srgbClr val="0000FF"/>
+                </a:solidFill>
+                <a:latin typeface="Consolas" panose="020B0609020204030204" pitchFamily="49" charset="0"/>
+              </a:rPr>
+              <a:t>new</a:t>
+            </a:r>
+            <a:r>
+              <a:rPr lang="en-US" dirty="0">
+                <a:solidFill>
+                  <a:srgbClr val="000000"/>
+                </a:solidFill>
+                <a:latin typeface="Consolas" panose="020B0609020204030204" pitchFamily="49" charset="0"/>
+              </a:rPr>
+              <a:t> </a:t>
+            </a:r>
+            <a:r>
               <a:rPr lang="en-US" dirty="0" err="1">
                 <a:solidFill>
-                  <a:srgbClr val="0000FF"/>
-                </a:solidFill>
-                <a:latin typeface="Consolas" panose="020B0609020204030204" pitchFamily="49" charset="0"/>
-              </a:rPr>
-              <a:t>var</a:t>
-            </a:r>
-            <a:r>
-              <a:rPr lang="en-US" dirty="0">
-                <a:solidFill>
-                  <a:srgbClr val="000000"/>
-                </a:solidFill>
-                <a:latin typeface="Consolas" panose="020B0609020204030204" pitchFamily="49" charset="0"/>
-              </a:rPr>
-              <a:t> connection = </a:t>
-            </a:r>
-            <a:r>
-              <a:rPr lang="en-US" dirty="0">
-                <a:solidFill>
-                  <a:srgbClr val="0000FF"/>
-                </a:solidFill>
-                <a:latin typeface="Consolas" panose="020B0609020204030204" pitchFamily="49" charset="0"/>
-              </a:rPr>
-              <a:t>new</a:t>
-            </a:r>
-            <a:r>
-              <a:rPr lang="en-US" dirty="0">
-                <a:solidFill>
-                  <a:srgbClr val="000000"/>
-                </a:solidFill>
-                <a:latin typeface="Consolas" panose="020B0609020204030204" pitchFamily="49" charset="0"/>
-              </a:rPr>
-              <a:t> </a:t>
-            </a:r>
-            <a:r>
-              <a:rPr lang="en-US" dirty="0" err="1">
-                <a:solidFill>
-                  <a:srgbClr val="000000"/>
+                  <a:srgbClr val="2B91AF"/>
                 </a:solidFill>
                 <a:latin typeface="Consolas" panose="020B0609020204030204" pitchFamily="49" charset="0"/>
               </a:rPr>
@@ -10068,6 +11192,86 @@
           </a:p>
         </p:txBody>
       </p:sp>
+      <p:sp>
+        <p:nvSpPr>
+          <p:cNvPr id="3" name="Rectangle 2">
+            <a:extLst>
+              <a:ext uri="{FF2B5EF4-FFF2-40B4-BE49-F238E27FC236}">
+                <a16:creationId xmlns:a16="http://schemas.microsoft.com/office/drawing/2014/main" id="{73A13FC7-C9B9-4ACF-8DA1-C65CD06DB875}"/>
+              </a:ext>
+            </a:extLst>
+          </p:cNvPr>
+          <p:cNvSpPr/>
+          <p:nvPr/>
+        </p:nvSpPr>
+        <p:spPr>
+          <a:xfrm>
+            <a:off x="365648" y="1926593"/>
+            <a:ext cx="8412388" cy="369332"/>
+          </a:xfrm>
+          <a:prstGeom prst="rect">
+            <a:avLst/>
+          </a:prstGeom>
+        </p:spPr>
+        <p:txBody>
+          <a:bodyPr wrap="square">
+            <a:spAutoFit/>
+          </a:bodyPr>
+          <a:lstStyle/>
+          <a:p>
+            <a:r>
+              <a:rPr lang="da-DK" b="1" dirty="0">
+                <a:solidFill>
+                  <a:srgbClr val="000000"/>
+                </a:solidFill>
+                <a:latin typeface="Consolas" panose="020B0609020204030204" pitchFamily="49" charset="0"/>
+              </a:rPr>
+              <a:t>PM&gt; Install-Package Microsoft.EntityFrameworkCore.InMemory</a:t>
+            </a:r>
+            <a:endParaRPr lang="en-DK" b="1" dirty="0"/>
+          </a:p>
+        </p:txBody>
+      </p:sp>
+      <p:sp>
+        <p:nvSpPr>
+          <p:cNvPr id="6" name="Rectangle 5">
+            <a:extLst>
+              <a:ext uri="{FF2B5EF4-FFF2-40B4-BE49-F238E27FC236}">
+                <a16:creationId xmlns:a16="http://schemas.microsoft.com/office/drawing/2014/main" id="{74EBD5D9-E579-46BE-85E0-0FB529D9ECCF}"/>
+              </a:ext>
+            </a:extLst>
+          </p:cNvPr>
+          <p:cNvSpPr/>
+          <p:nvPr/>
+        </p:nvSpPr>
+        <p:spPr>
+          <a:xfrm>
+            <a:off x="365648" y="3585125"/>
+            <a:ext cx="8412388" cy="369332"/>
+          </a:xfrm>
+          <a:prstGeom prst="rect">
+            <a:avLst/>
+          </a:prstGeom>
+        </p:spPr>
+        <p:txBody>
+          <a:bodyPr wrap="square">
+            <a:spAutoFit/>
+          </a:bodyPr>
+          <a:lstStyle/>
+          <a:p>
+            <a:r>
+              <a:rPr lang="da-DK" b="1" dirty="0">
+                <a:solidFill>
+                  <a:srgbClr val="000000"/>
+                </a:solidFill>
+                <a:latin typeface="Consolas" panose="020B0609020204030204" pitchFamily="49" charset="0"/>
+              </a:rPr>
+              <a:t>PM&gt; Install-Package Microsoft.EntityFrameworkCore.SqlLite</a:t>
+            </a:r>
+            <a:endParaRPr lang="en-DK" b="1" dirty="0"/>
+          </a:p>
+        </p:txBody>
+      </p:sp>
     </p:spTree>
     <p:extLst>
       <p:ext uri="{BB962C8B-B14F-4D97-AF65-F5344CB8AC3E}">
@@ -10084,7 +11288,7 @@
 </p:sld>
 </file>
 
-<file path=ppt/slides/slide22.xml><?xml version="1.0" encoding="utf-8"?>
+<file path=ppt/slides/slide24.xml><?xml version="1.0" encoding="utf-8"?>
 <p:sld xmlns:a="http://schemas.openxmlformats.org/drawingml/2006/main" xmlns:r="http://schemas.openxmlformats.org/officeDocument/2006/relationships" xmlns:p="http://schemas.openxmlformats.org/presentationml/2006/main">
   <p:cSld>
     <p:bg>
@@ -10545,7 +11749,7 @@
 </p:sld>
 </file>
 
-<file path=ppt/slides/slide23.xml><?xml version="1.0" encoding="utf-8"?>
+<file path=ppt/slides/slide25.xml><?xml version="1.0" encoding="utf-8"?>
 <p:sld xmlns:a="http://schemas.openxmlformats.org/drawingml/2006/main" xmlns:r="http://schemas.openxmlformats.org/officeDocument/2006/relationships" xmlns:p="http://schemas.openxmlformats.org/presentationml/2006/main">
   <p:cSld>
     <p:bg>
@@ -11613,8 +12817,8 @@
         </p:nvSpPr>
         <p:spPr>
           <a:xfrm>
-            <a:off x="1852551" y="3394201"/>
-            <a:ext cx="5621461" cy="1200329"/>
+            <a:off x="1920111" y="2491433"/>
+            <a:ext cx="5621461" cy="3416320"/>
           </a:xfrm>
           <a:prstGeom prst="rect">
             <a:avLst/>
@@ -11663,31 +12867,13 @@
               <a:t> </a:t>
             </a:r>
             <a:r>
-              <a:rPr lang="da-DK" dirty="0" err="1">
+              <a:rPr lang="da-DK" dirty="0">
                 <a:solidFill>
                   <a:srgbClr val="2B91AF"/>
                 </a:solidFill>
                 <a:latin typeface="Consolas" panose="020B0609020204030204" pitchFamily="49" charset="0"/>
               </a:rPr>
               <a:t>IFooService</a:t>
-            </a:r>
-            <a:r>
-              <a:rPr lang="da-DK" dirty="0">
-                <a:solidFill>
-                  <a:srgbClr val="000000"/>
-                </a:solidFill>
-                <a:latin typeface="Consolas" panose="020B0609020204030204" pitchFamily="49" charset="0"/>
-              </a:rPr>
-              <a:t> : </a:t>
-            </a:r>
-            <a:r>
-              <a:rPr lang="da-DK" dirty="0" err="1">
-                <a:solidFill>
-                  <a:srgbClr val="2B91AF"/>
-                </a:solidFill>
-                <a:latin typeface="Consolas" panose="020B0609020204030204" pitchFamily="49" charset="0"/>
-              </a:rPr>
-              <a:t>IDisposable</a:t>
             </a:r>
             <a:endParaRPr lang="da-DK" dirty="0">
               <a:solidFill>
@@ -11715,10 +12901,10 @@
                 </a:solidFill>
                 <a:latin typeface="Consolas" panose="020B0609020204030204" pitchFamily="49" charset="0"/>
               </a:rPr>
-              <a:t>   </a:t>
-            </a:r>
-            <a:r>
-              <a:rPr lang="da-DK" dirty="0" err="1">
+              <a:t>    </a:t>
+            </a:r>
+            <a:r>
+              <a:rPr lang="da-DK" dirty="0">
                 <a:solidFill>
                   <a:srgbClr val="0000FF"/>
                 </a:solidFill>
@@ -11736,7 +12922,7 @@
               <a:t> Update(</a:t>
             </a:r>
             <a:r>
-              <a:rPr lang="da-DK" dirty="0" err="1">
+              <a:rPr lang="da-DK" dirty="0">
                 <a:solidFill>
                   <a:srgbClr val="2B91AF"/>
                 </a:solidFill>
@@ -11751,25 +12937,206 @@
                 </a:solidFill>
                 <a:latin typeface="Consolas" panose="020B0609020204030204" pitchFamily="49" charset="0"/>
               </a:rPr>
+              <a:t> foo);</a:t>
+            </a:r>
+          </a:p>
+          <a:p>
+            <a:r>
+              <a:rPr lang="da-DK" dirty="0">
+                <a:solidFill>
+                  <a:srgbClr val="000000"/>
+                </a:solidFill>
+                <a:latin typeface="Consolas" panose="020B0609020204030204" pitchFamily="49" charset="0"/>
+              </a:rPr>
+              <a:t>}</a:t>
+            </a:r>
+          </a:p>
+          <a:p>
+            <a:endParaRPr lang="da-DK" dirty="0">
+              <a:solidFill>
+                <a:srgbClr val="000000"/>
+              </a:solidFill>
+              <a:latin typeface="Consolas" panose="020B0609020204030204" pitchFamily="49" charset="0"/>
+            </a:endParaRPr>
+          </a:p>
+          <a:p>
+            <a:r>
+              <a:rPr lang="da-DK" dirty="0">
+                <a:solidFill>
+                  <a:srgbClr val="0000FF"/>
+                </a:solidFill>
+                <a:latin typeface="Consolas" panose="020B0609020204030204" pitchFamily="49" charset="0"/>
+              </a:rPr>
+              <a:t>public</a:t>
+            </a:r>
+            <a:r>
+              <a:rPr lang="da-DK" dirty="0">
+                <a:solidFill>
+                  <a:srgbClr val="000000"/>
+                </a:solidFill>
+                <a:latin typeface="Consolas" panose="020B0609020204030204" pitchFamily="49" charset="0"/>
+              </a:rPr>
               <a:t> </a:t>
             </a:r>
             <a:r>
-              <a:rPr lang="da-DK" dirty="0" err="1">
-                <a:solidFill>
-                  <a:srgbClr val="000000"/>
-                </a:solidFill>
-                <a:latin typeface="Consolas" panose="020B0609020204030204" pitchFamily="49" charset="0"/>
-              </a:rPr>
-              <a:t>foo</a:t>
-            </a:r>
-            <a:r>
-              <a:rPr lang="da-DK" dirty="0">
-                <a:solidFill>
-                  <a:srgbClr val="000000"/>
-                </a:solidFill>
-                <a:latin typeface="Consolas" panose="020B0609020204030204" pitchFamily="49" charset="0"/>
-              </a:rPr>
-              <a:t>);</a:t>
+              <a:rPr lang="da-DK" dirty="0">
+                <a:solidFill>
+                  <a:srgbClr val="0000FF"/>
+                </a:solidFill>
+                <a:latin typeface="Consolas" panose="020B0609020204030204" pitchFamily="49" charset="0"/>
+              </a:rPr>
+              <a:t>class</a:t>
+            </a:r>
+            <a:r>
+              <a:rPr lang="da-DK" dirty="0">
+                <a:solidFill>
+                  <a:srgbClr val="000000"/>
+                </a:solidFill>
+                <a:latin typeface="Consolas" panose="020B0609020204030204" pitchFamily="49" charset="0"/>
+              </a:rPr>
+              <a:t> </a:t>
+            </a:r>
+            <a:r>
+              <a:rPr lang="da-DK" dirty="0">
+                <a:solidFill>
+                  <a:srgbClr val="2B91AF"/>
+                </a:solidFill>
+                <a:latin typeface="Consolas" panose="020B0609020204030204" pitchFamily="49" charset="0"/>
+              </a:rPr>
+              <a:t>FooService </a:t>
+            </a:r>
+            <a:r>
+              <a:rPr lang="da-DK" dirty="0">
+                <a:solidFill>
+                  <a:srgbClr val="000000"/>
+                </a:solidFill>
+                <a:latin typeface="Consolas" panose="020B0609020204030204" pitchFamily="49" charset="0"/>
+              </a:rPr>
+              <a:t>:</a:t>
+            </a:r>
+            <a:r>
+              <a:rPr lang="da-DK" dirty="0">
+                <a:solidFill>
+                  <a:srgbClr val="2B91AF"/>
+                </a:solidFill>
+                <a:latin typeface="Consolas" panose="020B0609020204030204" pitchFamily="49" charset="0"/>
+              </a:rPr>
+              <a:t> IFooService</a:t>
+            </a:r>
+            <a:endParaRPr lang="da-DK" dirty="0">
+              <a:solidFill>
+                <a:srgbClr val="000000"/>
+              </a:solidFill>
+              <a:latin typeface="Consolas" panose="020B0609020204030204" pitchFamily="49" charset="0"/>
+            </a:endParaRPr>
+          </a:p>
+          <a:p>
+            <a:r>
+              <a:rPr lang="da-DK" dirty="0">
+                <a:solidFill>
+                  <a:srgbClr val="000000"/>
+                </a:solidFill>
+                <a:latin typeface="Consolas" panose="020B0609020204030204" pitchFamily="49" charset="0"/>
+              </a:rPr>
+              <a:t>{</a:t>
+            </a:r>
+          </a:p>
+          <a:p>
+            <a:r>
+              <a:rPr lang="da-DK" dirty="0">
+                <a:solidFill>
+                  <a:srgbClr val="000000"/>
+                </a:solidFill>
+                <a:latin typeface="Consolas" panose="020B0609020204030204" pitchFamily="49" charset="0"/>
+              </a:rPr>
+              <a:t>    </a:t>
+            </a:r>
+            <a:r>
+              <a:rPr lang="da-DK" dirty="0">
+                <a:solidFill>
+                  <a:srgbClr val="0000FF"/>
+                </a:solidFill>
+                <a:latin typeface="Consolas" panose="020B0609020204030204" pitchFamily="49" charset="0"/>
+              </a:rPr>
+              <a:t>bool</a:t>
+            </a:r>
+            <a:r>
+              <a:rPr lang="da-DK" dirty="0">
+                <a:solidFill>
+                  <a:srgbClr val="000000"/>
+                </a:solidFill>
+                <a:latin typeface="Consolas" panose="020B0609020204030204" pitchFamily="49" charset="0"/>
+              </a:rPr>
+              <a:t> Update(</a:t>
+            </a:r>
+            <a:r>
+              <a:rPr lang="da-DK" dirty="0">
+                <a:solidFill>
+                  <a:srgbClr val="2B91AF"/>
+                </a:solidFill>
+                <a:latin typeface="Consolas" panose="020B0609020204030204" pitchFamily="49" charset="0"/>
+              </a:rPr>
+              <a:t>Foo</a:t>
+            </a:r>
+            <a:r>
+              <a:rPr lang="da-DK" dirty="0">
+                <a:solidFill>
+                  <a:srgbClr val="000000"/>
+                </a:solidFill>
+                <a:latin typeface="Consolas" panose="020B0609020204030204" pitchFamily="49" charset="0"/>
+              </a:rPr>
+              <a:t> foo) </a:t>
+            </a:r>
+          </a:p>
+          <a:p>
+            <a:r>
+              <a:rPr lang="da-DK" dirty="0">
+                <a:solidFill>
+                  <a:srgbClr val="000000"/>
+                </a:solidFill>
+                <a:latin typeface="Consolas" panose="020B0609020204030204" pitchFamily="49" charset="0"/>
+              </a:rPr>
+              <a:t>    {</a:t>
+            </a:r>
+          </a:p>
+          <a:p>
+            <a:r>
+              <a:rPr lang="da-DK" dirty="0">
+                <a:solidFill>
+                  <a:srgbClr val="000000"/>
+                </a:solidFill>
+                <a:latin typeface="Consolas" panose="020B0609020204030204" pitchFamily="49" charset="0"/>
+              </a:rPr>
+              <a:t>        </a:t>
+            </a:r>
+            <a:r>
+              <a:rPr lang="da-DK" dirty="0">
+                <a:solidFill>
+                  <a:srgbClr val="008000"/>
+                </a:solidFill>
+                <a:latin typeface="Consolas" panose="020B0609020204030204" pitchFamily="49" charset="0"/>
+              </a:rPr>
+              <a:t>// Implementation</a:t>
+            </a:r>
+            <a:r>
+              <a:rPr lang="da-DK" dirty="0">
+                <a:solidFill>
+                  <a:srgbClr val="000000"/>
+                </a:solidFill>
+                <a:latin typeface="Consolas" panose="020B0609020204030204" pitchFamily="49" charset="0"/>
+              </a:rPr>
+              <a:t>  </a:t>
+            </a:r>
+          </a:p>
+          <a:p>
+            <a:r>
+              <a:rPr lang="da-DK" dirty="0">
+                <a:solidFill>
+                  <a:srgbClr val="000000"/>
+                </a:solidFill>
+                <a:latin typeface="Consolas" panose="020B0609020204030204" pitchFamily="49" charset="0"/>
+              </a:rPr>
+              <a:t>    }</a:t>
             </a:r>
           </a:p>
           <a:p>
@@ -11833,6 +13200,621 @@
 </file>
 
 <file path=ppt/slides/slide6.xml><?xml version="1.0" encoding="utf-8"?>
+<p:sld xmlns:a="http://schemas.openxmlformats.org/drawingml/2006/main" xmlns:r="http://schemas.openxmlformats.org/officeDocument/2006/relationships" xmlns:p="http://schemas.openxmlformats.org/presentationml/2006/main">
+  <p:cSld>
+    <p:spTree>
+      <p:nvGrpSpPr>
+        <p:cNvPr id="1" name=""/>
+        <p:cNvGrpSpPr/>
+        <p:nvPr/>
+      </p:nvGrpSpPr>
+      <p:grpSpPr>
+        <a:xfrm>
+          <a:off x="0" y="0"/>
+          <a:ext cx="0" cy="0"/>
+          <a:chOff x="0" y="0"/>
+          <a:chExt cx="0" cy="0"/>
+        </a:xfrm>
+      </p:grpSpPr>
+      <p:sp>
+        <p:nvSpPr>
+          <p:cNvPr id="2" name="Title 1">
+            <a:extLst>
+              <a:ext uri="{FF2B5EF4-FFF2-40B4-BE49-F238E27FC236}">
+                <a16:creationId xmlns:a16="http://schemas.microsoft.com/office/drawing/2014/main" id="{ABFD13A7-486D-4F94-ABC2-71A0A919959B}"/>
+              </a:ext>
+            </a:extLst>
+          </p:cNvPr>
+          <p:cNvSpPr>
+            <a:spLocks noGrp="1"/>
+          </p:cNvSpPr>
+          <p:nvPr>
+            <p:ph type="title"/>
+          </p:nvPr>
+        </p:nvSpPr>
+        <p:spPr/>
+        <p:txBody>
+          <a:bodyPr/>
+          <a:lstStyle/>
+          <a:p>
+            <a:r>
+              <a:rPr lang="da-DK" dirty="0"/>
+              <a:t>Using IFooService</a:t>
+            </a:r>
+            <a:endParaRPr lang="en-DK" dirty="0"/>
+          </a:p>
+        </p:txBody>
+      </p:sp>
+      <p:sp>
+        <p:nvSpPr>
+          <p:cNvPr id="4" name="Rectangle 3">
+            <a:extLst>
+              <a:ext uri="{FF2B5EF4-FFF2-40B4-BE49-F238E27FC236}">
+                <a16:creationId xmlns:a16="http://schemas.microsoft.com/office/drawing/2014/main" id="{60C0B868-542F-4473-B538-581AF2815333}"/>
+              </a:ext>
+            </a:extLst>
+          </p:cNvPr>
+          <p:cNvSpPr/>
+          <p:nvPr/>
+        </p:nvSpPr>
+        <p:spPr>
+          <a:xfrm>
+            <a:off x="914281" y="2125677"/>
+            <a:ext cx="7496412" cy="3416320"/>
+          </a:xfrm>
+          <a:prstGeom prst="rect">
+            <a:avLst/>
+          </a:prstGeom>
+        </p:spPr>
+        <p:txBody>
+          <a:bodyPr wrap="square">
+            <a:spAutoFit/>
+          </a:bodyPr>
+          <a:lstStyle/>
+          <a:p>
+            <a:r>
+              <a:rPr lang="da-DK" dirty="0">
+                <a:solidFill>
+                  <a:srgbClr val="0000FF"/>
+                </a:solidFill>
+                <a:latin typeface="Consolas" panose="020B0609020204030204" pitchFamily="49" charset="0"/>
+              </a:rPr>
+              <a:t>public</a:t>
+            </a:r>
+            <a:r>
+              <a:rPr lang="da-DK" dirty="0">
+                <a:solidFill>
+                  <a:srgbClr val="000000"/>
+                </a:solidFill>
+                <a:latin typeface="Consolas" panose="020B0609020204030204" pitchFamily="49" charset="0"/>
+              </a:rPr>
+              <a:t> </a:t>
+            </a:r>
+            <a:r>
+              <a:rPr lang="da-DK" dirty="0">
+                <a:solidFill>
+                  <a:srgbClr val="0000FF"/>
+                </a:solidFill>
+                <a:latin typeface="Consolas" panose="020B0609020204030204" pitchFamily="49" charset="0"/>
+              </a:rPr>
+              <a:t>class</a:t>
+            </a:r>
+            <a:r>
+              <a:rPr lang="da-DK" dirty="0">
+                <a:solidFill>
+                  <a:srgbClr val="000000"/>
+                </a:solidFill>
+                <a:latin typeface="Consolas" panose="020B0609020204030204" pitchFamily="49" charset="0"/>
+              </a:rPr>
+              <a:t> </a:t>
+            </a:r>
+            <a:r>
+              <a:rPr lang="da-DK" dirty="0">
+                <a:solidFill>
+                  <a:srgbClr val="2B91AF"/>
+                </a:solidFill>
+                <a:latin typeface="Consolas" panose="020B0609020204030204" pitchFamily="49" charset="0"/>
+              </a:rPr>
+              <a:t>Worker</a:t>
+            </a:r>
+            <a:endParaRPr lang="da-DK" dirty="0">
+              <a:solidFill>
+                <a:srgbClr val="000000"/>
+              </a:solidFill>
+              <a:latin typeface="Consolas" panose="020B0609020204030204" pitchFamily="49" charset="0"/>
+            </a:endParaRPr>
+          </a:p>
+          <a:p>
+            <a:r>
+              <a:rPr lang="en-DK" dirty="0">
+                <a:solidFill>
+                  <a:srgbClr val="000000"/>
+                </a:solidFill>
+                <a:latin typeface="Consolas" panose="020B0609020204030204" pitchFamily="49" charset="0"/>
+              </a:rPr>
+              <a:t>{</a:t>
+            </a:r>
+          </a:p>
+          <a:p>
+            <a:r>
+              <a:rPr lang="en-US" dirty="0">
+                <a:solidFill>
+                  <a:srgbClr val="000000"/>
+                </a:solidFill>
+                <a:latin typeface="Consolas" panose="020B0609020204030204" pitchFamily="49" charset="0"/>
+              </a:rPr>
+              <a:t>    </a:t>
+            </a:r>
+            <a:r>
+              <a:rPr lang="en-US" dirty="0">
+                <a:solidFill>
+                  <a:srgbClr val="0000FF"/>
+                </a:solidFill>
+                <a:latin typeface="Consolas" panose="020B0609020204030204" pitchFamily="49" charset="0"/>
+              </a:rPr>
+              <a:t>public</a:t>
+            </a:r>
+            <a:r>
+              <a:rPr lang="en-US" dirty="0">
+                <a:solidFill>
+                  <a:srgbClr val="000000"/>
+                </a:solidFill>
+                <a:latin typeface="Consolas" panose="020B0609020204030204" pitchFamily="49" charset="0"/>
+              </a:rPr>
+              <a:t> </a:t>
+            </a:r>
+            <a:r>
+              <a:rPr lang="en-US" dirty="0">
+                <a:solidFill>
+                  <a:srgbClr val="0000FF"/>
+                </a:solidFill>
+                <a:latin typeface="Consolas" panose="020B0609020204030204" pitchFamily="49" charset="0"/>
+              </a:rPr>
+              <a:t>bool</a:t>
+            </a:r>
+            <a:r>
+              <a:rPr lang="en-US" dirty="0">
+                <a:solidFill>
+                  <a:srgbClr val="000000"/>
+                </a:solidFill>
+                <a:latin typeface="Consolas" panose="020B0609020204030204" pitchFamily="49" charset="0"/>
+              </a:rPr>
+              <a:t> </a:t>
+            </a:r>
+            <a:r>
+              <a:rPr lang="en-US" dirty="0" err="1">
+                <a:solidFill>
+                  <a:srgbClr val="000000"/>
+                </a:solidFill>
+                <a:latin typeface="Consolas" panose="020B0609020204030204" pitchFamily="49" charset="0"/>
+              </a:rPr>
+              <a:t>DoWork</a:t>
+            </a:r>
+            <a:r>
+              <a:rPr lang="en-US" dirty="0">
+                <a:solidFill>
+                  <a:srgbClr val="000000"/>
+                </a:solidFill>
+                <a:latin typeface="Consolas" panose="020B0609020204030204" pitchFamily="49" charset="0"/>
+              </a:rPr>
+              <a:t>(</a:t>
+            </a:r>
+            <a:r>
+              <a:rPr lang="en-US" dirty="0" err="1">
+                <a:solidFill>
+                  <a:srgbClr val="2B91AF"/>
+                </a:solidFill>
+                <a:latin typeface="Consolas" panose="020B0609020204030204" pitchFamily="49" charset="0"/>
+              </a:rPr>
+              <a:t>FooDto</a:t>
+            </a:r>
+            <a:r>
+              <a:rPr lang="en-US" dirty="0">
+                <a:solidFill>
+                  <a:srgbClr val="000000"/>
+                </a:solidFill>
+                <a:latin typeface="Consolas" panose="020B0609020204030204" pitchFamily="49" charset="0"/>
+              </a:rPr>
+              <a:t> </a:t>
+            </a:r>
+            <a:r>
+              <a:rPr lang="en-US" dirty="0" err="1">
+                <a:solidFill>
+                  <a:srgbClr val="000000"/>
+                </a:solidFill>
+                <a:latin typeface="Consolas" panose="020B0609020204030204" pitchFamily="49" charset="0"/>
+              </a:rPr>
+              <a:t>fooDto</a:t>
+            </a:r>
+            <a:r>
+              <a:rPr lang="en-US" dirty="0">
+                <a:solidFill>
+                  <a:srgbClr val="000000"/>
+                </a:solidFill>
+                <a:latin typeface="Consolas" panose="020B0609020204030204" pitchFamily="49" charset="0"/>
+              </a:rPr>
+              <a:t>)</a:t>
+            </a:r>
+          </a:p>
+          <a:p>
+            <a:r>
+              <a:rPr lang="en-DK" dirty="0">
+                <a:solidFill>
+                  <a:srgbClr val="000000"/>
+                </a:solidFill>
+                <a:latin typeface="Consolas" panose="020B0609020204030204" pitchFamily="49" charset="0"/>
+              </a:rPr>
+              <a:t>    {</a:t>
+            </a:r>
+          </a:p>
+          <a:p>
+            <a:r>
+              <a:rPr lang="da-DK" dirty="0">
+                <a:solidFill>
+                  <a:srgbClr val="000000"/>
+                </a:solidFill>
+                <a:latin typeface="Consolas" panose="020B0609020204030204" pitchFamily="49" charset="0"/>
+              </a:rPr>
+              <a:t>        </a:t>
+            </a:r>
+            <a:r>
+              <a:rPr lang="da-DK" dirty="0">
+                <a:solidFill>
+                  <a:srgbClr val="2B91AF"/>
+                </a:solidFill>
+                <a:latin typeface="Consolas" panose="020B0609020204030204" pitchFamily="49" charset="0"/>
+              </a:rPr>
+              <a:t>IFooMapper</a:t>
+            </a:r>
+            <a:r>
+              <a:rPr lang="da-DK" dirty="0">
+                <a:solidFill>
+                  <a:srgbClr val="000000"/>
+                </a:solidFill>
+                <a:latin typeface="Consolas" panose="020B0609020204030204" pitchFamily="49" charset="0"/>
+              </a:rPr>
+              <a:t> mapper = </a:t>
+            </a:r>
+            <a:r>
+              <a:rPr lang="da-DK" dirty="0">
+                <a:solidFill>
+                  <a:srgbClr val="0000FF"/>
+                </a:solidFill>
+                <a:latin typeface="Consolas" panose="020B0609020204030204" pitchFamily="49" charset="0"/>
+              </a:rPr>
+              <a:t>new</a:t>
+            </a:r>
+            <a:r>
+              <a:rPr lang="da-DK" dirty="0">
+                <a:solidFill>
+                  <a:srgbClr val="000000"/>
+                </a:solidFill>
+                <a:latin typeface="Consolas" panose="020B0609020204030204" pitchFamily="49" charset="0"/>
+              </a:rPr>
+              <a:t> </a:t>
+            </a:r>
+            <a:r>
+              <a:rPr lang="da-DK" dirty="0">
+                <a:solidFill>
+                  <a:srgbClr val="2B91AF"/>
+                </a:solidFill>
+                <a:latin typeface="Consolas" panose="020B0609020204030204" pitchFamily="49" charset="0"/>
+              </a:rPr>
+              <a:t>FooMapper</a:t>
+            </a:r>
+            <a:r>
+              <a:rPr lang="da-DK" dirty="0">
+                <a:solidFill>
+                  <a:srgbClr val="000000"/>
+                </a:solidFill>
+                <a:latin typeface="Consolas" panose="020B0609020204030204" pitchFamily="49" charset="0"/>
+              </a:rPr>
+              <a:t>();</a:t>
+            </a:r>
+          </a:p>
+          <a:p>
+            <a:r>
+              <a:rPr lang="da-DK" dirty="0">
+                <a:solidFill>
+                  <a:srgbClr val="000000"/>
+                </a:solidFill>
+                <a:latin typeface="Consolas" panose="020B0609020204030204" pitchFamily="49" charset="0"/>
+              </a:rPr>
+              <a:t>        </a:t>
+            </a:r>
+            <a:r>
+              <a:rPr lang="da-DK" dirty="0">
+                <a:solidFill>
+                  <a:srgbClr val="0000FF"/>
+                </a:solidFill>
+                <a:latin typeface="Consolas" panose="020B0609020204030204" pitchFamily="49" charset="0"/>
+              </a:rPr>
+              <a:t>var</a:t>
+            </a:r>
+            <a:r>
+              <a:rPr lang="da-DK" dirty="0">
+                <a:solidFill>
+                  <a:srgbClr val="000000"/>
+                </a:solidFill>
+                <a:latin typeface="Consolas" panose="020B0609020204030204" pitchFamily="49" charset="0"/>
+              </a:rPr>
+              <a:t> foo = mapper.Map(fooDto);</a:t>
+            </a:r>
+          </a:p>
+          <a:p>
+            <a:endParaRPr lang="en-DK" dirty="0">
+              <a:solidFill>
+                <a:srgbClr val="000000"/>
+              </a:solidFill>
+              <a:latin typeface="Consolas" panose="020B0609020204030204" pitchFamily="49" charset="0"/>
+            </a:endParaRPr>
+          </a:p>
+          <a:p>
+            <a:r>
+              <a:rPr lang="da-DK" dirty="0">
+                <a:solidFill>
+                  <a:srgbClr val="000000"/>
+                </a:solidFill>
+                <a:latin typeface="Consolas" panose="020B0609020204030204" pitchFamily="49" charset="0"/>
+              </a:rPr>
+              <a:t>        </a:t>
+            </a:r>
+            <a:r>
+              <a:rPr lang="da-DK" dirty="0">
+                <a:solidFill>
+                  <a:srgbClr val="2B91AF"/>
+                </a:solidFill>
+                <a:latin typeface="Consolas" panose="020B0609020204030204" pitchFamily="49" charset="0"/>
+              </a:rPr>
+              <a:t>IFooService</a:t>
+            </a:r>
+            <a:r>
+              <a:rPr lang="da-DK" dirty="0">
+                <a:solidFill>
+                  <a:srgbClr val="000000"/>
+                </a:solidFill>
+                <a:latin typeface="Consolas" panose="020B0609020204030204" pitchFamily="49" charset="0"/>
+              </a:rPr>
+              <a:t> service = </a:t>
+            </a:r>
+            <a:r>
+              <a:rPr lang="da-DK" dirty="0">
+                <a:solidFill>
+                  <a:srgbClr val="0000FF"/>
+                </a:solidFill>
+                <a:latin typeface="Consolas" panose="020B0609020204030204" pitchFamily="49" charset="0"/>
+              </a:rPr>
+              <a:t>new</a:t>
+            </a:r>
+            <a:r>
+              <a:rPr lang="da-DK" dirty="0">
+                <a:solidFill>
+                  <a:srgbClr val="000000"/>
+                </a:solidFill>
+                <a:latin typeface="Consolas" panose="020B0609020204030204" pitchFamily="49" charset="0"/>
+              </a:rPr>
+              <a:t> </a:t>
+            </a:r>
+            <a:r>
+              <a:rPr lang="da-DK" dirty="0">
+                <a:solidFill>
+                  <a:srgbClr val="2B91AF"/>
+                </a:solidFill>
+                <a:latin typeface="Consolas" panose="020B0609020204030204" pitchFamily="49" charset="0"/>
+              </a:rPr>
+              <a:t>FooService</a:t>
+            </a:r>
+            <a:r>
+              <a:rPr lang="da-DK" dirty="0">
+                <a:solidFill>
+                  <a:srgbClr val="000000"/>
+                </a:solidFill>
+                <a:latin typeface="Consolas" panose="020B0609020204030204" pitchFamily="49" charset="0"/>
+              </a:rPr>
+              <a:t>();</a:t>
+            </a:r>
+          </a:p>
+          <a:p>
+            <a:endParaRPr lang="en-DK" dirty="0">
+              <a:solidFill>
+                <a:srgbClr val="000000"/>
+              </a:solidFill>
+              <a:latin typeface="Consolas" panose="020B0609020204030204" pitchFamily="49" charset="0"/>
+            </a:endParaRPr>
+          </a:p>
+          <a:p>
+            <a:r>
+              <a:rPr lang="da-DK" dirty="0">
+                <a:solidFill>
+                  <a:srgbClr val="000000"/>
+                </a:solidFill>
+                <a:latin typeface="Consolas" panose="020B0609020204030204" pitchFamily="49" charset="0"/>
+              </a:rPr>
+              <a:t>        </a:t>
+            </a:r>
+            <a:r>
+              <a:rPr lang="da-DK" dirty="0">
+                <a:solidFill>
+                  <a:srgbClr val="0000FF"/>
+                </a:solidFill>
+                <a:latin typeface="Consolas" panose="020B0609020204030204" pitchFamily="49" charset="0"/>
+              </a:rPr>
+              <a:t>return</a:t>
+            </a:r>
+            <a:r>
+              <a:rPr lang="da-DK" dirty="0">
+                <a:solidFill>
+                  <a:srgbClr val="000000"/>
+                </a:solidFill>
+                <a:latin typeface="Consolas" panose="020B0609020204030204" pitchFamily="49" charset="0"/>
+              </a:rPr>
+              <a:t> service.Update(foo);</a:t>
+            </a:r>
+          </a:p>
+          <a:p>
+            <a:r>
+              <a:rPr lang="en-DK" dirty="0">
+                <a:solidFill>
+                  <a:srgbClr val="000000"/>
+                </a:solidFill>
+                <a:latin typeface="Consolas" panose="020B0609020204030204" pitchFamily="49" charset="0"/>
+              </a:rPr>
+              <a:t>    }</a:t>
+            </a:r>
+          </a:p>
+          <a:p>
+            <a:r>
+              <a:rPr lang="en-DK" dirty="0">
+                <a:solidFill>
+                  <a:srgbClr val="000000"/>
+                </a:solidFill>
+                <a:latin typeface="Consolas" panose="020B0609020204030204" pitchFamily="49" charset="0"/>
+              </a:rPr>
+              <a:t>}</a:t>
+            </a:r>
+            <a:endParaRPr lang="en-DK" dirty="0"/>
+          </a:p>
+        </p:txBody>
+      </p:sp>
+      <p:pic>
+        <p:nvPicPr>
+          <p:cNvPr id="1026" name="Picture 2" descr="peanuts-aargh-baseball">
+            <a:extLst>
+              <a:ext uri="{FF2B5EF4-FFF2-40B4-BE49-F238E27FC236}">
+                <a16:creationId xmlns:a16="http://schemas.microsoft.com/office/drawing/2014/main" id="{A54CE3BE-DF6D-4BE2-9AEF-32819ADFF208}"/>
+              </a:ext>
+            </a:extLst>
+          </p:cNvPr>
+          <p:cNvPicPr>
+            <a:picLocks noChangeAspect="1" noChangeArrowheads="1"/>
+          </p:cNvPicPr>
+          <p:nvPr/>
+        </p:nvPicPr>
+        <p:blipFill>
+          <a:blip r:embed="rId2">
+            <a:extLst>
+              <a:ext uri="{28A0092B-C50C-407E-A947-70E740481C1C}">
+                <a14:useLocalDpi xmlns:a14="http://schemas.microsoft.com/office/drawing/2010/main" val="0"/>
+              </a:ext>
+            </a:extLst>
+          </a:blip>
+          <a:srcRect/>
+          <a:stretch>
+            <a:fillRect/>
+          </a:stretch>
+        </p:blipFill>
+        <p:spPr bwMode="auto">
+          <a:xfrm>
+            <a:off x="2321650" y="571216"/>
+            <a:ext cx="4681676" cy="5852094"/>
+          </a:xfrm>
+          <a:prstGeom prst="rect">
+            <a:avLst/>
+          </a:prstGeom>
+          <a:noFill/>
+          <a:extLst>
+            <a:ext uri="{909E8E84-426E-40DD-AFC4-6F175D3DCCD1}">
+              <a14:hiddenFill xmlns:a14="http://schemas.microsoft.com/office/drawing/2010/main">
+                <a:solidFill>
+                  <a:srgbClr val="FFFFFF"/>
+                </a:solidFill>
+              </a14:hiddenFill>
+            </a:ext>
+          </a:extLst>
+        </p:spPr>
+      </p:pic>
+    </p:spTree>
+    <p:extLst>
+      <p:ext uri="{BB962C8B-B14F-4D97-AF65-F5344CB8AC3E}">
+        <p14:creationId xmlns:p14="http://schemas.microsoft.com/office/powerpoint/2010/main" val="2456860378"/>
+      </p:ext>
+    </p:extLst>
+  </p:cSld>
+  <p:clrMapOvr>
+    <a:masterClrMapping/>
+  </p:clrMapOvr>
+  <p:transition>
+    <p:fade/>
+  </p:transition>
+  <p:timing>
+    <p:tnLst>
+      <p:par>
+        <p:cTn id="1" dur="indefinite" restart="never" nodeType="tmRoot">
+          <p:childTnLst>
+            <p:seq concurrent="1" nextAc="seek">
+              <p:cTn id="2" dur="indefinite" nodeType="mainSeq">
+                <p:childTnLst>
+                  <p:par>
+                    <p:cTn id="3" fill="hold">
+                      <p:stCondLst>
+                        <p:cond delay="indefinite"/>
+                      </p:stCondLst>
+                      <p:childTnLst>
+                        <p:par>
+                          <p:cTn id="4" fill="hold">
+                            <p:stCondLst>
+                              <p:cond delay="0"/>
+                            </p:stCondLst>
+                            <p:childTnLst>
+                              <p:par>
+                                <p:cTn id="5" presetID="1" presetClass="entr" presetSubtype="0" fill="hold" nodeType="clickEffect">
+                                  <p:stCondLst>
+                                    <p:cond delay="0"/>
+                                  </p:stCondLst>
+                                  <p:childTnLst>
+                                    <p:set>
+                                      <p:cBhvr>
+                                        <p:cTn id="6" dur="1" fill="hold">
+                                          <p:stCondLst>
+                                            <p:cond delay="0"/>
+                                          </p:stCondLst>
+                                        </p:cTn>
+                                        <p:tgtEl>
+                                          <p:spTgt spid="1026"/>
+                                        </p:tgtEl>
+                                        <p:attrNameLst>
+                                          <p:attrName>style.visibility</p:attrName>
+                                        </p:attrNameLst>
+                                      </p:cBhvr>
+                                      <p:to>
+                                        <p:strVal val="visible"/>
+                                      </p:to>
+                                    </p:set>
+                                  </p:childTnLst>
+                                </p:cTn>
+                              </p:par>
+                            </p:childTnLst>
+                          </p:cTn>
+                        </p:par>
+                      </p:childTnLst>
+                    </p:cTn>
+                  </p:par>
+                </p:childTnLst>
+              </p:cTn>
+              <p:prevCondLst>
+                <p:cond evt="onPrev" delay="0">
+                  <p:tgtEl>
+                    <p:sldTgt/>
+                  </p:tgtEl>
+                </p:cond>
+              </p:prevCondLst>
+              <p:nextCondLst>
+                <p:cond evt="onNext" delay="0">
+                  <p:tgtEl>
+                    <p:sldTgt/>
+                  </p:tgtEl>
+                </p:cond>
+              </p:nextCondLst>
+            </p:seq>
+          </p:childTnLst>
+        </p:cTn>
+      </p:par>
+    </p:tnLst>
+  </p:timing>
+</p:sld>
+</file>
+
+<file path=ppt/slides/slide7.xml><?xml version="1.0" encoding="utf-8"?>
 <p:sld xmlns:a="http://schemas.openxmlformats.org/drawingml/2006/main" xmlns:r="http://schemas.openxmlformats.org/officeDocument/2006/relationships" xmlns:p="http://schemas.openxmlformats.org/presentationml/2006/main">
   <p:cSld>
     <p:spTree>
@@ -12606,7 +14588,7 @@
 </p:sld>
 </file>
 
-<file path=ppt/slides/slide7.xml><?xml version="1.0" encoding="utf-8"?>
+<file path=ppt/slides/slide8.xml><?xml version="1.0" encoding="utf-8"?>
 <p:sld xmlns:a="http://schemas.openxmlformats.org/drawingml/2006/main" xmlns:r="http://schemas.openxmlformats.org/officeDocument/2006/relationships" xmlns:p="http://schemas.openxmlformats.org/presentationml/2006/main">
   <p:cSld>
     <p:spTree>
@@ -12645,353 +14627,6 @@
             <a:r>
               <a:rPr lang="da-DK" dirty="0" err="1"/>
               <a:t>Injection</a:t>
-            </a:r>
-            <a:endParaRPr lang="da-DK" dirty="0"/>
-          </a:p>
-        </p:txBody>
-      </p:sp>
-      <p:sp>
-        <p:nvSpPr>
-          <p:cNvPr id="3" name="Rectangle 2"/>
-          <p:cNvSpPr/>
-          <p:nvPr/>
-        </p:nvSpPr>
-        <p:spPr>
-          <a:xfrm>
-            <a:off x="960002" y="1942799"/>
-            <a:ext cx="7406559" cy="2585323"/>
-          </a:xfrm>
-          <a:prstGeom prst="rect">
-            <a:avLst/>
-          </a:prstGeom>
-        </p:spPr>
-        <p:txBody>
-          <a:bodyPr wrap="square">
-            <a:spAutoFit/>
-          </a:bodyPr>
-          <a:lstStyle/>
-          <a:p>
-            <a:r>
-              <a:rPr lang="da-DK" dirty="0">
-                <a:solidFill>
-                  <a:srgbClr val="0000FF"/>
-                </a:solidFill>
-                <a:latin typeface="Consolas" panose="020B0609020204030204" pitchFamily="49" charset="0"/>
-              </a:rPr>
-              <a:t>public</a:t>
-            </a:r>
-            <a:r>
-              <a:rPr lang="da-DK" dirty="0">
-                <a:solidFill>
-                  <a:srgbClr val="000000"/>
-                </a:solidFill>
-                <a:latin typeface="Consolas" panose="020B0609020204030204" pitchFamily="49" charset="0"/>
-              </a:rPr>
-              <a:t> </a:t>
-            </a:r>
-            <a:r>
-              <a:rPr lang="da-DK" dirty="0">
-                <a:solidFill>
-                  <a:srgbClr val="0000FF"/>
-                </a:solidFill>
-                <a:latin typeface="Consolas" panose="020B0609020204030204" pitchFamily="49" charset="0"/>
-              </a:rPr>
-              <a:t>class</a:t>
-            </a:r>
-            <a:r>
-              <a:rPr lang="da-DK" dirty="0">
-                <a:solidFill>
-                  <a:srgbClr val="000000"/>
-                </a:solidFill>
-                <a:latin typeface="Consolas" panose="020B0609020204030204" pitchFamily="49" charset="0"/>
-              </a:rPr>
-              <a:t> </a:t>
-            </a:r>
-            <a:r>
-              <a:rPr lang="da-DK" dirty="0">
-                <a:solidFill>
-                  <a:srgbClr val="2B91AF"/>
-                </a:solidFill>
-                <a:latin typeface="Consolas" panose="020B0609020204030204" pitchFamily="49" charset="0"/>
-              </a:rPr>
-              <a:t>Worker</a:t>
-            </a:r>
-            <a:endParaRPr lang="da-DK" dirty="0">
-              <a:solidFill>
-                <a:srgbClr val="000000"/>
-              </a:solidFill>
-              <a:latin typeface="Consolas" panose="020B0609020204030204" pitchFamily="49" charset="0"/>
-            </a:endParaRPr>
-          </a:p>
-          <a:p>
-            <a:r>
-              <a:rPr lang="da-DK" dirty="0">
-                <a:solidFill>
-                  <a:srgbClr val="000000"/>
-                </a:solidFill>
-                <a:latin typeface="Consolas" panose="020B0609020204030204" pitchFamily="49" charset="0"/>
-              </a:rPr>
-              <a:t>{</a:t>
-            </a:r>
-          </a:p>
-          <a:p>
-            <a:r>
-              <a:rPr lang="en-US" dirty="0">
-                <a:solidFill>
-                  <a:srgbClr val="000000"/>
-                </a:solidFill>
-                <a:latin typeface="Consolas" panose="020B0609020204030204" pitchFamily="49" charset="0"/>
-              </a:rPr>
-              <a:t>    </a:t>
-            </a:r>
-            <a:r>
-              <a:rPr lang="en-US" dirty="0">
-                <a:solidFill>
-                  <a:srgbClr val="0000FF"/>
-                </a:solidFill>
-                <a:latin typeface="Consolas" panose="020B0609020204030204" pitchFamily="49" charset="0"/>
-              </a:rPr>
-              <a:t>public</a:t>
-            </a:r>
-            <a:r>
-              <a:rPr lang="en-US" dirty="0">
-                <a:solidFill>
-                  <a:srgbClr val="000000"/>
-                </a:solidFill>
-                <a:latin typeface="Consolas" panose="020B0609020204030204" pitchFamily="49" charset="0"/>
-              </a:rPr>
-              <a:t> </a:t>
-            </a:r>
-            <a:r>
-              <a:rPr lang="en-US" dirty="0" err="1">
-                <a:solidFill>
-                  <a:srgbClr val="2B91AF"/>
-                </a:solidFill>
-                <a:latin typeface="Consolas" panose="020B0609020204030204" pitchFamily="49" charset="0"/>
-              </a:rPr>
-              <a:t>IFooService</a:t>
-            </a:r>
-            <a:r>
-              <a:rPr lang="en-US" dirty="0">
-                <a:solidFill>
-                  <a:srgbClr val="000000"/>
-                </a:solidFill>
-                <a:latin typeface="Consolas" panose="020B0609020204030204" pitchFamily="49" charset="0"/>
-              </a:rPr>
-              <a:t> Service { </a:t>
-            </a:r>
-            <a:r>
-              <a:rPr lang="en-US" dirty="0">
-                <a:solidFill>
-                  <a:srgbClr val="0000FF"/>
-                </a:solidFill>
-                <a:latin typeface="Consolas" panose="020B0609020204030204" pitchFamily="49" charset="0"/>
-              </a:rPr>
-              <a:t>private</a:t>
-            </a:r>
-            <a:r>
-              <a:rPr lang="en-US" dirty="0">
-                <a:solidFill>
-                  <a:srgbClr val="000000"/>
-                </a:solidFill>
-                <a:latin typeface="Consolas" panose="020B0609020204030204" pitchFamily="49" charset="0"/>
-              </a:rPr>
-              <a:t> </a:t>
-            </a:r>
-            <a:r>
-              <a:rPr lang="en-US" dirty="0">
-                <a:solidFill>
-                  <a:srgbClr val="0000FF"/>
-                </a:solidFill>
-                <a:latin typeface="Consolas" panose="020B0609020204030204" pitchFamily="49" charset="0"/>
-              </a:rPr>
-              <a:t>get</a:t>
-            </a:r>
-            <a:r>
-              <a:rPr lang="en-US" dirty="0">
-                <a:solidFill>
-                  <a:srgbClr val="000000"/>
-                </a:solidFill>
-                <a:latin typeface="Consolas" panose="020B0609020204030204" pitchFamily="49" charset="0"/>
-              </a:rPr>
-              <a:t>; </a:t>
-            </a:r>
-            <a:r>
-              <a:rPr lang="en-US" dirty="0">
-                <a:solidFill>
-                  <a:srgbClr val="0000FF"/>
-                </a:solidFill>
-                <a:latin typeface="Consolas" panose="020B0609020204030204" pitchFamily="49" charset="0"/>
-              </a:rPr>
-              <a:t>set</a:t>
-            </a:r>
-            <a:r>
-              <a:rPr lang="en-US" dirty="0">
-                <a:solidFill>
-                  <a:srgbClr val="000000"/>
-                </a:solidFill>
-                <a:latin typeface="Consolas" panose="020B0609020204030204" pitchFamily="49" charset="0"/>
-              </a:rPr>
-              <a:t>; }</a:t>
-            </a:r>
-          </a:p>
-          <a:p>
-            <a:endParaRPr lang="da-DK" dirty="0">
-              <a:solidFill>
-                <a:srgbClr val="000000"/>
-              </a:solidFill>
-              <a:latin typeface="Consolas" panose="020B0609020204030204" pitchFamily="49" charset="0"/>
-            </a:endParaRPr>
-          </a:p>
-          <a:p>
-            <a:r>
-              <a:rPr lang="en-US" dirty="0">
-                <a:solidFill>
-                  <a:srgbClr val="000000"/>
-                </a:solidFill>
-                <a:latin typeface="Consolas" panose="020B0609020204030204" pitchFamily="49" charset="0"/>
-              </a:rPr>
-              <a:t>    </a:t>
-            </a:r>
-            <a:r>
-              <a:rPr lang="en-US" dirty="0">
-                <a:solidFill>
-                  <a:srgbClr val="0000FF"/>
-                </a:solidFill>
-                <a:latin typeface="Consolas" panose="020B0609020204030204" pitchFamily="49" charset="0"/>
-              </a:rPr>
-              <a:t>public</a:t>
-            </a:r>
-            <a:r>
-              <a:rPr lang="en-US" dirty="0">
-                <a:solidFill>
-                  <a:srgbClr val="000000"/>
-                </a:solidFill>
-                <a:latin typeface="Consolas" panose="020B0609020204030204" pitchFamily="49" charset="0"/>
-              </a:rPr>
-              <a:t> </a:t>
-            </a:r>
-            <a:r>
-              <a:rPr lang="en-US" dirty="0">
-                <a:solidFill>
-                  <a:srgbClr val="0000FF"/>
-                </a:solidFill>
-                <a:latin typeface="Consolas" panose="020B0609020204030204" pitchFamily="49" charset="0"/>
-              </a:rPr>
-              <a:t>void</a:t>
-            </a:r>
-            <a:r>
-              <a:rPr lang="en-US" dirty="0">
-                <a:solidFill>
-                  <a:srgbClr val="000000"/>
-                </a:solidFill>
-                <a:latin typeface="Consolas" panose="020B0609020204030204" pitchFamily="49" charset="0"/>
-              </a:rPr>
-              <a:t> </a:t>
-            </a:r>
-            <a:r>
-              <a:rPr lang="en-US" dirty="0" err="1">
-                <a:solidFill>
-                  <a:srgbClr val="000000"/>
-                </a:solidFill>
-                <a:latin typeface="Consolas" panose="020B0609020204030204" pitchFamily="49" charset="0"/>
-              </a:rPr>
-              <a:t>DoWork</a:t>
-            </a:r>
-            <a:r>
-              <a:rPr lang="en-US" dirty="0">
-                <a:solidFill>
-                  <a:srgbClr val="000000"/>
-                </a:solidFill>
-                <a:latin typeface="Consolas" panose="020B0609020204030204" pitchFamily="49" charset="0"/>
-              </a:rPr>
-              <a:t>(</a:t>
-            </a:r>
-            <a:r>
-              <a:rPr lang="en-US" dirty="0" err="1">
-                <a:solidFill>
-                  <a:srgbClr val="2B91AF"/>
-                </a:solidFill>
-                <a:latin typeface="Consolas" panose="020B0609020204030204" pitchFamily="49" charset="0"/>
-              </a:rPr>
-              <a:t>FooDto</a:t>
-            </a:r>
-            <a:r>
-              <a:rPr lang="en-US" dirty="0">
-                <a:solidFill>
-                  <a:srgbClr val="000000"/>
-                </a:solidFill>
-                <a:latin typeface="Consolas" panose="020B0609020204030204" pitchFamily="49" charset="0"/>
-              </a:rPr>
-              <a:t> foo)</a:t>
-            </a:r>
-          </a:p>
-          <a:p>
-            <a:r>
-              <a:rPr lang="da-DK" dirty="0">
-                <a:solidFill>
-                  <a:srgbClr val="000000"/>
-                </a:solidFill>
-                <a:latin typeface="Consolas" panose="020B0609020204030204" pitchFamily="49" charset="0"/>
-              </a:rPr>
-              <a:t>    {</a:t>
-            </a:r>
-          </a:p>
-          <a:p>
-            <a:r>
-              <a:rPr lang="da-DK" dirty="0">
-                <a:solidFill>
-                  <a:srgbClr val="000000"/>
-                </a:solidFill>
-                <a:latin typeface="Consolas" panose="020B0609020204030204" pitchFamily="49" charset="0"/>
-              </a:rPr>
-              <a:t>        </a:t>
-            </a:r>
-            <a:r>
-              <a:rPr lang="da-DK" dirty="0">
-                <a:solidFill>
-                  <a:srgbClr val="008000"/>
-                </a:solidFill>
-                <a:latin typeface="Consolas" panose="020B0609020204030204" pitchFamily="49" charset="0"/>
-              </a:rPr>
-              <a:t>// </a:t>
-            </a:r>
-            <a:r>
-              <a:rPr lang="da-DK" dirty="0" err="1">
-                <a:solidFill>
-                  <a:srgbClr val="008000"/>
-                </a:solidFill>
-                <a:latin typeface="Consolas" panose="020B0609020204030204" pitchFamily="49" charset="0"/>
-              </a:rPr>
-              <a:t>Implementation</a:t>
-            </a:r>
-            <a:endParaRPr lang="da-DK" dirty="0">
-              <a:solidFill>
-                <a:srgbClr val="000000"/>
-              </a:solidFill>
-              <a:latin typeface="Consolas" panose="020B0609020204030204" pitchFamily="49" charset="0"/>
-            </a:endParaRPr>
-          </a:p>
-          <a:p>
-            <a:r>
-              <a:rPr lang="da-DK" dirty="0">
-                <a:solidFill>
-                  <a:srgbClr val="000000"/>
-                </a:solidFill>
-                <a:latin typeface="Consolas" panose="020B0609020204030204" pitchFamily="49" charset="0"/>
-              </a:rPr>
-              <a:t>    }</a:t>
-            </a:r>
-          </a:p>
-          <a:p>
-            <a:r>
-              <a:rPr lang="da-DK" dirty="0">
-                <a:solidFill>
-                  <a:srgbClr val="000000"/>
-                </a:solidFill>
-                <a:latin typeface="Consolas" panose="020B0609020204030204" pitchFamily="49" charset="0"/>
-              </a:rPr>
-              <a:t>}</a:t>
             </a:r>
             <a:endParaRPr lang="da-DK" dirty="0"/>
           </a:p>
@@ -13079,76 +14714,22 @@
           </a:p>
         </p:txBody>
       </p:sp>
-    </p:spTree>
-    <p:extLst>
-      <p:ext uri="{BB962C8B-B14F-4D97-AF65-F5344CB8AC3E}">
-        <p14:creationId xmlns:p14="http://schemas.microsoft.com/office/powerpoint/2010/main" val="548886773"/>
-      </p:ext>
-    </p:extLst>
-  </p:cSld>
-  <p:clrMapOvr>
-    <a:masterClrMapping/>
-  </p:clrMapOvr>
-  <p:transition>
-    <p:fade/>
-  </p:transition>
-</p:sld>
-</file>
-
-<file path=ppt/slides/slide8.xml><?xml version="1.0" encoding="utf-8"?>
-<p:sld xmlns:a="http://schemas.openxmlformats.org/drawingml/2006/main" xmlns:r="http://schemas.openxmlformats.org/officeDocument/2006/relationships" xmlns:p="http://schemas.openxmlformats.org/presentationml/2006/main">
-  <p:cSld>
-    <p:spTree>
-      <p:nvGrpSpPr>
-        <p:cNvPr id="1" name=""/>
-        <p:cNvGrpSpPr/>
-        <p:nvPr/>
-      </p:nvGrpSpPr>
-      <p:grpSpPr>
-        <a:xfrm>
-          <a:off x="0" y="0"/>
-          <a:ext cx="0" cy="0"/>
-          <a:chOff x="0" y="0"/>
-          <a:chExt cx="0" cy="0"/>
-        </a:xfrm>
-      </p:grpSpPr>
       <p:sp>
         <p:nvSpPr>
-          <p:cNvPr id="2" name="Title 1"/>
-          <p:cNvSpPr>
-            <a:spLocks noGrp="1"/>
-          </p:cNvSpPr>
-          <p:nvPr>
-            <p:ph type="title"/>
-          </p:nvPr>
-        </p:nvSpPr>
-        <p:spPr/>
-        <p:txBody>
-          <a:bodyPr/>
-          <a:lstStyle/>
-          <a:p>
-            <a:r>
-              <a:rPr lang="da-DK" dirty="0"/>
-              <a:t>Interface </a:t>
-            </a:r>
-            <a:r>
-              <a:rPr lang="da-DK" dirty="0" err="1"/>
-              <a:t>Injection</a:t>
-            </a:r>
-            <a:endParaRPr lang="da-DK" dirty="0"/>
-          </a:p>
-        </p:txBody>
-      </p:sp>
-      <p:sp>
-        <p:nvSpPr>
-          <p:cNvPr id="3" name="Rectangle 2"/>
+          <p:cNvPr id="5" name="Rectangle 4">
+            <a:extLst>
+              <a:ext uri="{FF2B5EF4-FFF2-40B4-BE49-F238E27FC236}">
+                <a16:creationId xmlns:a16="http://schemas.microsoft.com/office/drawing/2014/main" id="{027006C7-28EE-474B-A282-B2C93F6BEFF4}"/>
+              </a:ext>
+            </a:extLst>
+          </p:cNvPr>
           <p:cNvSpPr/>
           <p:nvPr/>
         </p:nvSpPr>
         <p:spPr>
           <a:xfrm>
-            <a:off x="2377306" y="3222945"/>
-            <a:ext cx="4571950" cy="1200329"/>
+            <a:off x="821257" y="2009207"/>
+            <a:ext cx="7682462" cy="2585323"/>
           </a:xfrm>
           <a:prstGeom prst="rect">
             <a:avLst/>
@@ -13185,7 +14766,7 @@
                 </a:solidFill>
                 <a:latin typeface="Consolas" panose="020B0609020204030204" pitchFamily="49" charset="0"/>
               </a:rPr>
-              <a:t>interface</a:t>
+              <a:t>class</a:t>
             </a:r>
             <a:r>
               <a:rPr lang="da-DK" dirty="0">
@@ -13197,56 +14778,144 @@
               <a:t> </a:t>
             </a:r>
             <a:r>
-              <a:rPr lang="da-DK" dirty="0" err="1">
+              <a:rPr lang="da-DK" dirty="0">
                 <a:solidFill>
                   <a:srgbClr val="2B91AF"/>
                 </a:solidFill>
                 <a:latin typeface="Consolas" panose="020B0609020204030204" pitchFamily="49" charset="0"/>
               </a:rPr>
-              <a:t>IServiceSetter</a:t>
-            </a:r>
-            <a:r>
-              <a:rPr lang="da-DK" dirty="0">
-                <a:solidFill>
-                  <a:srgbClr val="000000"/>
-                </a:solidFill>
-                <a:latin typeface="Consolas" panose="020B0609020204030204" pitchFamily="49" charset="0"/>
-              </a:rPr>
-              <a:t>&lt;</a:t>
-            </a:r>
-            <a:r>
-              <a:rPr lang="da-DK" dirty="0">
+              <a:t>Worker</a:t>
+            </a:r>
+            <a:endParaRPr lang="da-DK" dirty="0">
+              <a:solidFill>
+                <a:srgbClr val="000000"/>
+              </a:solidFill>
+              <a:latin typeface="Consolas" panose="020B0609020204030204" pitchFamily="49" charset="0"/>
+            </a:endParaRPr>
+          </a:p>
+          <a:p>
+            <a:r>
+              <a:rPr lang="en-DK" dirty="0">
+                <a:solidFill>
+                  <a:srgbClr val="000000"/>
+                </a:solidFill>
+                <a:latin typeface="Consolas" panose="020B0609020204030204" pitchFamily="49" charset="0"/>
+              </a:rPr>
+              <a:t>{</a:t>
+            </a:r>
+          </a:p>
+          <a:p>
+            <a:r>
+              <a:rPr lang="en-US" dirty="0">
+                <a:solidFill>
+                  <a:srgbClr val="000000"/>
+                </a:solidFill>
+                <a:latin typeface="Consolas" panose="020B0609020204030204" pitchFamily="49" charset="0"/>
+              </a:rPr>
+              <a:t>    </a:t>
+            </a:r>
+            <a:r>
+              <a:rPr lang="en-US" dirty="0">
+                <a:solidFill>
+                  <a:srgbClr val="0000FF"/>
+                </a:solidFill>
+                <a:latin typeface="Consolas" panose="020B0609020204030204" pitchFamily="49" charset="0"/>
+              </a:rPr>
+              <a:t>public</a:t>
+            </a:r>
+            <a:r>
+              <a:rPr lang="en-US" dirty="0">
+                <a:solidFill>
+                  <a:srgbClr val="000000"/>
+                </a:solidFill>
+                <a:latin typeface="Consolas" panose="020B0609020204030204" pitchFamily="49" charset="0"/>
+              </a:rPr>
+              <a:t> </a:t>
+            </a:r>
+            <a:r>
+              <a:rPr lang="en-US" dirty="0" err="1">
                 <a:solidFill>
                   <a:srgbClr val="2B91AF"/>
                 </a:solidFill>
                 <a:latin typeface="Consolas" panose="020B0609020204030204" pitchFamily="49" charset="0"/>
               </a:rPr>
-              <a:t>T</a:t>
-            </a:r>
-            <a:r>
-              <a:rPr lang="da-DK" dirty="0">
-                <a:solidFill>
-                  <a:srgbClr val="000000"/>
-                </a:solidFill>
-                <a:latin typeface="Consolas" panose="020B0609020204030204" pitchFamily="49" charset="0"/>
-              </a:rPr>
-              <a:t>&gt;</a:t>
-            </a:r>
-          </a:p>
-          <a:p>
-            <a:r>
-              <a:rPr lang="da-DK" dirty="0">
-                <a:solidFill>
-                  <a:srgbClr val="000000"/>
-                </a:solidFill>
-                <a:latin typeface="Consolas" panose="020B0609020204030204" pitchFamily="49" charset="0"/>
-              </a:rPr>
-              <a:t>{</a:t>
-            </a:r>
-          </a:p>
-          <a:p>
-            <a:r>
-              <a:rPr lang="da-DK" dirty="0">
+              <a:t>IFooService</a:t>
+            </a:r>
+            <a:r>
+              <a:rPr lang="en-US" dirty="0">
+                <a:solidFill>
+                  <a:srgbClr val="000000"/>
+                </a:solidFill>
+                <a:latin typeface="Consolas" panose="020B0609020204030204" pitchFamily="49" charset="0"/>
+              </a:rPr>
+              <a:t> Service { </a:t>
+            </a:r>
+            <a:r>
+              <a:rPr lang="en-US" dirty="0">
+                <a:solidFill>
+                  <a:srgbClr val="0000FF"/>
+                </a:solidFill>
+                <a:latin typeface="Consolas" panose="020B0609020204030204" pitchFamily="49" charset="0"/>
+              </a:rPr>
+              <a:t>private</a:t>
+            </a:r>
+            <a:r>
+              <a:rPr lang="en-US" dirty="0">
+                <a:solidFill>
+                  <a:srgbClr val="000000"/>
+                </a:solidFill>
+                <a:latin typeface="Consolas" panose="020B0609020204030204" pitchFamily="49" charset="0"/>
+              </a:rPr>
+              <a:t> </a:t>
+            </a:r>
+            <a:r>
+              <a:rPr lang="en-US" dirty="0">
+                <a:solidFill>
+                  <a:srgbClr val="0000FF"/>
+                </a:solidFill>
+                <a:latin typeface="Consolas" panose="020B0609020204030204" pitchFamily="49" charset="0"/>
+              </a:rPr>
+              <a:t>get</a:t>
+            </a:r>
+            <a:r>
+              <a:rPr lang="en-US" dirty="0">
+                <a:solidFill>
+                  <a:srgbClr val="000000"/>
+                </a:solidFill>
+                <a:latin typeface="Consolas" panose="020B0609020204030204" pitchFamily="49" charset="0"/>
+              </a:rPr>
+              <a:t>; </a:t>
+            </a:r>
+            <a:r>
+              <a:rPr lang="en-US" dirty="0">
+                <a:solidFill>
+                  <a:srgbClr val="0000FF"/>
+                </a:solidFill>
+                <a:latin typeface="Consolas" panose="020B0609020204030204" pitchFamily="49" charset="0"/>
+              </a:rPr>
+              <a:t>set</a:t>
+            </a:r>
+            <a:r>
+              <a:rPr lang="en-US" dirty="0">
+                <a:solidFill>
+                  <a:srgbClr val="000000"/>
+                </a:solidFill>
+                <a:latin typeface="Consolas" panose="020B0609020204030204" pitchFamily="49" charset="0"/>
+              </a:rPr>
+              <a:t>; }</a:t>
+            </a:r>
+          </a:p>
+          <a:p>
+            <a:endParaRPr lang="en-DK" dirty="0">
+              <a:solidFill>
+                <a:srgbClr val="000000"/>
+              </a:solidFill>
+              <a:latin typeface="Consolas" panose="020B0609020204030204" pitchFamily="49" charset="0"/>
+            </a:endParaRPr>
+          </a:p>
+          <a:p>
+            <a:r>
+              <a:rPr lang="en-US" dirty="0">
                 <a:solidFill>
                   <a:srgbClr val="000000"/>
                 </a:solidFill>
@@ -13255,16 +14924,34 @@
               <a:t>    </a:t>
             </a:r>
             <a:r>
-              <a:rPr lang="da-DK" dirty="0" err="1">
+              <a:rPr lang="en-US" dirty="0">
                 <a:solidFill>
                   <a:srgbClr val="0000FF"/>
                 </a:solidFill>
                 <a:latin typeface="Consolas" panose="020B0609020204030204" pitchFamily="49" charset="0"/>
               </a:rPr>
+              <a:t>public</a:t>
+            </a:r>
+            <a:r>
+              <a:rPr lang="en-US" dirty="0">
+                <a:solidFill>
+                  <a:srgbClr val="000000"/>
+                </a:solidFill>
+                <a:latin typeface="Consolas" panose="020B0609020204030204" pitchFamily="49" charset="0"/>
+              </a:rPr>
+              <a:t> </a:t>
+            </a:r>
+            <a:r>
+              <a:rPr lang="en-US" dirty="0">
+                <a:solidFill>
+                  <a:srgbClr val="0000FF"/>
+                </a:solidFill>
+                <a:latin typeface="Consolas" panose="020B0609020204030204" pitchFamily="49" charset="0"/>
+              </a:rPr>
               <a:t>void</a:t>
             </a:r>
             <a:r>
-              <a:rPr lang="da-DK" dirty="0">
+              <a:rPr lang="en-US" dirty="0">
                 <a:solidFill>
                   <a:srgbClr val="000000"/>
                 </a:solidFill>
@@ -13273,16 +14960,16 @@
               <a:t> </a:t>
             </a:r>
             <a:r>
-              <a:rPr lang="da-DK" dirty="0" err="1">
-                <a:solidFill>
-                  <a:srgbClr val="000000"/>
-                </a:solidFill>
-                <a:latin typeface="Consolas" panose="020B0609020204030204" pitchFamily="49" charset="0"/>
-              </a:rPr>
-              <a:t>SetService</a:t>
-            </a:r>
-            <a:r>
-              <a:rPr lang="da-DK" dirty="0">
+              <a:rPr lang="en-US" dirty="0" err="1">
+                <a:solidFill>
+                  <a:srgbClr val="000000"/>
+                </a:solidFill>
+                <a:latin typeface="Consolas" panose="020B0609020204030204" pitchFamily="49" charset="0"/>
+              </a:rPr>
+              <a:t>DoWork</a:t>
+            </a:r>
+            <a:r>
+              <a:rPr lang="en-US" dirty="0">
                 <a:solidFill>
                   <a:srgbClr val="000000"/>
                 </a:solidFill>
@@ -13291,33 +14978,155 @@
               <a:t>(</a:t>
             </a:r>
             <a:r>
-              <a:rPr lang="da-DK" dirty="0">
+              <a:rPr lang="en-US" dirty="0">
                 <a:solidFill>
                   <a:srgbClr val="2B91AF"/>
                 </a:solidFill>
                 <a:latin typeface="Consolas" panose="020B0609020204030204" pitchFamily="49" charset="0"/>
               </a:rPr>
-              <a:t>T</a:t>
-            </a:r>
-            <a:r>
-              <a:rPr lang="da-DK" dirty="0">
-                <a:solidFill>
-                  <a:srgbClr val="000000"/>
-                </a:solidFill>
-                <a:latin typeface="Consolas" panose="020B0609020204030204" pitchFamily="49" charset="0"/>
-              </a:rPr>
-              <a:t> service);</a:t>
-            </a:r>
-          </a:p>
-          <a:p>
-            <a:r>
-              <a:rPr lang="da-DK" dirty="0">
+              <a:t>Foo</a:t>
+            </a:r>
+            <a:r>
+              <a:rPr lang="en-US" dirty="0">
+                <a:solidFill>
+                  <a:srgbClr val="000000"/>
+                </a:solidFill>
+                <a:latin typeface="Consolas" panose="020B0609020204030204" pitchFamily="49" charset="0"/>
+              </a:rPr>
+              <a:t> foo)</a:t>
+            </a:r>
+          </a:p>
+          <a:p>
+            <a:r>
+              <a:rPr lang="en-DK" dirty="0">
+                <a:solidFill>
+                  <a:srgbClr val="000000"/>
+                </a:solidFill>
+                <a:latin typeface="Consolas" panose="020B0609020204030204" pitchFamily="49" charset="0"/>
+              </a:rPr>
+              <a:t>    {</a:t>
+            </a:r>
+          </a:p>
+          <a:p>
+            <a:r>
+              <a:rPr lang="da-DK" dirty="0">
+                <a:solidFill>
+                  <a:srgbClr val="000000"/>
+                </a:solidFill>
+                <a:latin typeface="Consolas" panose="020B0609020204030204" pitchFamily="49" charset="0"/>
+              </a:rPr>
+              <a:t>        Service?.Update(foo);</a:t>
+            </a:r>
+          </a:p>
+          <a:p>
+            <a:r>
+              <a:rPr lang="en-DK" dirty="0">
+                <a:solidFill>
+                  <a:srgbClr val="000000"/>
+                </a:solidFill>
+                <a:latin typeface="Consolas" panose="020B0609020204030204" pitchFamily="49" charset="0"/>
+              </a:rPr>
+              <a:t>    }</a:t>
+            </a:r>
+          </a:p>
+          <a:p>
+            <a:r>
+              <a:rPr lang="en-DK" dirty="0">
                 <a:solidFill>
                   <a:srgbClr val="000000"/>
                 </a:solidFill>
                 <a:latin typeface="Consolas" panose="020B0609020204030204" pitchFamily="49" charset="0"/>
               </a:rPr>
               <a:t>}</a:t>
+            </a:r>
+            <a:endParaRPr lang="en-DK" dirty="0"/>
+          </a:p>
+        </p:txBody>
+      </p:sp>
+      <p:sp>
+        <p:nvSpPr>
+          <p:cNvPr id="6" name="Speech Bubble: Rectangle 5">
+            <a:extLst>
+              <a:ext uri="{FF2B5EF4-FFF2-40B4-BE49-F238E27FC236}">
+                <a16:creationId xmlns:a16="http://schemas.microsoft.com/office/drawing/2014/main" id="{1B5353CC-4C7B-4A69-938F-FF3DDF1462DA}"/>
+              </a:ext>
+            </a:extLst>
+          </p:cNvPr>
+          <p:cNvSpPr/>
+          <p:nvPr/>
+        </p:nvSpPr>
+        <p:spPr bwMode="auto">
+          <a:xfrm>
+            <a:off x="5943427" y="4868847"/>
+            <a:ext cx="2925620" cy="636870"/>
+          </a:xfrm>
+          <a:prstGeom prst="wedgeRectCallout">
+            <a:avLst>
+              <a:gd name="adj1" fmla="val -153922"/>
+              <a:gd name="adj2" fmla="val -187979"/>
+            </a:avLst>
+          </a:prstGeom>
+          <a:solidFill>
+            <a:srgbClr val="68217A"/>
+          </a:solidFill>
+          <a:ln>
+            <a:noFill/>
+            <a:headEnd type="none" w="med" len="med"/>
+            <a:tailEnd type="none" w="med" len="med"/>
+          </a:ln>
+          <a:effectLst/>
+        </p:spPr>
+        <p:style>
+          <a:lnRef idx="1">
+            <a:schemeClr val="accent2"/>
+          </a:lnRef>
+          <a:fillRef idx="3">
+            <a:schemeClr val="accent2"/>
+          </a:fillRef>
+          <a:effectRef idx="2">
+            <a:schemeClr val="accent2"/>
+          </a:effectRef>
+          <a:fontRef idx="minor">
+            <a:schemeClr val="lt1"/>
+          </a:fontRef>
+        </p:style>
+        <p:txBody>
+          <a:bodyPr rot="0" spcFirstLastPara="0" vertOverflow="overflow" horzOverflow="overflow" vert="horz" wrap="square" lIns="182880" tIns="146304" rIns="182880" bIns="146304" numCol="1" spcCol="0" rtlCol="0" fromWordArt="0" anchor="t" anchorCtr="0" forceAA="0" compatLnSpc="1">
+            <a:prstTxWarp prst="textNoShape">
+              <a:avLst/>
+            </a:prstTxWarp>
+            <a:noAutofit/>
+          </a:bodyPr>
+          <a:lstStyle/>
+          <a:p>
+            <a:pPr algn="ctr" defTabSz="932472" fontAlgn="base">
+              <a:lnSpc>
+                <a:spcPct val="90000"/>
+              </a:lnSpc>
+              <a:spcBef>
+                <a:spcPct val="0"/>
+              </a:spcBef>
+              <a:spcAft>
+                <a:spcPct val="0"/>
+              </a:spcAft>
+            </a:pPr>
+            <a:r>
+              <a:rPr lang="da-DK" sz="2400" dirty="0">
+                <a:gradFill>
+                  <a:gsLst>
+                    <a:gs pos="0">
+                      <a:srgbClr val="FFFFFF"/>
+                    </a:gs>
+                    <a:gs pos="100000">
+                      <a:srgbClr val="FFFFFF"/>
+                    </a:gs>
+                  </a:gsLst>
+                  <a:lin ang="5400000" scaled="0"/>
+                </a:gradFill>
+                <a:ea typeface="Segoe UI" pitchFamily="34" charset="0"/>
+                <a:cs typeface="Segoe UI" pitchFamily="34" charset="0"/>
+              </a:rPr>
+              <a:t>Is this King?</a:t>
             </a:r>
           </a:p>
         </p:txBody>
@@ -13325,7 +15134,7 @@
     </p:spTree>
     <p:extLst>
       <p:ext uri="{BB962C8B-B14F-4D97-AF65-F5344CB8AC3E}">
-        <p14:creationId xmlns:p14="http://schemas.microsoft.com/office/powerpoint/2010/main" val="3839271333"/>
+        <p14:creationId xmlns:p14="http://schemas.microsoft.com/office/powerpoint/2010/main" val="548886773"/>
       </p:ext>
     </p:extLst>
   </p:cSld>
@@ -13378,10 +15187,7 @@
               <a:rPr lang="da-DK" dirty="0" err="1"/>
               <a:t>Injection</a:t>
             </a:r>
-            <a:r>
-              <a:rPr lang="da-DK" dirty="0"/>
-              <a:t> II</a:t>
-            </a:r>
+            <a:endParaRPr lang="da-DK" dirty="0"/>
           </a:p>
         </p:txBody>
       </p:sp>
@@ -13393,8 +15199,8 @@
         </p:nvSpPr>
         <p:spPr>
           <a:xfrm>
-            <a:off x="182770" y="1394165"/>
-            <a:ext cx="8778144" cy="3970318"/>
+            <a:off x="2377306" y="3222945"/>
+            <a:ext cx="4571950" cy="1200329"/>
           </a:xfrm>
           <a:prstGeom prst="rect">
             <a:avLst/>
@@ -13407,7 +15213,7 @@
           <a:lstStyle/>
           <a:p>
             <a:r>
-              <a:rPr lang="en-US" dirty="0">
+              <a:rPr lang="da-DK" dirty="0">
                 <a:solidFill>
                   <a:srgbClr val="0000FF"/>
                 </a:solidFill>
@@ -13416,7 +15222,7 @@
               <a:t>public</a:t>
             </a:r>
             <a:r>
-              <a:rPr lang="en-US" dirty="0">
+              <a:rPr lang="da-DK" dirty="0">
                 <a:solidFill>
                   <a:srgbClr val="000000"/>
                 </a:solidFill>
@@ -13425,16 +15231,16 @@
               <a:t> </a:t>
             </a:r>
             <a:r>
-              <a:rPr lang="en-US" dirty="0">
+              <a:rPr lang="da-DK" dirty="0">
                 <a:solidFill>
                   <a:srgbClr val="0000FF"/>
                 </a:solidFill>
                 <a:latin typeface="Consolas" panose="020B0609020204030204" pitchFamily="49" charset="0"/>
               </a:rPr>
-              <a:t>class</a:t>
-            </a:r>
-            <a:r>
-              <a:rPr lang="en-US" dirty="0">
+              <a:t>interface</a:t>
+            </a:r>
+            <a:r>
+              <a:rPr lang="da-DK" dirty="0">
                 <a:solidFill>
                   <a:srgbClr val="000000"/>
                 </a:solidFill>
@@ -13443,406 +15249,116 @@
               <a:t> </a:t>
             </a:r>
             <a:r>
-              <a:rPr lang="en-US" dirty="0">
+              <a:rPr lang="da-DK" dirty="0" err="1">
                 <a:solidFill>
                   <a:srgbClr val="2B91AF"/>
                 </a:solidFill>
                 <a:latin typeface="Consolas" panose="020B0609020204030204" pitchFamily="49" charset="0"/>
               </a:rPr>
-              <a:t>Worker</a:t>
-            </a:r>
-            <a:r>
-              <a:rPr lang="en-US" dirty="0">
-                <a:solidFill>
-                  <a:srgbClr val="000000"/>
-                </a:solidFill>
-                <a:latin typeface="Consolas" panose="020B0609020204030204" pitchFamily="49" charset="0"/>
-              </a:rPr>
-              <a:t> : </a:t>
-            </a:r>
-            <a:r>
-              <a:rPr lang="en-US" dirty="0" err="1">
+              <a:t>IServiceSetter</a:t>
+            </a:r>
+            <a:r>
+              <a:rPr lang="da-DK" dirty="0">
+                <a:solidFill>
+                  <a:srgbClr val="000000"/>
+                </a:solidFill>
+                <a:latin typeface="Consolas" panose="020B0609020204030204" pitchFamily="49" charset="0"/>
+              </a:rPr>
+              <a:t>&lt;</a:t>
+            </a:r>
+            <a:r>
+              <a:rPr lang="da-DK" dirty="0">
                 <a:solidFill>
                   <a:srgbClr val="2B91AF"/>
                 </a:solidFill>
                 <a:latin typeface="Consolas" panose="020B0609020204030204" pitchFamily="49" charset="0"/>
               </a:rPr>
-              <a:t>IServiceSetter</a:t>
-            </a:r>
-            <a:r>
-              <a:rPr lang="en-US" dirty="0">
-                <a:solidFill>
-                  <a:srgbClr val="000000"/>
-                </a:solidFill>
-                <a:latin typeface="Consolas" panose="020B0609020204030204" pitchFamily="49" charset="0"/>
-              </a:rPr>
-              <a:t>&lt;</a:t>
-            </a:r>
-            <a:r>
-              <a:rPr lang="en-US" dirty="0" err="1">
+              <a:t>T</a:t>
+            </a:r>
+            <a:r>
+              <a:rPr lang="da-DK" dirty="0">
+                <a:solidFill>
+                  <a:srgbClr val="000000"/>
+                </a:solidFill>
+                <a:latin typeface="Consolas" panose="020B0609020204030204" pitchFamily="49" charset="0"/>
+              </a:rPr>
+              <a:t>&gt;</a:t>
+            </a:r>
+          </a:p>
+          <a:p>
+            <a:r>
+              <a:rPr lang="da-DK" dirty="0">
+                <a:solidFill>
+                  <a:srgbClr val="000000"/>
+                </a:solidFill>
+                <a:latin typeface="Consolas" panose="020B0609020204030204" pitchFamily="49" charset="0"/>
+              </a:rPr>
+              <a:t>{</a:t>
+            </a:r>
+          </a:p>
+          <a:p>
+            <a:r>
+              <a:rPr lang="da-DK" dirty="0">
+                <a:solidFill>
+                  <a:srgbClr val="000000"/>
+                </a:solidFill>
+                <a:latin typeface="Consolas" panose="020B0609020204030204" pitchFamily="49" charset="0"/>
+              </a:rPr>
+              <a:t>    </a:t>
+            </a:r>
+            <a:r>
+              <a:rPr lang="da-DK" dirty="0" err="1">
+                <a:solidFill>
+                  <a:srgbClr val="0000FF"/>
+                </a:solidFill>
+                <a:latin typeface="Consolas" panose="020B0609020204030204" pitchFamily="49" charset="0"/>
+              </a:rPr>
+              <a:t>void</a:t>
+            </a:r>
+            <a:r>
+              <a:rPr lang="da-DK" dirty="0">
+                <a:solidFill>
+                  <a:srgbClr val="000000"/>
+                </a:solidFill>
+                <a:latin typeface="Consolas" panose="020B0609020204030204" pitchFamily="49" charset="0"/>
+              </a:rPr>
+              <a:t> </a:t>
+            </a:r>
+            <a:r>
+              <a:rPr lang="da-DK" dirty="0" err="1">
+                <a:solidFill>
+                  <a:srgbClr val="000000"/>
+                </a:solidFill>
+                <a:latin typeface="Consolas" panose="020B0609020204030204" pitchFamily="49" charset="0"/>
+              </a:rPr>
+              <a:t>SetService</a:t>
+            </a:r>
+            <a:r>
+              <a:rPr lang="da-DK" dirty="0">
+                <a:solidFill>
+                  <a:srgbClr val="000000"/>
+                </a:solidFill>
+                <a:latin typeface="Consolas" panose="020B0609020204030204" pitchFamily="49" charset="0"/>
+              </a:rPr>
+              <a:t>(</a:t>
+            </a:r>
+            <a:r>
+              <a:rPr lang="da-DK" dirty="0">
                 <a:solidFill>
                   <a:srgbClr val="2B91AF"/>
                 </a:solidFill>
                 <a:latin typeface="Consolas" panose="020B0609020204030204" pitchFamily="49" charset="0"/>
               </a:rPr>
-              <a:t>IFooService</a:t>
-            </a:r>
-            <a:r>
-              <a:rPr lang="en-US" dirty="0">
-                <a:solidFill>
-                  <a:srgbClr val="000000"/>
-                </a:solidFill>
-                <a:latin typeface="Consolas" panose="020B0609020204030204" pitchFamily="49" charset="0"/>
-              </a:rPr>
-              <a:t>&gt;</a:t>
-            </a:r>
-          </a:p>
-          <a:p>
-            <a:r>
-              <a:rPr lang="da-DK" dirty="0">
-                <a:solidFill>
-                  <a:srgbClr val="000000"/>
-                </a:solidFill>
-                <a:latin typeface="Consolas" panose="020B0609020204030204" pitchFamily="49" charset="0"/>
-              </a:rPr>
-              <a:t>{</a:t>
-            </a:r>
-          </a:p>
-          <a:p>
-            <a:r>
-              <a:rPr lang="da-DK" dirty="0">
-                <a:solidFill>
-                  <a:srgbClr val="000000"/>
-                </a:solidFill>
-                <a:latin typeface="Consolas" panose="020B0609020204030204" pitchFamily="49" charset="0"/>
-              </a:rPr>
-              <a:t>    </a:t>
-            </a:r>
-            <a:r>
-              <a:rPr lang="da-DK" dirty="0">
-                <a:solidFill>
-                  <a:srgbClr val="0000FF"/>
-                </a:solidFill>
-                <a:latin typeface="Consolas" panose="020B0609020204030204" pitchFamily="49" charset="0"/>
-              </a:rPr>
-              <a:t>private</a:t>
-            </a:r>
-            <a:r>
-              <a:rPr lang="da-DK" dirty="0">
-                <a:solidFill>
-                  <a:srgbClr val="000000"/>
-                </a:solidFill>
-                <a:latin typeface="Consolas" panose="020B0609020204030204" pitchFamily="49" charset="0"/>
-              </a:rPr>
-              <a:t> </a:t>
-            </a:r>
-            <a:r>
-              <a:rPr lang="da-DK" dirty="0" err="1">
-                <a:solidFill>
-                  <a:srgbClr val="2B91AF"/>
-                </a:solidFill>
-                <a:latin typeface="Consolas" panose="020B0609020204030204" pitchFamily="49" charset="0"/>
-              </a:rPr>
-              <a:t>IFooService</a:t>
-            </a:r>
-            <a:r>
-              <a:rPr lang="da-DK" dirty="0">
-                <a:solidFill>
-                  <a:srgbClr val="000000"/>
-                </a:solidFill>
-                <a:latin typeface="Consolas" panose="020B0609020204030204" pitchFamily="49" charset="0"/>
-              </a:rPr>
-              <a:t> _service;</a:t>
-            </a:r>
-          </a:p>
-          <a:p>
-            <a:endParaRPr lang="da-DK" dirty="0">
-              <a:solidFill>
-                <a:srgbClr val="000000"/>
-              </a:solidFill>
-              <a:latin typeface="Consolas" panose="020B0609020204030204" pitchFamily="49" charset="0"/>
-            </a:endParaRPr>
-          </a:p>
-          <a:p>
-            <a:r>
-              <a:rPr lang="da-DK" dirty="0">
-                <a:solidFill>
-                  <a:srgbClr val="000000"/>
-                </a:solidFill>
-                <a:latin typeface="Consolas" panose="020B0609020204030204" pitchFamily="49" charset="0"/>
-              </a:rPr>
-              <a:t>    </a:t>
-            </a:r>
-            <a:r>
-              <a:rPr lang="da-DK" dirty="0">
-                <a:solidFill>
-                  <a:srgbClr val="0000FF"/>
-                </a:solidFill>
-                <a:latin typeface="Consolas" panose="020B0609020204030204" pitchFamily="49" charset="0"/>
-              </a:rPr>
-              <a:t>public</a:t>
-            </a:r>
-            <a:r>
-              <a:rPr lang="da-DK" dirty="0">
-                <a:solidFill>
-                  <a:srgbClr val="000000"/>
-                </a:solidFill>
-                <a:latin typeface="Consolas" panose="020B0609020204030204" pitchFamily="49" charset="0"/>
-              </a:rPr>
-              <a:t> </a:t>
-            </a:r>
-            <a:r>
-              <a:rPr lang="da-DK" dirty="0" err="1">
-                <a:solidFill>
-                  <a:srgbClr val="0000FF"/>
-                </a:solidFill>
-                <a:latin typeface="Consolas" panose="020B0609020204030204" pitchFamily="49" charset="0"/>
-              </a:rPr>
-              <a:t>void</a:t>
-            </a:r>
-            <a:r>
-              <a:rPr lang="da-DK" dirty="0">
-                <a:solidFill>
-                  <a:srgbClr val="000000"/>
-                </a:solidFill>
-                <a:latin typeface="Consolas" panose="020B0609020204030204" pitchFamily="49" charset="0"/>
-              </a:rPr>
-              <a:t> </a:t>
-            </a:r>
-            <a:r>
-              <a:rPr lang="da-DK" dirty="0" err="1">
-                <a:solidFill>
-                  <a:srgbClr val="000000"/>
-                </a:solidFill>
-                <a:latin typeface="Consolas" panose="020B0609020204030204" pitchFamily="49" charset="0"/>
-              </a:rPr>
-              <a:t>SetService</a:t>
-            </a:r>
-            <a:r>
-              <a:rPr lang="da-DK" dirty="0">
-                <a:solidFill>
-                  <a:srgbClr val="000000"/>
-                </a:solidFill>
-                <a:latin typeface="Consolas" panose="020B0609020204030204" pitchFamily="49" charset="0"/>
-              </a:rPr>
-              <a:t>(</a:t>
-            </a:r>
-            <a:r>
-              <a:rPr lang="da-DK" dirty="0" err="1">
-                <a:solidFill>
-                  <a:srgbClr val="2B91AF"/>
-                </a:solidFill>
-                <a:latin typeface="Consolas" panose="020B0609020204030204" pitchFamily="49" charset="0"/>
-              </a:rPr>
-              <a:t>IFooService</a:t>
-            </a:r>
-            <a:r>
-              <a:rPr lang="da-DK" dirty="0">
-                <a:solidFill>
-                  <a:srgbClr val="000000"/>
-                </a:solidFill>
-                <a:latin typeface="Consolas" panose="020B0609020204030204" pitchFamily="49" charset="0"/>
-              </a:rPr>
-              <a:t> service)</a:t>
-            </a:r>
-          </a:p>
-          <a:p>
-            <a:r>
-              <a:rPr lang="da-DK" dirty="0">
-                <a:solidFill>
-                  <a:srgbClr val="000000"/>
-                </a:solidFill>
-                <a:latin typeface="Consolas" panose="020B0609020204030204" pitchFamily="49" charset="0"/>
-              </a:rPr>
-              <a:t>    {</a:t>
-            </a:r>
-          </a:p>
-          <a:p>
-            <a:r>
-              <a:rPr lang="da-DK" dirty="0">
-                <a:solidFill>
-                  <a:srgbClr val="000000"/>
-                </a:solidFill>
-                <a:latin typeface="Consolas" panose="020B0609020204030204" pitchFamily="49" charset="0"/>
-              </a:rPr>
-              <a:t>        _service = service;</a:t>
-            </a:r>
-          </a:p>
-          <a:p>
-            <a:r>
-              <a:rPr lang="da-DK" dirty="0">
-                <a:solidFill>
-                  <a:srgbClr val="000000"/>
-                </a:solidFill>
-                <a:latin typeface="Consolas" panose="020B0609020204030204" pitchFamily="49" charset="0"/>
-              </a:rPr>
-              <a:t>    }</a:t>
-            </a:r>
-          </a:p>
-          <a:p>
-            <a:endParaRPr lang="da-DK" dirty="0">
-              <a:solidFill>
-                <a:srgbClr val="000000"/>
-              </a:solidFill>
-              <a:latin typeface="Consolas" panose="020B0609020204030204" pitchFamily="49" charset="0"/>
-            </a:endParaRPr>
-          </a:p>
-          <a:p>
-            <a:r>
-              <a:rPr lang="en-US" dirty="0">
-                <a:solidFill>
-                  <a:srgbClr val="000000"/>
-                </a:solidFill>
-                <a:latin typeface="Consolas" panose="020B0609020204030204" pitchFamily="49" charset="0"/>
-              </a:rPr>
-              <a:t>    </a:t>
-            </a:r>
-            <a:r>
-              <a:rPr lang="en-US" dirty="0">
-                <a:solidFill>
-                  <a:srgbClr val="0000FF"/>
-                </a:solidFill>
-                <a:latin typeface="Consolas" panose="020B0609020204030204" pitchFamily="49" charset="0"/>
-              </a:rPr>
-              <a:t>public</a:t>
-            </a:r>
-            <a:r>
-              <a:rPr lang="en-US" dirty="0">
-                <a:solidFill>
-                  <a:srgbClr val="000000"/>
-                </a:solidFill>
-                <a:latin typeface="Consolas" panose="020B0609020204030204" pitchFamily="49" charset="0"/>
-              </a:rPr>
-              <a:t> </a:t>
-            </a:r>
-            <a:r>
-              <a:rPr lang="en-US" dirty="0">
-                <a:solidFill>
-                  <a:srgbClr val="0000FF"/>
-                </a:solidFill>
-                <a:latin typeface="Consolas" panose="020B0609020204030204" pitchFamily="49" charset="0"/>
-              </a:rPr>
-              <a:t>void</a:t>
-            </a:r>
-            <a:r>
-              <a:rPr lang="en-US" dirty="0">
-                <a:solidFill>
-                  <a:srgbClr val="000000"/>
-                </a:solidFill>
-                <a:latin typeface="Consolas" panose="020B0609020204030204" pitchFamily="49" charset="0"/>
-              </a:rPr>
-              <a:t> </a:t>
-            </a:r>
-            <a:r>
-              <a:rPr lang="en-US" dirty="0" err="1">
-                <a:solidFill>
-                  <a:srgbClr val="000000"/>
-                </a:solidFill>
-                <a:latin typeface="Consolas" panose="020B0609020204030204" pitchFamily="49" charset="0"/>
-              </a:rPr>
-              <a:t>DoWork</a:t>
-            </a:r>
-            <a:r>
-              <a:rPr lang="en-US" dirty="0">
-                <a:solidFill>
-                  <a:srgbClr val="000000"/>
-                </a:solidFill>
-                <a:latin typeface="Consolas" panose="020B0609020204030204" pitchFamily="49" charset="0"/>
-              </a:rPr>
-              <a:t>(</a:t>
-            </a:r>
-            <a:r>
-              <a:rPr lang="en-US" dirty="0" err="1">
-                <a:solidFill>
-                  <a:srgbClr val="2B91AF"/>
-                </a:solidFill>
-                <a:latin typeface="Consolas" panose="020B0609020204030204" pitchFamily="49" charset="0"/>
-              </a:rPr>
-              <a:t>FooDto</a:t>
-            </a:r>
-            <a:r>
-              <a:rPr lang="en-US" dirty="0">
-                <a:solidFill>
-                  <a:srgbClr val="000000"/>
-                </a:solidFill>
-                <a:latin typeface="Consolas" panose="020B0609020204030204" pitchFamily="49" charset="0"/>
-              </a:rPr>
-              <a:t> </a:t>
-            </a:r>
-            <a:r>
-              <a:rPr lang="en-US" dirty="0" err="1">
-                <a:solidFill>
-                  <a:srgbClr val="000000"/>
-                </a:solidFill>
-                <a:latin typeface="Consolas" panose="020B0609020204030204" pitchFamily="49" charset="0"/>
-              </a:rPr>
-              <a:t>fooDto</a:t>
-            </a:r>
-            <a:r>
-              <a:rPr lang="en-US" dirty="0">
-                <a:solidFill>
-                  <a:srgbClr val="000000"/>
-                </a:solidFill>
-                <a:latin typeface="Consolas" panose="020B0609020204030204" pitchFamily="49" charset="0"/>
-              </a:rPr>
-              <a:t>)</a:t>
-            </a:r>
-          </a:p>
-          <a:p>
-            <a:r>
-              <a:rPr lang="da-DK" dirty="0">
-                <a:solidFill>
-                  <a:srgbClr val="000000"/>
-                </a:solidFill>
-                <a:latin typeface="Consolas" panose="020B0609020204030204" pitchFamily="49" charset="0"/>
-              </a:rPr>
-              <a:t>    {</a:t>
-            </a:r>
-          </a:p>
-          <a:p>
-            <a:r>
-              <a:rPr lang="da-DK" dirty="0">
-                <a:solidFill>
-                  <a:srgbClr val="000000"/>
-                </a:solidFill>
-                <a:latin typeface="Consolas" panose="020B0609020204030204" pitchFamily="49" charset="0"/>
-              </a:rPr>
-              <a:t>        </a:t>
-            </a:r>
-            <a:r>
-              <a:rPr lang="da-DK" dirty="0">
-                <a:solidFill>
-                  <a:srgbClr val="008000"/>
-                </a:solidFill>
-                <a:latin typeface="Consolas" panose="020B0609020204030204" pitchFamily="49" charset="0"/>
-              </a:rPr>
-              <a:t>// </a:t>
-            </a:r>
-            <a:r>
-              <a:rPr lang="da-DK" dirty="0" err="1">
-                <a:solidFill>
-                  <a:srgbClr val="008000"/>
-                </a:solidFill>
-                <a:latin typeface="Consolas" panose="020B0609020204030204" pitchFamily="49" charset="0"/>
-              </a:rPr>
-              <a:t>Implementation</a:t>
-            </a:r>
-            <a:endParaRPr lang="da-DK" dirty="0">
-              <a:solidFill>
-                <a:srgbClr val="000000"/>
-              </a:solidFill>
-              <a:latin typeface="Consolas" panose="020B0609020204030204" pitchFamily="49" charset="0"/>
-            </a:endParaRPr>
-          </a:p>
-          <a:p>
-            <a:r>
-              <a:rPr lang="da-DK" dirty="0">
-                <a:solidFill>
-                  <a:srgbClr val="000000"/>
-                </a:solidFill>
-                <a:latin typeface="Consolas" panose="020B0609020204030204" pitchFamily="49" charset="0"/>
-              </a:rPr>
-              <a:t>    }</a:t>
+              <a:t>T</a:t>
+            </a:r>
+            <a:r>
+              <a:rPr lang="da-DK" dirty="0">
+                <a:solidFill>
+                  <a:srgbClr val="000000"/>
+                </a:solidFill>
+                <a:latin typeface="Consolas" panose="020B0609020204030204" pitchFamily="49" charset="0"/>
+              </a:rPr>
+              <a:t> service);</a:t>
             </a:r>
           </a:p>
           <a:p>
@@ -13854,189 +15370,6 @@
                 <a:latin typeface="Consolas" panose="020B0609020204030204" pitchFamily="49" charset="0"/>
               </a:rPr>
               <a:t>}</a:t>
-            </a:r>
-            <a:endParaRPr lang="da-DK" dirty="0"/>
-          </a:p>
-        </p:txBody>
-      </p:sp>
-      <p:sp>
-        <p:nvSpPr>
-          <p:cNvPr id="4" name="Speech Bubble: Rectangle 3"/>
-          <p:cNvSpPr/>
-          <p:nvPr/>
-        </p:nvSpPr>
-        <p:spPr bwMode="auto">
-          <a:xfrm>
-            <a:off x="6309183" y="295275"/>
-            <a:ext cx="2925620" cy="636870"/>
-          </a:xfrm>
-          <a:prstGeom prst="wedgeRectCallout">
-            <a:avLst>
-              <a:gd name="adj1" fmla="val -99187"/>
-              <a:gd name="adj2" fmla="val 131235"/>
-            </a:avLst>
-          </a:prstGeom>
-          <a:solidFill>
-            <a:srgbClr val="68217A"/>
-          </a:solidFill>
-          <a:ln>
-            <a:noFill/>
-            <a:headEnd type="none" w="med" len="med"/>
-            <a:tailEnd type="none" w="med" len="med"/>
-          </a:ln>
-          <a:effectLst/>
-        </p:spPr>
-        <p:style>
-          <a:lnRef idx="1">
-            <a:schemeClr val="accent2"/>
-          </a:lnRef>
-          <a:fillRef idx="3">
-            <a:schemeClr val="accent2"/>
-          </a:fillRef>
-          <a:effectRef idx="2">
-            <a:schemeClr val="accent2"/>
-          </a:effectRef>
-          <a:fontRef idx="minor">
-            <a:schemeClr val="lt1"/>
-          </a:fontRef>
-        </p:style>
-        <p:txBody>
-          <a:bodyPr rot="0" spcFirstLastPara="0" vertOverflow="overflow" horzOverflow="overflow" vert="horz" wrap="square" lIns="182880" tIns="146304" rIns="182880" bIns="146304" numCol="1" spcCol="0" rtlCol="0" fromWordArt="0" anchor="t" anchorCtr="0" forceAA="0" compatLnSpc="1">
-            <a:prstTxWarp prst="textNoShape">
-              <a:avLst/>
-            </a:prstTxWarp>
-            <a:noAutofit/>
-          </a:bodyPr>
-          <a:lstStyle/>
-          <a:p>
-            <a:pPr algn="ctr" defTabSz="932472" fontAlgn="base">
-              <a:lnSpc>
-                <a:spcPct val="90000"/>
-              </a:lnSpc>
-              <a:spcBef>
-                <a:spcPct val="0"/>
-              </a:spcBef>
-              <a:spcAft>
-                <a:spcPct val="0"/>
-              </a:spcAft>
-            </a:pPr>
-            <a:r>
-              <a:rPr lang="da-DK" sz="2400" dirty="0">
-                <a:gradFill>
-                  <a:gsLst>
-                    <a:gs pos="0">
-                      <a:srgbClr val="FFFFFF"/>
-                    </a:gs>
-                    <a:gs pos="100000">
-                      <a:srgbClr val="FFFFFF"/>
-                    </a:gs>
-                  </a:gsLst>
-                  <a:lin ang="5400000" scaled="0"/>
-                </a:gradFill>
-                <a:ea typeface="Segoe UI" pitchFamily="34" charset="0"/>
-                <a:cs typeface="Segoe UI" pitchFamily="34" charset="0"/>
-              </a:rPr>
-              <a:t>Interface</a:t>
-            </a:r>
-          </a:p>
-        </p:txBody>
-      </p:sp>
-      <p:sp>
-        <p:nvSpPr>
-          <p:cNvPr id="5" name="Speech Bubble: Rectangle 4"/>
-          <p:cNvSpPr/>
-          <p:nvPr/>
-        </p:nvSpPr>
-        <p:spPr bwMode="auto">
-          <a:xfrm>
-            <a:off x="5669110" y="4107404"/>
-            <a:ext cx="2925620" cy="914390"/>
-          </a:xfrm>
-          <a:prstGeom prst="wedgeRectCallout">
-            <a:avLst>
-              <a:gd name="adj1" fmla="val -104544"/>
-              <a:gd name="adj2" fmla="val -178930"/>
-            </a:avLst>
-          </a:prstGeom>
-          <a:solidFill>
-            <a:srgbClr val="68217A"/>
-          </a:solidFill>
-          <a:ln>
-            <a:noFill/>
-            <a:headEnd type="none" w="med" len="med"/>
-            <a:tailEnd type="none" w="med" len="med"/>
-          </a:ln>
-          <a:effectLst/>
-        </p:spPr>
-        <p:style>
-          <a:lnRef idx="1">
-            <a:schemeClr val="accent2"/>
-          </a:lnRef>
-          <a:fillRef idx="3">
-            <a:schemeClr val="accent2"/>
-          </a:fillRef>
-          <a:effectRef idx="2">
-            <a:schemeClr val="accent2"/>
-          </a:effectRef>
-          <a:fontRef idx="minor">
-            <a:schemeClr val="lt1"/>
-          </a:fontRef>
-        </p:style>
-        <p:txBody>
-          <a:bodyPr rot="0" spcFirstLastPara="0" vertOverflow="overflow" horzOverflow="overflow" vert="horz" wrap="square" lIns="182880" tIns="146304" rIns="182880" bIns="146304" numCol="1" spcCol="0" rtlCol="0" fromWordArt="0" anchor="t" anchorCtr="0" forceAA="0" compatLnSpc="1">
-            <a:prstTxWarp prst="textNoShape">
-              <a:avLst/>
-            </a:prstTxWarp>
-            <a:noAutofit/>
-          </a:bodyPr>
-          <a:lstStyle/>
-          <a:p>
-            <a:pPr algn="ctr" defTabSz="932472" fontAlgn="base">
-              <a:lnSpc>
-                <a:spcPct val="90000"/>
-              </a:lnSpc>
-              <a:spcBef>
-                <a:spcPct val="0"/>
-              </a:spcBef>
-              <a:spcAft>
-                <a:spcPct val="0"/>
-              </a:spcAft>
-            </a:pPr>
-            <a:r>
-              <a:rPr lang="da-DK" sz="2400" dirty="0" err="1">
-                <a:gradFill>
-                  <a:gsLst>
-                    <a:gs pos="0">
-                      <a:srgbClr val="FFFFFF"/>
-                    </a:gs>
-                    <a:gs pos="100000">
-                      <a:srgbClr val="FFFFFF"/>
-                    </a:gs>
-                  </a:gsLst>
-                  <a:lin ang="5400000" scaled="0"/>
-                </a:gradFill>
-                <a:ea typeface="Segoe UI" pitchFamily="34" charset="0"/>
-                <a:cs typeface="Segoe UI" pitchFamily="34" charset="0"/>
-              </a:rPr>
-              <a:t>Implement</a:t>
-            </a:r>
-            <a:r>
-              <a:rPr lang="da-DK" sz="2400" dirty="0">
-                <a:gradFill>
-                  <a:gsLst>
-                    <a:gs pos="0">
-                      <a:srgbClr val="FFFFFF"/>
-                    </a:gs>
-                    <a:gs pos="100000">
-                      <a:srgbClr val="FFFFFF"/>
-                    </a:gs>
-                  </a:gsLst>
-                  <a:lin ang="5400000" scaled="0"/>
-                </a:gradFill>
-                <a:ea typeface="Segoe UI" pitchFamily="34" charset="0"/>
-                <a:cs typeface="Segoe UI" pitchFamily="34" charset="0"/>
-              </a:rPr>
-              <a:t> interface</a:t>
             </a:r>
           </a:p>
         </p:txBody>
@@ -14044,7 +15377,7 @@
     </p:spTree>
     <p:extLst>
       <p:ext uri="{BB962C8B-B14F-4D97-AF65-F5344CB8AC3E}">
-        <p14:creationId xmlns:p14="http://schemas.microsoft.com/office/powerpoint/2010/main" val="735320054"/>
+        <p14:creationId xmlns:p14="http://schemas.microsoft.com/office/powerpoint/2010/main" val="3839271333"/>
       </p:ext>
     </p:extLst>
   </p:cSld>

--- a/Slides/Lecture05 - Dependency Injection, Unit Testing EF.pptx
+++ b/Slides/Lecture05 - Dependency Injection, Unit Testing EF.pptx
@@ -10723,7 +10723,7 @@
           </a:p>
           <a:p>
             <a:r>
-              <a:rPr lang="en-US">
+              <a:rPr lang="en-US" dirty="0">
                 <a:solidFill>
                   <a:srgbClr val="000000"/>
                 </a:solidFill>
@@ -11550,7 +11550,7 @@
         <p:spPr bwMode="auto">
           <a:xfrm>
             <a:off x="5486232" y="3954457"/>
-            <a:ext cx="2926048" cy="1097268"/>
+            <a:ext cx="2651731" cy="1097268"/>
           </a:xfrm>
           <a:prstGeom prst="rect">
             <a:avLst/>
@@ -11600,64 +11600,14 @@
               </a:spcAft>
             </a:pPr>
             <a:r>
-              <a:rPr lang="da-DK" sz="2800" dirty="0" err="1">
+              <a:rPr lang="da-DK" sz="2800" dirty="0">
                 <a:solidFill>
                   <a:schemeClr val="tx1"/>
                 </a:solidFill>
                 <a:ea typeface="Segoe UI" pitchFamily="34" charset="0"/>
                 <a:cs typeface="Segoe UI" pitchFamily="34" charset="0"/>
               </a:rPr>
-              <a:t>Don’t</a:t>
-            </a:r>
-            <a:r>
-              <a:rPr lang="da-DK" sz="2800" dirty="0">
-                <a:solidFill>
-                  <a:schemeClr val="tx1"/>
-                </a:solidFill>
-                <a:ea typeface="Segoe UI" pitchFamily="34" charset="0"/>
-                <a:cs typeface="Segoe UI" pitchFamily="34" charset="0"/>
-              </a:rPr>
-              <a:t> test </a:t>
-            </a:r>
-            <a:r>
-              <a:rPr lang="da-DK" sz="2800" dirty="0" err="1">
-                <a:solidFill>
-                  <a:schemeClr val="tx1"/>
-                </a:solidFill>
-                <a:ea typeface="Segoe UI" pitchFamily="34" charset="0"/>
-                <a:cs typeface="Segoe UI" pitchFamily="34" charset="0"/>
-              </a:rPr>
-              <a:t>built</a:t>
-            </a:r>
-            <a:r>
-              <a:rPr lang="da-DK" sz="2800" dirty="0">
-                <a:solidFill>
-                  <a:schemeClr val="tx1"/>
-                </a:solidFill>
-                <a:ea typeface="Segoe UI" pitchFamily="34" charset="0"/>
-                <a:cs typeface="Segoe UI" pitchFamily="34" charset="0"/>
-              </a:rPr>
-              <a:t> in </a:t>
-            </a:r>
-            <a:r>
-              <a:rPr lang="da-DK" sz="2800" dirty="0" err="1">
-                <a:solidFill>
-                  <a:schemeClr val="tx1"/>
-                </a:solidFill>
-                <a:ea typeface="Segoe UI" pitchFamily="34" charset="0"/>
-                <a:cs typeface="Segoe UI" pitchFamily="34" charset="0"/>
-              </a:rPr>
-              <a:t>code</a:t>
-            </a:r>
-            <a:r>
-              <a:rPr lang="da-DK" sz="2800" dirty="0">
-                <a:solidFill>
-                  <a:schemeClr val="tx1"/>
-                </a:solidFill>
-                <a:ea typeface="Segoe UI" pitchFamily="34" charset="0"/>
-                <a:cs typeface="Segoe UI" pitchFamily="34" charset="0"/>
-              </a:rPr>
-              <a:t>…</a:t>
+              <a:t>Don’t test built-in code…</a:t>
             </a:r>
           </a:p>
         </p:txBody>
